--- a/Deliverables/Presentation/Writing_Project_Poster.pptx
+++ b/Deliverables/Presentation/Writing_Project_Poster.pptx
@@ -266,7 +266,7 @@
             <a:fld id="{00FA47F7-99C9-4EE5-BD1B-C21D2E1C298F}" type="datetimeFigureOut">
               <a:rPr lang="en-US" altLang="en-US"/>
               <a:pPr/>
-              <a:t>3/12/2024</a:t>
+              <a:t>3/19/2024</a:t>
             </a:fld>
             <a:endParaRPr lang="en-US" altLang="en-US"/>
           </a:p>
@@ -700,7 +700,10 @@
                 <a:spcPct val="0"/>
               </a:spcBef>
             </a:pPr>
-            <a:endParaRPr lang="en-US" altLang="en-US" dirty="0"/>
+            <a:r>
+              <a:rPr lang="en-US" altLang="en-US" dirty="0"/>
+              <a:t>Description -&gt; RNN -&gt; LSTM -&gt; RQ -&gt; Data -&gt; Imputation -&gt; Preliminary Results -&gt; Future Work/References</a:t>
+            </a:r>
           </a:p>
         </p:txBody>
       </p:sp>
@@ -1338,7 +1341,7 @@
             <a:fld id="{72814412-53BC-4F43-A232-FDB6B57F88B3}" type="datetimeFigureOut">
               <a:rPr lang="en-US" altLang="en-US"/>
               <a:pPr/>
-              <a:t>3/12/2024</a:t>
+              <a:t>3/19/2024</a:t>
             </a:fld>
             <a:endParaRPr lang="en-US" altLang="en-US"/>
           </a:p>
@@ -1541,7 +1544,7 @@
             <a:fld id="{0F3A82DB-4A48-4A53-9048-C0969ECD3E2C}" type="datetimeFigureOut">
               <a:rPr lang="en-US" altLang="en-US"/>
               <a:pPr/>
-              <a:t>3/12/2024</a:t>
+              <a:t>3/19/2024</a:t>
             </a:fld>
             <a:endParaRPr lang="en-US" altLang="en-US"/>
           </a:p>
@@ -1754,7 +1757,7 @@
             <a:fld id="{33748C70-587F-46B3-915A-27D74F0B0FC2}" type="datetimeFigureOut">
               <a:rPr lang="en-US" altLang="en-US"/>
               <a:pPr/>
-              <a:t>3/12/2024</a:t>
+              <a:t>3/19/2024</a:t>
             </a:fld>
             <a:endParaRPr lang="en-US" altLang="en-US"/>
           </a:p>
@@ -1957,7 +1960,7 @@
             <a:fld id="{026C2D46-3CA2-410F-AFF6-6B62E5A53E13}" type="datetimeFigureOut">
               <a:rPr lang="en-US" altLang="en-US"/>
               <a:pPr/>
-              <a:t>3/12/2024</a:t>
+              <a:t>3/19/2024</a:t>
             </a:fld>
             <a:endParaRPr lang="en-US" altLang="en-US"/>
           </a:p>
@@ -2237,7 +2240,7 @@
             <a:fld id="{2FD40994-E7FE-418E-AA2B-4F9B8268DCA3}" type="datetimeFigureOut">
               <a:rPr lang="en-US" altLang="en-US"/>
               <a:pPr/>
-              <a:t>3/12/2024</a:t>
+              <a:t>3/19/2024</a:t>
             </a:fld>
             <a:endParaRPr lang="en-US" altLang="en-US"/>
           </a:p>
@@ -2557,7 +2560,7 @@
             <a:fld id="{AD3F1DCD-4768-4E9B-B2BF-05FFEF567CCF}" type="datetimeFigureOut">
               <a:rPr lang="en-US" altLang="en-US"/>
               <a:pPr/>
-              <a:t>3/12/2024</a:t>
+              <a:t>3/19/2024</a:t>
             </a:fld>
             <a:endParaRPr lang="en-US" altLang="en-US"/>
           </a:p>
@@ -3016,7 +3019,7 @@
             <a:fld id="{6637187A-5908-4908-A4D6-79AB41DAC0CF}" type="datetimeFigureOut">
               <a:rPr lang="en-US" altLang="en-US"/>
               <a:pPr/>
-              <a:t>3/12/2024</a:t>
+              <a:t>3/19/2024</a:t>
             </a:fld>
             <a:endParaRPr lang="en-US" altLang="en-US"/>
           </a:p>
@@ -3168,7 +3171,7 @@
             <a:fld id="{8DA2F5F6-585C-442D-9124-DAE45CBD89C8}" type="datetimeFigureOut">
               <a:rPr lang="en-US" altLang="en-US"/>
               <a:pPr/>
-              <a:t>3/12/2024</a:t>
+              <a:t>3/19/2024</a:t>
             </a:fld>
             <a:endParaRPr lang="en-US" altLang="en-US"/>
           </a:p>
@@ -3298,7 +3301,7 @@
             <a:fld id="{17FFB33C-5AA9-4BEC-9C08-B6B598FFBB5E}" type="datetimeFigureOut">
               <a:rPr lang="en-US" altLang="en-US"/>
               <a:pPr/>
-              <a:t>3/12/2024</a:t>
+              <a:t>3/19/2024</a:t>
             </a:fld>
             <a:endParaRPr lang="en-US" altLang="en-US"/>
           </a:p>
@@ -3608,7 +3611,7 @@
             <a:fld id="{9FDBC270-2C77-4D67-A2AF-0D3DE25411AD}" type="datetimeFigureOut">
               <a:rPr lang="en-US" altLang="en-US"/>
               <a:pPr/>
-              <a:t>3/12/2024</a:t>
+              <a:t>3/19/2024</a:t>
             </a:fld>
             <a:endParaRPr lang="en-US" altLang="en-US"/>
           </a:p>
@@ -3898,7 +3901,7 @@
             <a:fld id="{313FA76A-0515-4A97-B5FA-3CAAE0DE08C5}" type="datetimeFigureOut">
               <a:rPr lang="en-US" altLang="en-US"/>
               <a:pPr/>
-              <a:t>3/12/2024</a:t>
+              <a:t>3/19/2024</a:t>
             </a:fld>
             <a:endParaRPr lang="en-US" altLang="en-US"/>
           </a:p>
@@ -4209,7 +4212,7 @@
             <a:fld id="{5E287209-36EF-4B16-96C3-7AE719E4A284}" type="datetimeFigureOut">
               <a:rPr lang="en-US" altLang="en-US"/>
               <a:pPr/>
-              <a:t>3/12/2024</a:t>
+              <a:t>3/19/2024</a:t>
             </a:fld>
             <a:endParaRPr lang="en-US" altLang="en-US"/>
           </a:p>
@@ -5519,7 +5522,7 @@
         </p:nvSpPr>
         <p:spPr bwMode="auto">
           <a:xfrm>
-            <a:off x="16764000" y="2895600"/>
+            <a:off x="24965564" y="2895600"/>
             <a:ext cx="8001000" cy="969963"/>
           </a:xfrm>
           <a:prstGeom prst="rect">
@@ -5868,14 +5871,14 @@
           </a:ln>
           <a:extLst>
             <a:ext uri="{909E8E84-426E-40dd-AFC4-6F175D3DCCD1}">
-              <a14:hiddenFill xmlns="" xmlns:a14="http://schemas.microsoft.com/office/drawing/2010/main">
+              <a14:hiddenFill xmlns:a14="http://schemas.microsoft.com/office/drawing/2010/main" xmlns="">
                 <a:solidFill>
                   <a:srgbClr val="FFFFFF"/>
                 </a:solidFill>
               </a14:hiddenFill>
             </a:ext>
             <a:ext uri="{91240B29-F687-4f45-9708-019B960494DF}">
-              <a14:hiddenLine xmlns="" xmlns:a14="http://schemas.microsoft.com/office/drawing/2010/main" w="9525">
+              <a14:hiddenLine xmlns:a14="http://schemas.microsoft.com/office/drawing/2010/main" xmlns="" w="9525">
                 <a:solidFill>
                   <a:srgbClr val="000000"/>
                 </a:solidFill>
@@ -6649,176 +6652,6 @@
       </p:sp>
       <p:sp>
         <p:nvSpPr>
-          <p:cNvPr id="14355" name="TextBox 18">
-            <a:extLst>
-              <a:ext uri="{FF2B5EF4-FFF2-40B4-BE49-F238E27FC236}">
-                <a16:creationId xmlns:a16="http://schemas.microsoft.com/office/drawing/2014/main" id="{927738B5-A30B-4246-8BB0-C321C3F7E7D3}"/>
-              </a:ext>
-            </a:extLst>
-          </p:cNvPr>
-          <p:cNvSpPr txBox="1">
-            <a:spLocks noChangeArrowheads="1"/>
-          </p:cNvSpPr>
-          <p:nvPr/>
-        </p:nvSpPr>
-        <p:spPr bwMode="auto">
-          <a:xfrm>
-            <a:off x="24815800" y="2895600"/>
-            <a:ext cx="8001000" cy="969963"/>
-          </a:xfrm>
-          <a:prstGeom prst="rect">
-            <a:avLst/>
-          </a:prstGeom>
-          <a:noFill/>
-          <a:ln>
-            <a:noFill/>
-          </a:ln>
-          <a:extLst>
-            <a:ext uri="{909E8E84-426E-40DD-AFC4-6F175D3DCCD1}">
-              <a14:hiddenFill xmlns:a14="http://schemas.microsoft.com/office/drawing/2010/main">
-                <a:solidFill>
-                  <a:srgbClr val="FFFFFF"/>
-                </a:solidFill>
-              </a14:hiddenFill>
-            </a:ext>
-            <a:ext uri="{91240B29-F687-4F45-9708-019B960494DF}">
-              <a14:hiddenLine xmlns:a14="http://schemas.microsoft.com/office/drawing/2010/main" w="9525">
-                <a:solidFill>
-                  <a:srgbClr val="000000"/>
-                </a:solidFill>
-                <a:miter lim="800000"/>
-                <a:headEnd/>
-                <a:tailEnd/>
-              </a14:hiddenLine>
-            </a:ext>
-          </a:extLst>
-        </p:spPr>
-        <p:txBody>
-          <a:bodyPr>
-            <a:spAutoFit/>
-          </a:bodyPr>
-          <a:lstStyle>
-            <a:lvl1pPr>
-              <a:defRPr sz="5700">
-                <a:solidFill>
-                  <a:schemeClr val="tx1"/>
-                </a:solidFill>
-                <a:latin typeface="Calibri" panose="020F0502020204030204" pitchFamily="34" charset="0"/>
-                <a:ea typeface="MS PGothic" panose="020B0600070205080204" pitchFamily="34" charset="-128"/>
-              </a:defRPr>
-            </a:lvl1pPr>
-            <a:lvl2pPr marL="742950" indent="-285750">
-              <a:defRPr sz="5700">
-                <a:solidFill>
-                  <a:schemeClr val="tx1"/>
-                </a:solidFill>
-                <a:latin typeface="Calibri" panose="020F0502020204030204" pitchFamily="34" charset="0"/>
-                <a:ea typeface="MS PGothic" panose="020B0600070205080204" pitchFamily="34" charset="-128"/>
-              </a:defRPr>
-            </a:lvl2pPr>
-            <a:lvl3pPr marL="1143000" indent="-228600">
-              <a:defRPr sz="5700">
-                <a:solidFill>
-                  <a:schemeClr val="tx1"/>
-                </a:solidFill>
-                <a:latin typeface="Calibri" panose="020F0502020204030204" pitchFamily="34" charset="0"/>
-                <a:ea typeface="MS PGothic" panose="020B0600070205080204" pitchFamily="34" charset="-128"/>
-              </a:defRPr>
-            </a:lvl3pPr>
-            <a:lvl4pPr marL="1600200" indent="-228600">
-              <a:defRPr sz="5700">
-                <a:solidFill>
-                  <a:schemeClr val="tx1"/>
-                </a:solidFill>
-                <a:latin typeface="Calibri" panose="020F0502020204030204" pitchFamily="34" charset="0"/>
-                <a:ea typeface="MS PGothic" panose="020B0600070205080204" pitchFamily="34" charset="-128"/>
-              </a:defRPr>
-            </a:lvl4pPr>
-            <a:lvl5pPr marL="2057400" indent="-228600">
-              <a:defRPr sz="5700">
-                <a:solidFill>
-                  <a:schemeClr val="tx1"/>
-                </a:solidFill>
-                <a:latin typeface="Calibri" panose="020F0502020204030204" pitchFamily="34" charset="0"/>
-                <a:ea typeface="MS PGothic" panose="020B0600070205080204" pitchFamily="34" charset="-128"/>
-              </a:defRPr>
-            </a:lvl5pPr>
-            <a:lvl6pPr marL="2514600" indent="-228600" defTabSz="2874963" eaLnBrk="0" fontAlgn="base" hangingPunct="0">
-              <a:spcBef>
-                <a:spcPct val="0"/>
-              </a:spcBef>
-              <a:spcAft>
-                <a:spcPct val="0"/>
-              </a:spcAft>
-              <a:defRPr sz="5700">
-                <a:solidFill>
-                  <a:schemeClr val="tx1"/>
-                </a:solidFill>
-                <a:latin typeface="Calibri" panose="020F0502020204030204" pitchFamily="34" charset="0"/>
-                <a:ea typeface="MS PGothic" panose="020B0600070205080204" pitchFamily="34" charset="-128"/>
-              </a:defRPr>
-            </a:lvl6pPr>
-            <a:lvl7pPr marL="2971800" indent="-228600" defTabSz="2874963" eaLnBrk="0" fontAlgn="base" hangingPunct="0">
-              <a:spcBef>
-                <a:spcPct val="0"/>
-              </a:spcBef>
-              <a:spcAft>
-                <a:spcPct val="0"/>
-              </a:spcAft>
-              <a:defRPr sz="5700">
-                <a:solidFill>
-                  <a:schemeClr val="tx1"/>
-                </a:solidFill>
-                <a:latin typeface="Calibri" panose="020F0502020204030204" pitchFamily="34" charset="0"/>
-                <a:ea typeface="MS PGothic" panose="020B0600070205080204" pitchFamily="34" charset="-128"/>
-              </a:defRPr>
-            </a:lvl7pPr>
-            <a:lvl8pPr marL="3429000" indent="-228600" defTabSz="2874963" eaLnBrk="0" fontAlgn="base" hangingPunct="0">
-              <a:spcBef>
-                <a:spcPct val="0"/>
-              </a:spcBef>
-              <a:spcAft>
-                <a:spcPct val="0"/>
-              </a:spcAft>
-              <a:defRPr sz="5700">
-                <a:solidFill>
-                  <a:schemeClr val="tx1"/>
-                </a:solidFill>
-                <a:latin typeface="Calibri" panose="020F0502020204030204" pitchFamily="34" charset="0"/>
-                <a:ea typeface="MS PGothic" panose="020B0600070205080204" pitchFamily="34" charset="-128"/>
-              </a:defRPr>
-            </a:lvl8pPr>
-            <a:lvl9pPr marL="3886200" indent="-228600" defTabSz="2874963" eaLnBrk="0" fontAlgn="base" hangingPunct="0">
-              <a:spcBef>
-                <a:spcPct val="0"/>
-              </a:spcBef>
-              <a:spcAft>
-                <a:spcPct val="0"/>
-              </a:spcAft>
-              <a:defRPr sz="5700">
-                <a:solidFill>
-                  <a:schemeClr val="tx1"/>
-                </a:solidFill>
-                <a:latin typeface="Calibri" panose="020F0502020204030204" pitchFamily="34" charset="0"/>
-                <a:ea typeface="MS PGothic" panose="020B0600070205080204" pitchFamily="34" charset="-128"/>
-              </a:defRPr>
-            </a:lvl9pPr>
-          </a:lstStyle>
-          <a:p>
-            <a:pPr algn="ctr" eaLnBrk="1" hangingPunct="1"/>
-            <a:r>
-              <a:rPr lang="en-US" altLang="en-US" dirty="0">
-                <a:solidFill>
-                  <a:srgbClr val="0070C0"/>
-                </a:solidFill>
-              </a:rPr>
-              <a:t>Preliminary Results</a:t>
-            </a:r>
-          </a:p>
-        </p:txBody>
-      </p:sp>
-      <p:sp>
-        <p:nvSpPr>
           <p:cNvPr id="14357" name="TextBox 22">
             <a:extLst>
               <a:ext uri="{FF2B5EF4-FFF2-40B4-BE49-F238E27FC236}">
@@ -6845,14 +6678,14 @@
           </a:ln>
           <a:extLst>
             <a:ext uri="{909E8E84-426E-40dd-AFC4-6F175D3DCCD1}">
-              <a14:hiddenFill xmlns="" xmlns:a14="http://schemas.microsoft.com/office/drawing/2010/main">
+              <a14:hiddenFill xmlns:a14="http://schemas.microsoft.com/office/drawing/2010/main" xmlns="">
                 <a:solidFill>
                   <a:srgbClr val="FFFFFF"/>
                 </a:solidFill>
               </a14:hiddenFill>
             </a:ext>
             <a:ext uri="{91240B29-F687-4f45-9708-019B960494DF}">
-              <a14:hiddenLine xmlns="" xmlns:a14="http://schemas.microsoft.com/office/drawing/2010/main" w="9525">
+              <a14:hiddenLine xmlns:a14="http://schemas.microsoft.com/office/drawing/2010/main" xmlns="" w="9525">
                 <a:solidFill>
                   <a:srgbClr val="000000"/>
                 </a:solidFill>
@@ -6996,7 +6829,7 @@
         <p:spPr bwMode="auto">
           <a:xfrm>
             <a:off x="203200" y="3858418"/>
-            <a:ext cx="8001000" cy="9448740"/>
+            <a:ext cx="8001000" cy="10433625"/>
           </a:xfrm>
           <a:prstGeom prst="rect">
             <a:avLst/>
@@ -7177,7 +7010,7 @@
             </a:r>
             <a:r>
               <a:rPr lang="en-US" altLang="en-US" sz="3200" dirty="0"/>
-              <a:t> (ARIMA) models take into account</a:t>
+              <a:t> (ARIMA) models take into account;</a:t>
             </a:r>
           </a:p>
           <a:p>
@@ -7188,6 +7021,16 @@
             <a:r>
               <a:rPr lang="en-US" altLang="en-US" sz="3200" dirty="0"/>
               <a:t>How many time points back to incorporate (AR)</a:t>
+            </a:r>
+          </a:p>
+          <a:p>
+            <a:pPr marL="1200150" lvl="1" indent="-457200" eaLnBrk="1" hangingPunct="1">
+              <a:buFont typeface="Arial" panose="020B0604020202020204" pitchFamily="34" charset="0"/>
+              <a:buChar char="•"/>
+            </a:pPr>
+            <a:r>
+              <a:rPr lang="en-US" altLang="en-US" sz="3200" dirty="0"/>
+              <a:t>How many orders of differencing were done (Integrated)</a:t>
             </a:r>
           </a:p>
           <a:p>
@@ -7257,7 +7100,7 @@
         </p:nvSpPr>
         <p:spPr bwMode="auto">
           <a:xfrm>
-            <a:off x="66126" y="12505751"/>
+            <a:off x="28518" y="13107329"/>
             <a:ext cx="8001000" cy="707886"/>
           </a:xfrm>
           <a:prstGeom prst="rect">
@@ -7427,7 +7270,7 @@
         </p:nvSpPr>
         <p:spPr bwMode="auto">
           <a:xfrm>
-            <a:off x="16713200" y="3858418"/>
+            <a:off x="24914764" y="3858418"/>
             <a:ext cx="8001000" cy="4031873"/>
           </a:xfrm>
           <a:prstGeom prst="rect">
@@ -7796,7 +7639,7 @@
         </p:nvSpPr>
         <p:spPr bwMode="auto">
           <a:xfrm>
-            <a:off x="16659167" y="7853055"/>
+            <a:off x="24860731" y="7853055"/>
             <a:ext cx="8001000" cy="969963"/>
           </a:xfrm>
           <a:prstGeom prst="rect">
@@ -7945,7 +7788,7 @@
                   <a:srgbClr val="0070C0"/>
                 </a:solidFill>
               </a:rPr>
-              <a:t>Method</a:t>
+              <a:t>Methods</a:t>
             </a:r>
           </a:p>
         </p:txBody>
@@ -7966,8 +7809,8 @@
         </p:nvSpPr>
         <p:spPr bwMode="auto">
           <a:xfrm>
-            <a:off x="16802100" y="8898625"/>
-            <a:ext cx="8001000" cy="6001643"/>
+            <a:off x="25003664" y="8898625"/>
+            <a:ext cx="8001000" cy="9941183"/>
           </a:xfrm>
           <a:prstGeom prst="rect">
             <a:avLst/>
@@ -8114,7 +7957,7 @@
             </a:pPr>
             <a:r>
               <a:rPr lang="en-US" altLang="en-US" sz="3200" dirty="0"/>
-              <a:t>Data collected from 1995 to 2023 were used for the comparison</a:t>
+              <a:t>Water elevation data in Everglades National Park collected from 1995 to 2023 were used for the comparison</a:t>
             </a:r>
           </a:p>
           <a:p>
@@ -8192,11 +8035,95 @@
             </a:pPr>
             <a:r>
               <a:rPr lang="en-US" altLang="en-US" sz="3200" dirty="0"/>
-              <a:t>Trained on scaled </a:t>
+              <a:t>Trained on scaled data</a:t>
             </a:r>
           </a:p>
           <a:p>
             <a:pPr marL="457200" indent="-457200" eaLnBrk="1" hangingPunct="1">
+              <a:buFont typeface="Arial" panose="020B0604020202020204" pitchFamily="34" charset="0"/>
+              <a:buChar char="•"/>
+            </a:pPr>
+            <a:r>
+              <a:rPr lang="en-US" altLang="en-US" sz="3200" dirty="0"/>
+              <a:t>Tested on scaled testing set</a:t>
+            </a:r>
+          </a:p>
+          <a:p>
+            <a:pPr marL="457200" indent="-457200" eaLnBrk="1" hangingPunct="1">
+              <a:buFont typeface="Arial" panose="020B0604020202020204" pitchFamily="34" charset="0"/>
+              <a:buChar char="•"/>
+            </a:pPr>
+            <a:r>
+              <a:rPr lang="en-US" altLang="en-US" sz="3200" dirty="0"/>
+              <a:t>ARIMA was fit using an auto ARIMA function within Python</a:t>
+            </a:r>
+          </a:p>
+          <a:p>
+            <a:pPr marL="1200150" lvl="1" indent="-457200" eaLnBrk="1" hangingPunct="1">
+              <a:buFont typeface="Arial" panose="020B0604020202020204" pitchFamily="34" charset="0"/>
+              <a:buChar char="•"/>
+            </a:pPr>
+            <a:r>
+              <a:rPr lang="en-US" altLang="en-US" sz="3200" dirty="0"/>
+              <a:t>Fit on scaled train data</a:t>
+            </a:r>
+          </a:p>
+          <a:p>
+            <a:pPr marL="1200150" lvl="1" indent="-457200" eaLnBrk="1" hangingPunct="1">
+              <a:buFont typeface="Arial" panose="020B0604020202020204" pitchFamily="34" charset="0"/>
+              <a:buChar char="•"/>
+            </a:pPr>
+            <a:r>
+              <a:rPr lang="en-US" altLang="en-US" sz="3200" dirty="0"/>
+              <a:t>1</a:t>
+            </a:r>
+            <a:r>
+              <a:rPr lang="en-US" altLang="en-US" sz="3200" baseline="30000" dirty="0"/>
+              <a:t>st</a:t>
+            </a:r>
+            <a:r>
+              <a:rPr lang="en-US" altLang="en-US" sz="3200" dirty="0"/>
+              <a:t> order autoregressive</a:t>
+            </a:r>
+          </a:p>
+          <a:p>
+            <a:pPr marL="1200150" lvl="1" indent="-457200" eaLnBrk="1" hangingPunct="1">
+              <a:buFont typeface="Arial" panose="020B0604020202020204" pitchFamily="34" charset="0"/>
+              <a:buChar char="•"/>
+            </a:pPr>
+            <a:r>
+              <a:rPr lang="en-US" altLang="en-US" sz="3200" dirty="0"/>
+              <a:t>1</a:t>
+            </a:r>
+            <a:r>
+              <a:rPr lang="en-US" altLang="en-US" sz="3200" baseline="30000" dirty="0"/>
+              <a:t>st</a:t>
+            </a:r>
+            <a:r>
+              <a:rPr lang="en-US" altLang="en-US" sz="3200" dirty="0"/>
+              <a:t> order differencing</a:t>
+            </a:r>
+          </a:p>
+          <a:p>
+            <a:pPr marL="1200150" lvl="1" indent="-457200" eaLnBrk="1" hangingPunct="1">
+              <a:buFont typeface="Arial" panose="020B0604020202020204" pitchFamily="34" charset="0"/>
+              <a:buChar char="•"/>
+            </a:pPr>
+            <a:r>
+              <a:rPr lang="en-US" altLang="en-US" sz="3200" dirty="0"/>
+              <a:t>4</a:t>
+            </a:r>
+            <a:r>
+              <a:rPr lang="en-US" altLang="en-US" sz="3200" baseline="30000" dirty="0"/>
+              <a:t>th</a:t>
+            </a:r>
+            <a:r>
+              <a:rPr lang="en-US" altLang="en-US" sz="3200" dirty="0"/>
+              <a:t> order moving average</a:t>
+            </a:r>
+          </a:p>
+          <a:p>
+            <a:pPr marL="1200150" lvl="1" indent="-457200" eaLnBrk="1" hangingPunct="1">
               <a:buFont typeface="Arial" panose="020B0604020202020204" pitchFamily="34" charset="0"/>
               <a:buChar char="•"/>
             </a:pPr>
@@ -8233,7 +8160,7 @@
         </p:blipFill>
         <p:spPr>
           <a:xfrm>
-            <a:off x="254070" y="13497799"/>
+            <a:off x="213344" y="13990242"/>
             <a:ext cx="3666385" cy="2862460"/>
           </a:xfrm>
           <a:prstGeom prst="rect">
@@ -8268,7 +8195,7 @@
         </p:blipFill>
         <p:spPr>
           <a:xfrm>
-            <a:off x="3913373" y="13497800"/>
+            <a:off x="3872647" y="13990243"/>
             <a:ext cx="4301217" cy="2862460"/>
           </a:xfrm>
           <a:prstGeom prst="rect">
@@ -8295,7 +8222,7 @@
         </p:nvSpPr>
         <p:spPr>
           <a:xfrm>
-            <a:off x="254070" y="16644422"/>
+            <a:off x="213344" y="17136865"/>
             <a:ext cx="3215656" cy="400110"/>
           </a:xfrm>
           <a:prstGeom prst="rect">
@@ -8330,7 +8257,7 @@
         </p:nvSpPr>
         <p:spPr>
           <a:xfrm>
-            <a:off x="3913373" y="16703710"/>
+            <a:off x="3872647" y="17196153"/>
             <a:ext cx="3215656" cy="553998"/>
           </a:xfrm>
           <a:prstGeom prst="rect">
@@ -8390,392 +8317,6 @@
           </a:ln>
         </p:spPr>
       </p:pic>
-      <p:pic>
-        <p:nvPicPr>
-          <p:cNvPr id="17" name="Picture 16" descr="A graph with a line and a line&#10;&#10;Description automatically generated with medium confidence">
-            <a:extLst>
-              <a:ext uri="{FF2B5EF4-FFF2-40B4-BE49-F238E27FC236}">
-                <a16:creationId xmlns:a16="http://schemas.microsoft.com/office/drawing/2014/main" id="{24633428-48F9-257C-DC84-FC2CB9285725}"/>
-              </a:ext>
-            </a:extLst>
-          </p:cNvPr>
-          <p:cNvPicPr>
-            <a:picLocks noChangeAspect="1"/>
-          </p:cNvPicPr>
-          <p:nvPr/>
-        </p:nvPicPr>
-        <p:blipFill rotWithShape="1">
-          <a:blip r:embed="rId7">
-            <a:extLst>
-              <a:ext uri="{28A0092B-C50C-407E-A947-70E740481C1C}">
-                <a14:useLocalDpi xmlns:a14="http://schemas.microsoft.com/office/drawing/2010/main" val="0"/>
-              </a:ext>
-            </a:extLst>
-          </a:blip>
-          <a:srcRect l="6200" t="3193" r="7522" b="4485"/>
-          <a:stretch/>
-        </p:blipFill>
-        <p:spPr>
-          <a:xfrm>
-            <a:off x="25035934" y="13297158"/>
-            <a:ext cx="7687730" cy="4113123"/>
-          </a:xfrm>
-          <a:prstGeom prst="rect">
-            <a:avLst/>
-          </a:prstGeom>
-        </p:spPr>
-      </p:pic>
-      <p:sp>
-        <p:nvSpPr>
-          <p:cNvPr id="18" name="TextBox 17">
-            <a:extLst>
-              <a:ext uri="{FF2B5EF4-FFF2-40B4-BE49-F238E27FC236}">
-                <a16:creationId xmlns:a16="http://schemas.microsoft.com/office/drawing/2014/main" id="{BB872735-4724-AF90-E4B8-89354F1872B2}"/>
-              </a:ext>
-            </a:extLst>
-          </p:cNvPr>
-          <p:cNvSpPr txBox="1"/>
-          <p:nvPr/>
-        </p:nvSpPr>
-        <p:spPr>
-          <a:xfrm>
-            <a:off x="25123717" y="3923070"/>
-            <a:ext cx="7512165" cy="8217634"/>
-          </a:xfrm>
-          <a:prstGeom prst="rect">
-            <a:avLst/>
-          </a:prstGeom>
-          <a:noFill/>
-        </p:spPr>
-        <p:txBody>
-          <a:bodyPr wrap="square" rtlCol="0">
-            <a:spAutoFit/>
-          </a:bodyPr>
-          <a:lstStyle/>
-          <a:p>
-            <a:pPr algn="ctr"/>
-            <a:r>
-              <a:rPr lang="en-US" sz="4000" b="1" dirty="0">
-                <a:solidFill>
-                  <a:schemeClr val="accent1"/>
-                </a:solidFill>
-              </a:rPr>
-              <a:t>LSTM Structure</a:t>
-            </a:r>
-          </a:p>
-          <a:p>
-            <a:pPr marL="457200" indent="-457200">
-              <a:buFont typeface="Arial" panose="020B0604020202020204" pitchFamily="34" charset="0"/>
-              <a:buChar char="•"/>
-            </a:pPr>
-            <a:r>
-              <a:rPr lang="en-US" sz="3200" dirty="0"/>
-              <a:t>All layers utilized </a:t>
-            </a:r>
-          </a:p>
-          <a:p>
-            <a:pPr marL="1893888" lvl="1" indent="-457200">
-              <a:buFont typeface="Arial" panose="020B0604020202020204" pitchFamily="34" charset="0"/>
-              <a:buChar char="•"/>
-            </a:pPr>
-            <a:r>
-              <a:rPr lang="en-US" sz="3200" dirty="0"/>
-              <a:t>L1 kernel regularization (0.1%)</a:t>
-            </a:r>
-          </a:p>
-          <a:p>
-            <a:pPr marL="1893888" lvl="1" indent="-457200">
-              <a:buFont typeface="Arial" panose="020B0604020202020204" pitchFamily="34" charset="0"/>
-              <a:buChar char="•"/>
-            </a:pPr>
-            <a:r>
-              <a:rPr lang="en-US" sz="3200" dirty="0"/>
-              <a:t>L2 activity regularization (0.1%)</a:t>
-            </a:r>
-          </a:p>
-          <a:p>
-            <a:pPr marL="1893888" lvl="1" indent="-457200">
-              <a:buFont typeface="Arial" panose="020B0604020202020204" pitchFamily="34" charset="0"/>
-              <a:buChar char="•"/>
-            </a:pPr>
-            <a:r>
-              <a:rPr lang="en-US" sz="3200" dirty="0"/>
-              <a:t>Dropout (30%)</a:t>
-            </a:r>
-          </a:p>
-          <a:p>
-            <a:pPr marL="457200" indent="-457200">
-              <a:buFont typeface="Arial" panose="020B0604020202020204" pitchFamily="34" charset="0"/>
-              <a:buChar char="•"/>
-            </a:pPr>
-            <a:r>
-              <a:rPr lang="en-US" sz="3200" dirty="0"/>
-              <a:t>128 LSTM nodes</a:t>
-            </a:r>
-          </a:p>
-          <a:p>
-            <a:pPr marL="457200" indent="-457200">
-              <a:buFont typeface="Arial" panose="020B0604020202020204" pitchFamily="34" charset="0"/>
-              <a:buChar char="•"/>
-            </a:pPr>
-            <a:r>
-              <a:rPr lang="en-US" sz="3200" dirty="0"/>
-              <a:t>64 LSTM nodes</a:t>
-            </a:r>
-          </a:p>
-          <a:p>
-            <a:pPr marL="457200" indent="-457200">
-              <a:buFont typeface="Arial" panose="020B0604020202020204" pitchFamily="34" charset="0"/>
-              <a:buChar char="•"/>
-            </a:pPr>
-            <a:r>
-              <a:rPr lang="en-US" sz="3200" dirty="0"/>
-              <a:t>32 LSTM nodes</a:t>
-            </a:r>
-          </a:p>
-          <a:p>
-            <a:pPr marL="457200" indent="-457200">
-              <a:buFont typeface="Arial" panose="020B0604020202020204" pitchFamily="34" charset="0"/>
-              <a:buChar char="•"/>
-            </a:pPr>
-            <a:r>
-              <a:rPr lang="en-US" sz="3200" dirty="0"/>
-              <a:t>10 Dense nodes</a:t>
-            </a:r>
-          </a:p>
-          <a:p>
-            <a:pPr marL="457200" indent="-457200">
-              <a:buFont typeface="Arial" panose="020B0604020202020204" pitchFamily="34" charset="0"/>
-              <a:buChar char="•"/>
-            </a:pPr>
-            <a:r>
-              <a:rPr lang="en-US" sz="3200" dirty="0"/>
-              <a:t>Output</a:t>
-            </a:r>
-          </a:p>
-          <a:p>
-            <a:pPr algn="ctr"/>
-            <a:r>
-              <a:rPr lang="en-US" sz="4000" b="1" dirty="0">
-                <a:solidFill>
-                  <a:schemeClr val="accent1"/>
-                </a:solidFill>
-              </a:rPr>
-              <a:t>Results</a:t>
-            </a:r>
-          </a:p>
-          <a:p>
-            <a:pPr marL="457200" indent="-457200">
-              <a:buFont typeface="Arial" panose="020B0604020202020204" pitchFamily="34" charset="0"/>
-              <a:buChar char="•"/>
-            </a:pPr>
-            <a:r>
-              <a:rPr lang="en-US" sz="3200" dirty="0"/>
-              <a:t>Predicting 31 days ahead using last batch of training data (31 days)</a:t>
-            </a:r>
-          </a:p>
-          <a:p>
-            <a:pPr marL="457200" indent="-457200">
-              <a:buFont typeface="Arial" panose="020B0604020202020204" pitchFamily="34" charset="0"/>
-              <a:buChar char="•"/>
-            </a:pPr>
-            <a:r>
-              <a:rPr lang="en-US" sz="3200" dirty="0"/>
-              <a:t>Compared on MSE</a:t>
-            </a:r>
-          </a:p>
-          <a:p>
-            <a:pPr marL="1893888" lvl="1" indent="-457200">
-              <a:buFont typeface="Arial" panose="020B0604020202020204" pitchFamily="34" charset="0"/>
-              <a:buChar char="•"/>
-            </a:pPr>
-            <a:r>
-              <a:rPr lang="en-US" sz="3200" dirty="0"/>
-              <a:t>LSTM: 7.2</a:t>
-            </a:r>
-          </a:p>
-          <a:p>
-            <a:pPr marL="1893888" lvl="1" indent="-457200">
-              <a:buFont typeface="Arial" panose="020B0604020202020204" pitchFamily="34" charset="0"/>
-              <a:buChar char="•"/>
-            </a:pPr>
-            <a:r>
-              <a:rPr lang="en-US" sz="3200" dirty="0"/>
-              <a:t>ARIMA: 270.3</a:t>
-            </a:r>
-          </a:p>
-        </p:txBody>
-      </p:sp>
-      <p:sp>
-        <p:nvSpPr>
-          <p:cNvPr id="6" name="TextBox 14">
-            <a:extLst>
-              <a:ext uri="{FF2B5EF4-FFF2-40B4-BE49-F238E27FC236}">
-                <a16:creationId xmlns:a16="http://schemas.microsoft.com/office/drawing/2014/main" id="{33FD94B3-AD07-2388-BE8B-DD11B4E7702B}"/>
-              </a:ext>
-            </a:extLst>
-          </p:cNvPr>
-          <p:cNvSpPr txBox="1">
-            <a:spLocks noChangeArrowheads="1"/>
-          </p:cNvSpPr>
-          <p:nvPr/>
-        </p:nvSpPr>
-        <p:spPr bwMode="auto">
-          <a:xfrm>
-            <a:off x="24817185" y="12600781"/>
-            <a:ext cx="8001000" cy="707886"/>
-          </a:xfrm>
-          <a:prstGeom prst="rect">
-            <a:avLst/>
-          </a:prstGeom>
-          <a:noFill/>
-          <a:ln>
-            <a:noFill/>
-          </a:ln>
-          <a:extLst>
-            <a:ext uri="{909E8E84-426E-40DD-AFC4-6F175D3DCCD1}">
-              <a14:hiddenFill xmlns:a14="http://schemas.microsoft.com/office/drawing/2010/main">
-                <a:solidFill>
-                  <a:srgbClr val="FFFFFF"/>
-                </a:solidFill>
-              </a14:hiddenFill>
-            </a:ext>
-            <a:ext uri="{91240B29-F687-4F45-9708-019B960494DF}">
-              <a14:hiddenLine xmlns:a14="http://schemas.microsoft.com/office/drawing/2010/main" w="9525">
-                <a:solidFill>
-                  <a:srgbClr val="000000"/>
-                </a:solidFill>
-                <a:miter lim="800000"/>
-                <a:headEnd/>
-                <a:tailEnd/>
-              </a14:hiddenLine>
-            </a:ext>
-          </a:extLst>
-        </p:spPr>
-        <p:txBody>
-          <a:bodyPr>
-            <a:spAutoFit/>
-          </a:bodyPr>
-          <a:lstStyle>
-            <a:lvl1pPr>
-              <a:defRPr sz="5700">
-                <a:solidFill>
-                  <a:schemeClr val="tx1"/>
-                </a:solidFill>
-                <a:latin typeface="Calibri" panose="020F0502020204030204" pitchFamily="34" charset="0"/>
-                <a:ea typeface="MS PGothic" panose="020B0600070205080204" pitchFamily="34" charset="-128"/>
-              </a:defRPr>
-            </a:lvl1pPr>
-            <a:lvl2pPr marL="742950" indent="-285750">
-              <a:defRPr sz="5700">
-                <a:solidFill>
-                  <a:schemeClr val="tx1"/>
-                </a:solidFill>
-                <a:latin typeface="Calibri" panose="020F0502020204030204" pitchFamily="34" charset="0"/>
-                <a:ea typeface="MS PGothic" panose="020B0600070205080204" pitchFamily="34" charset="-128"/>
-              </a:defRPr>
-            </a:lvl2pPr>
-            <a:lvl3pPr marL="1143000" indent="-228600">
-              <a:defRPr sz="5700">
-                <a:solidFill>
-                  <a:schemeClr val="tx1"/>
-                </a:solidFill>
-                <a:latin typeface="Calibri" panose="020F0502020204030204" pitchFamily="34" charset="0"/>
-                <a:ea typeface="MS PGothic" panose="020B0600070205080204" pitchFamily="34" charset="-128"/>
-              </a:defRPr>
-            </a:lvl3pPr>
-            <a:lvl4pPr marL="1600200" indent="-228600">
-              <a:defRPr sz="5700">
-                <a:solidFill>
-                  <a:schemeClr val="tx1"/>
-                </a:solidFill>
-                <a:latin typeface="Calibri" panose="020F0502020204030204" pitchFamily="34" charset="0"/>
-                <a:ea typeface="MS PGothic" panose="020B0600070205080204" pitchFamily="34" charset="-128"/>
-              </a:defRPr>
-            </a:lvl4pPr>
-            <a:lvl5pPr marL="2057400" indent="-228600">
-              <a:defRPr sz="5700">
-                <a:solidFill>
-                  <a:schemeClr val="tx1"/>
-                </a:solidFill>
-                <a:latin typeface="Calibri" panose="020F0502020204030204" pitchFamily="34" charset="0"/>
-                <a:ea typeface="MS PGothic" panose="020B0600070205080204" pitchFamily="34" charset="-128"/>
-              </a:defRPr>
-            </a:lvl5pPr>
-            <a:lvl6pPr marL="2514600" indent="-228600" defTabSz="2874963" eaLnBrk="0" fontAlgn="base" hangingPunct="0">
-              <a:spcBef>
-                <a:spcPct val="0"/>
-              </a:spcBef>
-              <a:spcAft>
-                <a:spcPct val="0"/>
-              </a:spcAft>
-              <a:defRPr sz="5700">
-                <a:solidFill>
-                  <a:schemeClr val="tx1"/>
-                </a:solidFill>
-                <a:latin typeface="Calibri" panose="020F0502020204030204" pitchFamily="34" charset="0"/>
-                <a:ea typeface="MS PGothic" panose="020B0600070205080204" pitchFamily="34" charset="-128"/>
-              </a:defRPr>
-            </a:lvl6pPr>
-            <a:lvl7pPr marL="2971800" indent="-228600" defTabSz="2874963" eaLnBrk="0" fontAlgn="base" hangingPunct="0">
-              <a:spcBef>
-                <a:spcPct val="0"/>
-              </a:spcBef>
-              <a:spcAft>
-                <a:spcPct val="0"/>
-              </a:spcAft>
-              <a:defRPr sz="5700">
-                <a:solidFill>
-                  <a:schemeClr val="tx1"/>
-                </a:solidFill>
-                <a:latin typeface="Calibri" panose="020F0502020204030204" pitchFamily="34" charset="0"/>
-                <a:ea typeface="MS PGothic" panose="020B0600070205080204" pitchFamily="34" charset="-128"/>
-              </a:defRPr>
-            </a:lvl7pPr>
-            <a:lvl8pPr marL="3429000" indent="-228600" defTabSz="2874963" eaLnBrk="0" fontAlgn="base" hangingPunct="0">
-              <a:spcBef>
-                <a:spcPct val="0"/>
-              </a:spcBef>
-              <a:spcAft>
-                <a:spcPct val="0"/>
-              </a:spcAft>
-              <a:defRPr sz="5700">
-                <a:solidFill>
-                  <a:schemeClr val="tx1"/>
-                </a:solidFill>
-                <a:latin typeface="Calibri" panose="020F0502020204030204" pitchFamily="34" charset="0"/>
-                <a:ea typeface="MS PGothic" panose="020B0600070205080204" pitchFamily="34" charset="-128"/>
-              </a:defRPr>
-            </a:lvl8pPr>
-            <a:lvl9pPr marL="3886200" indent="-228600" defTabSz="2874963" eaLnBrk="0" fontAlgn="base" hangingPunct="0">
-              <a:spcBef>
-                <a:spcPct val="0"/>
-              </a:spcBef>
-              <a:spcAft>
-                <a:spcPct val="0"/>
-              </a:spcAft>
-              <a:defRPr sz="5700">
-                <a:solidFill>
-                  <a:schemeClr val="tx1"/>
-                </a:solidFill>
-                <a:latin typeface="Calibri" panose="020F0502020204030204" pitchFamily="34" charset="0"/>
-                <a:ea typeface="MS PGothic" panose="020B0600070205080204" pitchFamily="34" charset="-128"/>
-              </a:defRPr>
-            </a:lvl9pPr>
-          </a:lstStyle>
-          <a:p>
-            <a:pPr algn="ctr" eaLnBrk="1" hangingPunct="1"/>
-            <a:r>
-              <a:rPr lang="en-US" altLang="en-US" sz="4000" dirty="0">
-                <a:solidFill>
-                  <a:srgbClr val="0070C0"/>
-                </a:solidFill>
-              </a:rPr>
-              <a:t>Figure 3. Forecast Comparison</a:t>
-            </a:r>
-          </a:p>
-        </p:txBody>
-      </p:sp>
       <p:sp>
         <p:nvSpPr>
           <p:cNvPr id="14" name="TextBox 14">
@@ -8961,7 +8502,7 @@
           <p:nvPr/>
         </p:nvPicPr>
         <p:blipFill>
-          <a:blip r:embed="rId8">
+          <a:blip r:embed="rId7">
             <a:extLst>
               <a:ext uri="{28A0092B-C50C-407E-A947-70E740481C1C}">
                 <a14:useLocalDpi xmlns:a14="http://schemas.microsoft.com/office/drawing/2010/main" val="0"/>
@@ -8997,7 +8538,7 @@
           <p:nvPr/>
         </p:nvPicPr>
         <p:blipFill>
-          <a:blip r:embed="rId9">
+          <a:blip r:embed="rId8">
             <a:extLst>
               <a:ext uri="{28A0092B-C50C-407E-A947-70E740481C1C}">
                 <a14:useLocalDpi xmlns:a14="http://schemas.microsoft.com/office/drawing/2010/main" val="0"/>
@@ -9033,7 +8574,7 @@
           <p:nvPr/>
         </p:nvPicPr>
         <p:blipFill>
-          <a:blip r:embed="rId10">
+          <a:blip r:embed="rId9">
             <a:extLst>
               <a:ext uri="{28A0092B-C50C-407E-A947-70E740481C1C}">
                 <a14:useLocalDpi xmlns:a14="http://schemas.microsoft.com/office/drawing/2010/main" val="0"/>
@@ -9048,6 +8589,939 @@
           <a:xfrm>
             <a:off x="8986812" y="11291611"/>
             <a:ext cx="6943776" cy="304802"/>
+          </a:xfrm>
+          <a:prstGeom prst="rect">
+            <a:avLst/>
+          </a:prstGeom>
+        </p:spPr>
+      </p:pic>
+      <p:sp>
+        <p:nvSpPr>
+          <p:cNvPr id="15" name="TextBox 14">
+            <a:extLst>
+              <a:ext uri="{FF2B5EF4-FFF2-40B4-BE49-F238E27FC236}">
+                <a16:creationId xmlns:a16="http://schemas.microsoft.com/office/drawing/2014/main" id="{CCCBF5F1-2388-CD77-46E3-2D4038CDF987}"/>
+              </a:ext>
+            </a:extLst>
+          </p:cNvPr>
+          <p:cNvSpPr txBox="1">
+            <a:spLocks noChangeArrowheads="1"/>
+          </p:cNvSpPr>
+          <p:nvPr/>
+        </p:nvSpPr>
+        <p:spPr bwMode="auto">
+          <a:xfrm>
+            <a:off x="16611600" y="2762496"/>
+            <a:ext cx="8001000" cy="1846659"/>
+          </a:xfrm>
+          <a:prstGeom prst="rect">
+            <a:avLst/>
+          </a:prstGeom>
+          <a:noFill/>
+          <a:ln>
+            <a:noFill/>
+          </a:ln>
+          <a:extLst>
+            <a:ext uri="{909E8E84-426E-40DD-AFC4-6F175D3DCCD1}">
+              <a14:hiddenFill xmlns:a14="http://schemas.microsoft.com/office/drawing/2010/main">
+                <a:solidFill>
+                  <a:srgbClr val="FFFFFF"/>
+                </a:solidFill>
+              </a14:hiddenFill>
+            </a:ext>
+            <a:ext uri="{91240B29-F687-4F45-9708-019B960494DF}">
+              <a14:hiddenLine xmlns:a14="http://schemas.microsoft.com/office/drawing/2010/main" w="9525">
+                <a:solidFill>
+                  <a:srgbClr val="000000"/>
+                </a:solidFill>
+                <a:miter lim="800000"/>
+                <a:headEnd/>
+                <a:tailEnd/>
+              </a14:hiddenLine>
+            </a:ext>
+          </a:extLst>
+        </p:spPr>
+        <p:txBody>
+          <a:bodyPr>
+            <a:spAutoFit/>
+          </a:bodyPr>
+          <a:lstStyle>
+            <a:lvl1pPr>
+              <a:defRPr sz="5700">
+                <a:solidFill>
+                  <a:schemeClr val="tx1"/>
+                </a:solidFill>
+                <a:latin typeface="Calibri" panose="020F0502020204030204" pitchFamily="34" charset="0"/>
+                <a:ea typeface="MS PGothic" panose="020B0600070205080204" pitchFamily="34" charset="-128"/>
+              </a:defRPr>
+            </a:lvl1pPr>
+            <a:lvl2pPr marL="742950" indent="-285750">
+              <a:defRPr sz="5700">
+                <a:solidFill>
+                  <a:schemeClr val="tx1"/>
+                </a:solidFill>
+                <a:latin typeface="Calibri" panose="020F0502020204030204" pitchFamily="34" charset="0"/>
+                <a:ea typeface="MS PGothic" panose="020B0600070205080204" pitchFamily="34" charset="-128"/>
+              </a:defRPr>
+            </a:lvl2pPr>
+            <a:lvl3pPr marL="1143000" indent="-228600">
+              <a:defRPr sz="5700">
+                <a:solidFill>
+                  <a:schemeClr val="tx1"/>
+                </a:solidFill>
+                <a:latin typeface="Calibri" panose="020F0502020204030204" pitchFamily="34" charset="0"/>
+                <a:ea typeface="MS PGothic" panose="020B0600070205080204" pitchFamily="34" charset="-128"/>
+              </a:defRPr>
+            </a:lvl3pPr>
+            <a:lvl4pPr marL="1600200" indent="-228600">
+              <a:defRPr sz="5700">
+                <a:solidFill>
+                  <a:schemeClr val="tx1"/>
+                </a:solidFill>
+                <a:latin typeface="Calibri" panose="020F0502020204030204" pitchFamily="34" charset="0"/>
+                <a:ea typeface="MS PGothic" panose="020B0600070205080204" pitchFamily="34" charset="-128"/>
+              </a:defRPr>
+            </a:lvl4pPr>
+            <a:lvl5pPr marL="2057400" indent="-228600">
+              <a:defRPr sz="5700">
+                <a:solidFill>
+                  <a:schemeClr val="tx1"/>
+                </a:solidFill>
+                <a:latin typeface="Calibri" panose="020F0502020204030204" pitchFamily="34" charset="0"/>
+                <a:ea typeface="MS PGothic" panose="020B0600070205080204" pitchFamily="34" charset="-128"/>
+              </a:defRPr>
+            </a:lvl5pPr>
+            <a:lvl6pPr marL="2514600" indent="-228600" defTabSz="2874963" eaLnBrk="0" fontAlgn="base" hangingPunct="0">
+              <a:spcBef>
+                <a:spcPct val="0"/>
+              </a:spcBef>
+              <a:spcAft>
+                <a:spcPct val="0"/>
+              </a:spcAft>
+              <a:defRPr sz="5700">
+                <a:solidFill>
+                  <a:schemeClr val="tx1"/>
+                </a:solidFill>
+                <a:latin typeface="Calibri" panose="020F0502020204030204" pitchFamily="34" charset="0"/>
+                <a:ea typeface="MS PGothic" panose="020B0600070205080204" pitchFamily="34" charset="-128"/>
+              </a:defRPr>
+            </a:lvl6pPr>
+            <a:lvl7pPr marL="2971800" indent="-228600" defTabSz="2874963" eaLnBrk="0" fontAlgn="base" hangingPunct="0">
+              <a:spcBef>
+                <a:spcPct val="0"/>
+              </a:spcBef>
+              <a:spcAft>
+                <a:spcPct val="0"/>
+              </a:spcAft>
+              <a:defRPr sz="5700">
+                <a:solidFill>
+                  <a:schemeClr val="tx1"/>
+                </a:solidFill>
+                <a:latin typeface="Calibri" panose="020F0502020204030204" pitchFamily="34" charset="0"/>
+                <a:ea typeface="MS PGothic" panose="020B0600070205080204" pitchFamily="34" charset="-128"/>
+              </a:defRPr>
+            </a:lvl7pPr>
+            <a:lvl8pPr marL="3429000" indent="-228600" defTabSz="2874963" eaLnBrk="0" fontAlgn="base" hangingPunct="0">
+              <a:spcBef>
+                <a:spcPct val="0"/>
+              </a:spcBef>
+              <a:spcAft>
+                <a:spcPct val="0"/>
+              </a:spcAft>
+              <a:defRPr sz="5700">
+                <a:solidFill>
+                  <a:schemeClr val="tx1"/>
+                </a:solidFill>
+                <a:latin typeface="Calibri" panose="020F0502020204030204" pitchFamily="34" charset="0"/>
+                <a:ea typeface="MS PGothic" panose="020B0600070205080204" pitchFamily="34" charset="-128"/>
+              </a:defRPr>
+            </a:lvl8pPr>
+            <a:lvl9pPr marL="3886200" indent="-228600" defTabSz="2874963" eaLnBrk="0" fontAlgn="base" hangingPunct="0">
+              <a:spcBef>
+                <a:spcPct val="0"/>
+              </a:spcBef>
+              <a:spcAft>
+                <a:spcPct val="0"/>
+              </a:spcAft>
+              <a:defRPr sz="5700">
+                <a:solidFill>
+                  <a:schemeClr val="tx1"/>
+                </a:solidFill>
+                <a:latin typeface="Calibri" panose="020F0502020204030204" pitchFamily="34" charset="0"/>
+                <a:ea typeface="MS PGothic" panose="020B0600070205080204" pitchFamily="34" charset="-128"/>
+              </a:defRPr>
+            </a:lvl9pPr>
+          </a:lstStyle>
+          <a:p>
+            <a:pPr algn="ctr" eaLnBrk="1" hangingPunct="1"/>
+            <a:r>
+              <a:rPr lang="en-US" altLang="en-US" dirty="0">
+                <a:solidFill>
+                  <a:srgbClr val="0070C0"/>
+                </a:solidFill>
+              </a:rPr>
+              <a:t>Long Short-Term</a:t>
+            </a:r>
+          </a:p>
+          <a:p>
+            <a:pPr algn="ctr" eaLnBrk="1" hangingPunct="1"/>
+            <a:r>
+              <a:rPr lang="en-US" altLang="en-US" dirty="0">
+                <a:solidFill>
+                  <a:srgbClr val="0070C0"/>
+                </a:solidFill>
+              </a:rPr>
+              <a:t>Memory Networks</a:t>
+            </a:r>
+          </a:p>
+        </p:txBody>
+      </p:sp>
+      <p:pic>
+        <p:nvPicPr>
+          <p:cNvPr id="16" name="Picture 15" descr="A diagram of a computer&#10;&#10;Description automatically generated">
+            <a:extLst>
+              <a:ext uri="{FF2B5EF4-FFF2-40B4-BE49-F238E27FC236}">
+                <a16:creationId xmlns:a16="http://schemas.microsoft.com/office/drawing/2014/main" id="{FC4F607D-4736-DE13-D14B-BBAC5B9C6ADF}"/>
+              </a:ext>
+            </a:extLst>
+          </p:cNvPr>
+          <p:cNvPicPr>
+            <a:picLocks noChangeAspect="1"/>
+          </p:cNvPicPr>
+          <p:nvPr/>
+        </p:nvPicPr>
+        <p:blipFill>
+          <a:blip r:embed="rId10">
+            <a:extLst>
+              <a:ext uri="{28A0092B-C50C-407E-A947-70E740481C1C}">
+                <a14:useLocalDpi xmlns:a14="http://schemas.microsoft.com/office/drawing/2010/main" val="0"/>
+              </a:ext>
+            </a:extLst>
+          </a:blip>
+          <a:stretch>
+            <a:fillRect/>
+          </a:stretch>
+        </p:blipFill>
+        <p:spPr>
+          <a:xfrm>
+            <a:off x="16725899" y="5338194"/>
+            <a:ext cx="7924801" cy="2523031"/>
+          </a:xfrm>
+          <a:prstGeom prst="rect">
+            <a:avLst/>
+          </a:prstGeom>
+        </p:spPr>
+      </p:pic>
+      <p:pic>
+        <p:nvPicPr>
+          <p:cNvPr id="20" name="Picture 19" descr="A diagram of a process flow&#10;&#10;Description automatically generated">
+            <a:extLst>
+              <a:ext uri="{FF2B5EF4-FFF2-40B4-BE49-F238E27FC236}">
+                <a16:creationId xmlns:a16="http://schemas.microsoft.com/office/drawing/2014/main" id="{D7DA7F06-9596-8986-932D-2D3A7C0D7144}"/>
+              </a:ext>
+            </a:extLst>
+          </p:cNvPr>
+          <p:cNvPicPr>
+            <a:picLocks noChangeAspect="1"/>
+          </p:cNvPicPr>
+          <p:nvPr/>
+        </p:nvPicPr>
+        <p:blipFill>
+          <a:blip r:embed="rId11">
+            <a:extLst>
+              <a:ext uri="{28A0092B-C50C-407E-A947-70E740481C1C}">
+                <a14:useLocalDpi xmlns:a14="http://schemas.microsoft.com/office/drawing/2010/main" val="0"/>
+              </a:ext>
+            </a:extLst>
+          </a:blip>
+          <a:stretch>
+            <a:fillRect/>
+          </a:stretch>
+        </p:blipFill>
+        <p:spPr>
+          <a:xfrm>
+            <a:off x="17574834" y="8560331"/>
+            <a:ext cx="6074531" cy="3276864"/>
+          </a:xfrm>
+          <a:prstGeom prst="rect">
+            <a:avLst/>
+          </a:prstGeom>
+        </p:spPr>
+      </p:pic>
+      <p:sp>
+        <p:nvSpPr>
+          <p:cNvPr id="22" name="TextBox 21">
+            <a:extLst>
+              <a:ext uri="{FF2B5EF4-FFF2-40B4-BE49-F238E27FC236}">
+                <a16:creationId xmlns:a16="http://schemas.microsoft.com/office/drawing/2014/main" id="{E88FFFDE-DD57-1B36-666F-5709FCC56DF4}"/>
+              </a:ext>
+            </a:extLst>
+          </p:cNvPr>
+          <p:cNvSpPr txBox="1">
+            <a:spLocks noChangeArrowheads="1"/>
+          </p:cNvSpPr>
+          <p:nvPr/>
+        </p:nvSpPr>
+        <p:spPr bwMode="auto">
+          <a:xfrm>
+            <a:off x="16815955" y="4739008"/>
+            <a:ext cx="8001000" cy="707886"/>
+          </a:xfrm>
+          <a:prstGeom prst="rect">
+            <a:avLst/>
+          </a:prstGeom>
+          <a:noFill/>
+          <a:ln>
+            <a:noFill/>
+          </a:ln>
+          <a:extLst>
+            <a:ext uri="{909E8E84-426E-40DD-AFC4-6F175D3DCCD1}">
+              <a14:hiddenFill xmlns:a14="http://schemas.microsoft.com/office/drawing/2010/main">
+                <a:solidFill>
+                  <a:srgbClr val="FFFFFF"/>
+                </a:solidFill>
+              </a14:hiddenFill>
+            </a:ext>
+            <a:ext uri="{91240B29-F687-4F45-9708-019B960494DF}">
+              <a14:hiddenLine xmlns:a14="http://schemas.microsoft.com/office/drawing/2010/main" w="9525">
+                <a:solidFill>
+                  <a:srgbClr val="000000"/>
+                </a:solidFill>
+                <a:miter lim="800000"/>
+                <a:headEnd/>
+                <a:tailEnd/>
+              </a14:hiddenLine>
+            </a:ext>
+          </a:extLst>
+        </p:spPr>
+        <p:txBody>
+          <a:bodyPr>
+            <a:spAutoFit/>
+          </a:bodyPr>
+          <a:lstStyle>
+            <a:lvl1pPr>
+              <a:defRPr sz="5700">
+                <a:solidFill>
+                  <a:schemeClr val="tx1"/>
+                </a:solidFill>
+                <a:latin typeface="Calibri" panose="020F0502020204030204" pitchFamily="34" charset="0"/>
+                <a:ea typeface="MS PGothic" panose="020B0600070205080204" pitchFamily="34" charset="-128"/>
+              </a:defRPr>
+            </a:lvl1pPr>
+            <a:lvl2pPr marL="742950" indent="-285750">
+              <a:defRPr sz="5700">
+                <a:solidFill>
+                  <a:schemeClr val="tx1"/>
+                </a:solidFill>
+                <a:latin typeface="Calibri" panose="020F0502020204030204" pitchFamily="34" charset="0"/>
+                <a:ea typeface="MS PGothic" panose="020B0600070205080204" pitchFamily="34" charset="-128"/>
+              </a:defRPr>
+            </a:lvl2pPr>
+            <a:lvl3pPr marL="1143000" indent="-228600">
+              <a:defRPr sz="5700">
+                <a:solidFill>
+                  <a:schemeClr val="tx1"/>
+                </a:solidFill>
+                <a:latin typeface="Calibri" panose="020F0502020204030204" pitchFamily="34" charset="0"/>
+                <a:ea typeface="MS PGothic" panose="020B0600070205080204" pitchFamily="34" charset="-128"/>
+              </a:defRPr>
+            </a:lvl3pPr>
+            <a:lvl4pPr marL="1600200" indent="-228600">
+              <a:defRPr sz="5700">
+                <a:solidFill>
+                  <a:schemeClr val="tx1"/>
+                </a:solidFill>
+                <a:latin typeface="Calibri" panose="020F0502020204030204" pitchFamily="34" charset="0"/>
+                <a:ea typeface="MS PGothic" panose="020B0600070205080204" pitchFamily="34" charset="-128"/>
+              </a:defRPr>
+            </a:lvl4pPr>
+            <a:lvl5pPr marL="2057400" indent="-228600">
+              <a:defRPr sz="5700">
+                <a:solidFill>
+                  <a:schemeClr val="tx1"/>
+                </a:solidFill>
+                <a:latin typeface="Calibri" panose="020F0502020204030204" pitchFamily="34" charset="0"/>
+                <a:ea typeface="MS PGothic" panose="020B0600070205080204" pitchFamily="34" charset="-128"/>
+              </a:defRPr>
+            </a:lvl5pPr>
+            <a:lvl6pPr marL="2514600" indent="-228600" defTabSz="2874963" eaLnBrk="0" fontAlgn="base" hangingPunct="0">
+              <a:spcBef>
+                <a:spcPct val="0"/>
+              </a:spcBef>
+              <a:spcAft>
+                <a:spcPct val="0"/>
+              </a:spcAft>
+              <a:defRPr sz="5700">
+                <a:solidFill>
+                  <a:schemeClr val="tx1"/>
+                </a:solidFill>
+                <a:latin typeface="Calibri" panose="020F0502020204030204" pitchFamily="34" charset="0"/>
+                <a:ea typeface="MS PGothic" panose="020B0600070205080204" pitchFamily="34" charset="-128"/>
+              </a:defRPr>
+            </a:lvl6pPr>
+            <a:lvl7pPr marL="2971800" indent="-228600" defTabSz="2874963" eaLnBrk="0" fontAlgn="base" hangingPunct="0">
+              <a:spcBef>
+                <a:spcPct val="0"/>
+              </a:spcBef>
+              <a:spcAft>
+                <a:spcPct val="0"/>
+              </a:spcAft>
+              <a:defRPr sz="5700">
+                <a:solidFill>
+                  <a:schemeClr val="tx1"/>
+                </a:solidFill>
+                <a:latin typeface="Calibri" panose="020F0502020204030204" pitchFamily="34" charset="0"/>
+                <a:ea typeface="MS PGothic" panose="020B0600070205080204" pitchFamily="34" charset="-128"/>
+              </a:defRPr>
+            </a:lvl7pPr>
+            <a:lvl8pPr marL="3429000" indent="-228600" defTabSz="2874963" eaLnBrk="0" fontAlgn="base" hangingPunct="0">
+              <a:spcBef>
+                <a:spcPct val="0"/>
+              </a:spcBef>
+              <a:spcAft>
+                <a:spcPct val="0"/>
+              </a:spcAft>
+              <a:defRPr sz="5700">
+                <a:solidFill>
+                  <a:schemeClr val="tx1"/>
+                </a:solidFill>
+                <a:latin typeface="Calibri" panose="020F0502020204030204" pitchFamily="34" charset="0"/>
+                <a:ea typeface="MS PGothic" panose="020B0600070205080204" pitchFamily="34" charset="-128"/>
+              </a:defRPr>
+            </a:lvl8pPr>
+            <a:lvl9pPr marL="3886200" indent="-228600" defTabSz="2874963" eaLnBrk="0" fontAlgn="base" hangingPunct="0">
+              <a:spcBef>
+                <a:spcPct val="0"/>
+              </a:spcBef>
+              <a:spcAft>
+                <a:spcPct val="0"/>
+              </a:spcAft>
+              <a:defRPr sz="5700">
+                <a:solidFill>
+                  <a:schemeClr val="tx1"/>
+                </a:solidFill>
+                <a:latin typeface="Calibri" panose="020F0502020204030204" pitchFamily="34" charset="0"/>
+                <a:ea typeface="MS PGothic" panose="020B0600070205080204" pitchFamily="34" charset="-128"/>
+              </a:defRPr>
+            </a:lvl9pPr>
+          </a:lstStyle>
+          <a:p>
+            <a:pPr algn="ctr" eaLnBrk="1" hangingPunct="1"/>
+            <a:r>
+              <a:rPr lang="en-US" altLang="en-US" sz="4000" dirty="0">
+                <a:solidFill>
+                  <a:srgbClr val="0070C0"/>
+                </a:solidFill>
+              </a:rPr>
+              <a:t>Figure 6. LSTM Structure</a:t>
+            </a:r>
+          </a:p>
+        </p:txBody>
+      </p:sp>
+      <p:sp>
+        <p:nvSpPr>
+          <p:cNvPr id="28" name="TextBox 27">
+            <a:extLst>
+              <a:ext uri="{FF2B5EF4-FFF2-40B4-BE49-F238E27FC236}">
+                <a16:creationId xmlns:a16="http://schemas.microsoft.com/office/drawing/2014/main" id="{035C1BC3-6688-64BD-B0BD-0C829FB1EB1D}"/>
+              </a:ext>
+            </a:extLst>
+          </p:cNvPr>
+          <p:cNvSpPr txBox="1">
+            <a:spLocks noChangeArrowheads="1"/>
+          </p:cNvSpPr>
+          <p:nvPr/>
+        </p:nvSpPr>
+        <p:spPr bwMode="auto">
+          <a:xfrm>
+            <a:off x="16690571" y="7954983"/>
+            <a:ext cx="8001000" cy="707886"/>
+          </a:xfrm>
+          <a:prstGeom prst="rect">
+            <a:avLst/>
+          </a:prstGeom>
+          <a:noFill/>
+          <a:ln>
+            <a:noFill/>
+          </a:ln>
+          <a:extLst>
+            <a:ext uri="{909E8E84-426E-40DD-AFC4-6F175D3DCCD1}">
+              <a14:hiddenFill xmlns:a14="http://schemas.microsoft.com/office/drawing/2010/main">
+                <a:solidFill>
+                  <a:srgbClr val="FFFFFF"/>
+                </a:solidFill>
+              </a14:hiddenFill>
+            </a:ext>
+            <a:ext uri="{91240B29-F687-4F45-9708-019B960494DF}">
+              <a14:hiddenLine xmlns:a14="http://schemas.microsoft.com/office/drawing/2010/main" w="9525">
+                <a:solidFill>
+                  <a:srgbClr val="000000"/>
+                </a:solidFill>
+                <a:miter lim="800000"/>
+                <a:headEnd/>
+                <a:tailEnd/>
+              </a14:hiddenLine>
+            </a:ext>
+          </a:extLst>
+        </p:spPr>
+        <p:txBody>
+          <a:bodyPr>
+            <a:spAutoFit/>
+          </a:bodyPr>
+          <a:lstStyle>
+            <a:lvl1pPr>
+              <a:defRPr sz="5700">
+                <a:solidFill>
+                  <a:schemeClr val="tx1"/>
+                </a:solidFill>
+                <a:latin typeface="Calibri" panose="020F0502020204030204" pitchFamily="34" charset="0"/>
+                <a:ea typeface="MS PGothic" panose="020B0600070205080204" pitchFamily="34" charset="-128"/>
+              </a:defRPr>
+            </a:lvl1pPr>
+            <a:lvl2pPr marL="742950" indent="-285750">
+              <a:defRPr sz="5700">
+                <a:solidFill>
+                  <a:schemeClr val="tx1"/>
+                </a:solidFill>
+                <a:latin typeface="Calibri" panose="020F0502020204030204" pitchFamily="34" charset="0"/>
+                <a:ea typeface="MS PGothic" panose="020B0600070205080204" pitchFamily="34" charset="-128"/>
+              </a:defRPr>
+            </a:lvl2pPr>
+            <a:lvl3pPr marL="1143000" indent="-228600">
+              <a:defRPr sz="5700">
+                <a:solidFill>
+                  <a:schemeClr val="tx1"/>
+                </a:solidFill>
+                <a:latin typeface="Calibri" panose="020F0502020204030204" pitchFamily="34" charset="0"/>
+                <a:ea typeface="MS PGothic" panose="020B0600070205080204" pitchFamily="34" charset="-128"/>
+              </a:defRPr>
+            </a:lvl3pPr>
+            <a:lvl4pPr marL="1600200" indent="-228600">
+              <a:defRPr sz="5700">
+                <a:solidFill>
+                  <a:schemeClr val="tx1"/>
+                </a:solidFill>
+                <a:latin typeface="Calibri" panose="020F0502020204030204" pitchFamily="34" charset="0"/>
+                <a:ea typeface="MS PGothic" panose="020B0600070205080204" pitchFamily="34" charset="-128"/>
+              </a:defRPr>
+            </a:lvl4pPr>
+            <a:lvl5pPr marL="2057400" indent="-228600">
+              <a:defRPr sz="5700">
+                <a:solidFill>
+                  <a:schemeClr val="tx1"/>
+                </a:solidFill>
+                <a:latin typeface="Calibri" panose="020F0502020204030204" pitchFamily="34" charset="0"/>
+                <a:ea typeface="MS PGothic" panose="020B0600070205080204" pitchFamily="34" charset="-128"/>
+              </a:defRPr>
+            </a:lvl5pPr>
+            <a:lvl6pPr marL="2514600" indent="-228600" defTabSz="2874963" eaLnBrk="0" fontAlgn="base" hangingPunct="0">
+              <a:spcBef>
+                <a:spcPct val="0"/>
+              </a:spcBef>
+              <a:spcAft>
+                <a:spcPct val="0"/>
+              </a:spcAft>
+              <a:defRPr sz="5700">
+                <a:solidFill>
+                  <a:schemeClr val="tx1"/>
+                </a:solidFill>
+                <a:latin typeface="Calibri" panose="020F0502020204030204" pitchFamily="34" charset="0"/>
+                <a:ea typeface="MS PGothic" panose="020B0600070205080204" pitchFamily="34" charset="-128"/>
+              </a:defRPr>
+            </a:lvl6pPr>
+            <a:lvl7pPr marL="2971800" indent="-228600" defTabSz="2874963" eaLnBrk="0" fontAlgn="base" hangingPunct="0">
+              <a:spcBef>
+                <a:spcPct val="0"/>
+              </a:spcBef>
+              <a:spcAft>
+                <a:spcPct val="0"/>
+              </a:spcAft>
+              <a:defRPr sz="5700">
+                <a:solidFill>
+                  <a:schemeClr val="tx1"/>
+                </a:solidFill>
+                <a:latin typeface="Calibri" panose="020F0502020204030204" pitchFamily="34" charset="0"/>
+                <a:ea typeface="MS PGothic" panose="020B0600070205080204" pitchFamily="34" charset="-128"/>
+              </a:defRPr>
+            </a:lvl7pPr>
+            <a:lvl8pPr marL="3429000" indent="-228600" defTabSz="2874963" eaLnBrk="0" fontAlgn="base" hangingPunct="0">
+              <a:spcBef>
+                <a:spcPct val="0"/>
+              </a:spcBef>
+              <a:spcAft>
+                <a:spcPct val="0"/>
+              </a:spcAft>
+              <a:defRPr sz="5700">
+                <a:solidFill>
+                  <a:schemeClr val="tx1"/>
+                </a:solidFill>
+                <a:latin typeface="Calibri" panose="020F0502020204030204" pitchFamily="34" charset="0"/>
+                <a:ea typeface="MS PGothic" panose="020B0600070205080204" pitchFamily="34" charset="-128"/>
+              </a:defRPr>
+            </a:lvl8pPr>
+            <a:lvl9pPr marL="3886200" indent="-228600" defTabSz="2874963" eaLnBrk="0" fontAlgn="base" hangingPunct="0">
+              <a:spcBef>
+                <a:spcPct val="0"/>
+              </a:spcBef>
+              <a:spcAft>
+                <a:spcPct val="0"/>
+              </a:spcAft>
+              <a:defRPr sz="5700">
+                <a:solidFill>
+                  <a:schemeClr val="tx1"/>
+                </a:solidFill>
+                <a:latin typeface="Calibri" panose="020F0502020204030204" pitchFamily="34" charset="0"/>
+                <a:ea typeface="MS PGothic" panose="020B0600070205080204" pitchFamily="34" charset="-128"/>
+              </a:defRPr>
+            </a:lvl9pPr>
+          </a:lstStyle>
+          <a:p>
+            <a:pPr algn="ctr" eaLnBrk="1" hangingPunct="1"/>
+            <a:r>
+              <a:rPr lang="en-US" altLang="en-US" sz="4000" dirty="0">
+                <a:solidFill>
+                  <a:srgbClr val="0070C0"/>
+                </a:solidFill>
+              </a:rPr>
+              <a:t>Figure 7. Memory Cells</a:t>
+            </a:r>
+          </a:p>
+        </p:txBody>
+      </p:sp>
+      <p:sp>
+        <p:nvSpPr>
+          <p:cNvPr id="29" name="TextBox 28">
+            <a:extLst>
+              <a:ext uri="{FF2B5EF4-FFF2-40B4-BE49-F238E27FC236}">
+                <a16:creationId xmlns:a16="http://schemas.microsoft.com/office/drawing/2014/main" id="{5A080B5A-81F7-FC45-432C-786D052587DD}"/>
+              </a:ext>
+            </a:extLst>
+          </p:cNvPr>
+          <p:cNvSpPr txBox="1"/>
+          <p:nvPr/>
+        </p:nvSpPr>
+        <p:spPr>
+          <a:xfrm>
+            <a:off x="16992600" y="11973408"/>
+            <a:ext cx="7162800" cy="5170646"/>
+          </a:xfrm>
+          <a:prstGeom prst="rect">
+            <a:avLst/>
+          </a:prstGeom>
+          <a:noFill/>
+        </p:spPr>
+        <p:txBody>
+          <a:bodyPr wrap="square" rtlCol="0">
+            <a:spAutoFit/>
+          </a:bodyPr>
+          <a:lstStyle/>
+          <a:p>
+            <a:r>
+              <a:rPr lang="en-US" sz="3000" dirty="0">
+                <a:solidFill>
+                  <a:schemeClr val="accent1"/>
+                </a:solidFill>
+              </a:rPr>
+              <a:t>Forget Gate</a:t>
+            </a:r>
+          </a:p>
+          <a:p>
+            <a:endParaRPr lang="en-US" sz="3000" dirty="0">
+              <a:solidFill>
+                <a:schemeClr val="accent1"/>
+              </a:solidFill>
+            </a:endParaRPr>
+          </a:p>
+          <a:p>
+            <a:r>
+              <a:rPr lang="en-US" sz="3000" dirty="0">
+                <a:solidFill>
+                  <a:schemeClr val="accent1"/>
+                </a:solidFill>
+              </a:rPr>
+              <a:t>Input Gate</a:t>
+            </a:r>
+          </a:p>
+          <a:p>
+            <a:endParaRPr lang="en-US" sz="3000" dirty="0">
+              <a:solidFill>
+                <a:schemeClr val="accent1"/>
+              </a:solidFill>
+            </a:endParaRPr>
+          </a:p>
+          <a:p>
+            <a:r>
+              <a:rPr lang="en-US" sz="3000" dirty="0">
+                <a:solidFill>
+                  <a:schemeClr val="accent1"/>
+                </a:solidFill>
+              </a:rPr>
+              <a:t>New Candidate Values</a:t>
+            </a:r>
+          </a:p>
+          <a:p>
+            <a:endParaRPr lang="en-US" sz="3000" dirty="0">
+              <a:solidFill>
+                <a:schemeClr val="accent1"/>
+              </a:solidFill>
+            </a:endParaRPr>
+          </a:p>
+          <a:p>
+            <a:r>
+              <a:rPr lang="en-US" sz="3000" dirty="0">
+                <a:solidFill>
+                  <a:schemeClr val="accent1"/>
+                </a:solidFill>
+              </a:rPr>
+              <a:t>New Cell State</a:t>
+            </a:r>
+          </a:p>
+          <a:p>
+            <a:endParaRPr lang="en-US" sz="3000" dirty="0">
+              <a:solidFill>
+                <a:schemeClr val="accent1"/>
+              </a:solidFill>
+            </a:endParaRPr>
+          </a:p>
+          <a:p>
+            <a:r>
+              <a:rPr lang="en-US" sz="3000" dirty="0">
+                <a:solidFill>
+                  <a:schemeClr val="accent1"/>
+                </a:solidFill>
+              </a:rPr>
+              <a:t>Output Gate</a:t>
+            </a:r>
+          </a:p>
+          <a:p>
+            <a:endParaRPr lang="en-US" sz="3000" dirty="0">
+              <a:solidFill>
+                <a:schemeClr val="accent1"/>
+              </a:solidFill>
+            </a:endParaRPr>
+          </a:p>
+          <a:p>
+            <a:r>
+              <a:rPr lang="en-US" sz="3000" dirty="0">
+                <a:solidFill>
+                  <a:schemeClr val="accent1"/>
+                </a:solidFill>
+              </a:rPr>
+              <a:t>Output Value</a:t>
+            </a:r>
+          </a:p>
+        </p:txBody>
+      </p:sp>
+      <p:pic>
+        <p:nvPicPr>
+          <p:cNvPr id="32" name="Picture 31" descr="A black text on a white background&#10;&#10;Description automatically generated">
+            <a:extLst>
+              <a:ext uri="{FF2B5EF4-FFF2-40B4-BE49-F238E27FC236}">
+                <a16:creationId xmlns:a16="http://schemas.microsoft.com/office/drawing/2014/main" id="{9C63896A-E257-D8EF-8B27-2A849B85D344}"/>
+              </a:ext>
+            </a:extLst>
+          </p:cNvPr>
+          <p:cNvPicPr>
+            <a:picLocks noChangeAspect="1"/>
+          </p:cNvPicPr>
+          <p:nvPr/>
+        </p:nvPicPr>
+        <p:blipFill>
+          <a:blip r:embed="rId12">
+            <a:extLst>
+              <a:ext uri="{28A0092B-C50C-407E-A947-70E740481C1C}">
+                <a14:useLocalDpi xmlns:a14="http://schemas.microsoft.com/office/drawing/2010/main" val="0"/>
+              </a:ext>
+            </a:extLst>
+          </a:blip>
+          <a:stretch>
+            <a:fillRect/>
+          </a:stretch>
+        </p:blipFill>
+        <p:spPr>
+          <a:xfrm>
+            <a:off x="21549602" y="12049752"/>
+            <a:ext cx="2600344" cy="366715"/>
+          </a:xfrm>
+          <a:prstGeom prst="rect">
+            <a:avLst/>
+          </a:prstGeom>
+        </p:spPr>
+      </p:pic>
+      <p:pic>
+        <p:nvPicPr>
+          <p:cNvPr id="33" name="Picture 32" descr="A black text on a white background&#10;&#10;Description automatically generated">
+            <a:extLst>
+              <a:ext uri="{FF2B5EF4-FFF2-40B4-BE49-F238E27FC236}">
+                <a16:creationId xmlns:a16="http://schemas.microsoft.com/office/drawing/2014/main" id="{A0023A0E-A494-B59A-241E-2F67E9609DF7}"/>
+              </a:ext>
+            </a:extLst>
+          </p:cNvPr>
+          <p:cNvPicPr>
+            <a:picLocks noChangeAspect="1"/>
+          </p:cNvPicPr>
+          <p:nvPr/>
+        </p:nvPicPr>
+        <p:blipFill>
+          <a:blip r:embed="rId13">
+            <a:extLst>
+              <a:ext uri="{28A0092B-C50C-407E-A947-70E740481C1C}">
+                <a14:useLocalDpi xmlns:a14="http://schemas.microsoft.com/office/drawing/2010/main" val="0"/>
+              </a:ext>
+            </a:extLst>
+          </a:blip>
+          <a:stretch>
+            <a:fillRect/>
+          </a:stretch>
+        </p:blipFill>
+        <p:spPr>
+          <a:xfrm>
+            <a:off x="21664594" y="12967344"/>
+            <a:ext cx="2490806" cy="323852"/>
+          </a:xfrm>
+          <a:prstGeom prst="rect">
+            <a:avLst/>
+          </a:prstGeom>
+        </p:spPr>
+      </p:pic>
+      <p:pic>
+        <p:nvPicPr>
+          <p:cNvPr id="34" name="Picture 33" descr="A black text on a white background&#10;&#10;Description automatically generated">
+            <a:extLst>
+              <a:ext uri="{FF2B5EF4-FFF2-40B4-BE49-F238E27FC236}">
+                <a16:creationId xmlns:a16="http://schemas.microsoft.com/office/drawing/2014/main" id="{82E5210A-3C94-6349-4CBE-A5D1D7907DF5}"/>
+              </a:ext>
+            </a:extLst>
+          </p:cNvPr>
+          <p:cNvPicPr>
+            <a:picLocks noChangeAspect="1"/>
+          </p:cNvPicPr>
+          <p:nvPr/>
+        </p:nvPicPr>
+        <p:blipFill>
+          <a:blip r:embed="rId14">
+            <a:extLst>
+              <a:ext uri="{28A0092B-C50C-407E-A947-70E740481C1C}">
+                <a14:useLocalDpi xmlns:a14="http://schemas.microsoft.com/office/drawing/2010/main" val="0"/>
+              </a:ext>
+            </a:extLst>
+          </a:blip>
+          <a:stretch>
+            <a:fillRect/>
+          </a:stretch>
+        </p:blipFill>
+        <p:spPr>
+          <a:xfrm>
+            <a:off x="21315976" y="13824549"/>
+            <a:ext cx="2900384" cy="400053"/>
+          </a:xfrm>
+          <a:prstGeom prst="rect">
+            <a:avLst/>
+          </a:prstGeom>
+        </p:spPr>
+      </p:pic>
+      <p:pic>
+        <p:nvPicPr>
+          <p:cNvPr id="35" name="Picture 34" descr="A black and white text&#10;&#10;Description automatically generated">
+            <a:extLst>
+              <a:ext uri="{FF2B5EF4-FFF2-40B4-BE49-F238E27FC236}">
+                <a16:creationId xmlns:a16="http://schemas.microsoft.com/office/drawing/2014/main" id="{0ABE09D1-5CBB-6F19-2ABF-12080F471940}"/>
+              </a:ext>
+            </a:extLst>
+          </p:cNvPr>
+          <p:cNvPicPr>
+            <a:picLocks noChangeAspect="1"/>
+          </p:cNvPicPr>
+          <p:nvPr/>
+        </p:nvPicPr>
+        <p:blipFill>
+          <a:blip r:embed="rId15">
+            <a:extLst>
+              <a:ext uri="{28A0092B-C50C-407E-A947-70E740481C1C}">
+                <a14:useLocalDpi xmlns:a14="http://schemas.microsoft.com/office/drawing/2010/main" val="0"/>
+              </a:ext>
+            </a:extLst>
+          </a:blip>
+          <a:stretch>
+            <a:fillRect/>
+          </a:stretch>
+        </p:blipFill>
+        <p:spPr>
+          <a:xfrm>
+            <a:off x="22150362" y="14758310"/>
+            <a:ext cx="2009790" cy="314327"/>
+          </a:xfrm>
+          <a:prstGeom prst="rect">
+            <a:avLst/>
+          </a:prstGeom>
+        </p:spPr>
+      </p:pic>
+      <p:pic>
+        <p:nvPicPr>
+          <p:cNvPr id="36" name="Picture 35" descr="A black text on a white background&#10;&#10;Description automatically generated">
+            <a:extLst>
+              <a:ext uri="{FF2B5EF4-FFF2-40B4-BE49-F238E27FC236}">
+                <a16:creationId xmlns:a16="http://schemas.microsoft.com/office/drawing/2014/main" id="{6D08F3E2-0271-6586-241D-F2A3CA09CA49}"/>
+              </a:ext>
+            </a:extLst>
+          </p:cNvPr>
+          <p:cNvPicPr>
+            <a:picLocks noChangeAspect="1"/>
+          </p:cNvPicPr>
+          <p:nvPr/>
+        </p:nvPicPr>
+        <p:blipFill>
+          <a:blip r:embed="rId16">
+            <a:extLst>
+              <a:ext uri="{28A0092B-C50C-407E-A947-70E740481C1C}">
+                <a14:useLocalDpi xmlns:a14="http://schemas.microsoft.com/office/drawing/2010/main" val="0"/>
+              </a:ext>
+            </a:extLst>
+          </a:blip>
+          <a:stretch>
+            <a:fillRect/>
+          </a:stretch>
+        </p:blipFill>
+        <p:spPr>
+          <a:xfrm>
+            <a:off x="21539212" y="15739921"/>
+            <a:ext cx="2624157" cy="357190"/>
+          </a:xfrm>
+          <a:prstGeom prst="rect">
+            <a:avLst/>
+          </a:prstGeom>
+        </p:spPr>
+      </p:pic>
+      <p:pic>
+        <p:nvPicPr>
+          <p:cNvPr id="37" name="Picture 36" descr="A black text with a dot&#10;&#10;Description automatically generated">
+            <a:extLst>
+              <a:ext uri="{FF2B5EF4-FFF2-40B4-BE49-F238E27FC236}">
+                <a16:creationId xmlns:a16="http://schemas.microsoft.com/office/drawing/2014/main" id="{6806B297-32E9-7952-88D5-41F22BDA1EE0}"/>
+              </a:ext>
+            </a:extLst>
+          </p:cNvPr>
+          <p:cNvPicPr>
+            <a:picLocks noChangeAspect="1"/>
+          </p:cNvPicPr>
+          <p:nvPr/>
+        </p:nvPicPr>
+        <p:blipFill>
+          <a:blip r:embed="rId17">
+            <a:extLst>
+              <a:ext uri="{28A0092B-C50C-407E-A947-70E740481C1C}">
+                <a14:useLocalDpi xmlns:a14="http://schemas.microsoft.com/office/drawing/2010/main" val="0"/>
+              </a:ext>
+            </a:extLst>
+          </a:blip>
+          <a:stretch>
+            <a:fillRect/>
+          </a:stretch>
+        </p:blipFill>
+        <p:spPr>
+          <a:xfrm>
+            <a:off x="22364687" y="16586890"/>
+            <a:ext cx="1828813" cy="381003"/>
           </a:xfrm>
           <a:prstGeom prst="rect">
             <a:avLst/>
@@ -9676,346 +10150,6 @@
       </p:sp>
       <p:sp>
         <p:nvSpPr>
-          <p:cNvPr id="14344" name="TextBox 14">
-            <a:extLst>
-              <a:ext uri="{FF2B5EF4-FFF2-40B4-BE49-F238E27FC236}">
-                <a16:creationId xmlns:a16="http://schemas.microsoft.com/office/drawing/2014/main" id="{455A62BA-E230-4B96-8357-FFD6B468DD0B}"/>
-              </a:ext>
-            </a:extLst>
-          </p:cNvPr>
-          <p:cNvSpPr txBox="1">
-            <a:spLocks noChangeArrowheads="1"/>
-          </p:cNvSpPr>
-          <p:nvPr/>
-        </p:nvSpPr>
-        <p:spPr bwMode="auto">
-          <a:xfrm>
-            <a:off x="228600" y="2895600"/>
-            <a:ext cx="8001000" cy="969496"/>
-          </a:xfrm>
-          <a:prstGeom prst="rect">
-            <a:avLst/>
-          </a:prstGeom>
-          <a:noFill/>
-          <a:ln>
-            <a:noFill/>
-          </a:ln>
-          <a:extLst>
-            <a:ext uri="{909E8E84-426E-40DD-AFC4-6F175D3DCCD1}">
-              <a14:hiddenFill xmlns:a14="http://schemas.microsoft.com/office/drawing/2010/main">
-                <a:solidFill>
-                  <a:srgbClr val="FFFFFF"/>
-                </a:solidFill>
-              </a14:hiddenFill>
-            </a:ext>
-            <a:ext uri="{91240B29-F687-4F45-9708-019B960494DF}">
-              <a14:hiddenLine xmlns:a14="http://schemas.microsoft.com/office/drawing/2010/main" w="9525">
-                <a:solidFill>
-                  <a:srgbClr val="000000"/>
-                </a:solidFill>
-                <a:miter lim="800000"/>
-                <a:headEnd/>
-                <a:tailEnd/>
-              </a14:hiddenLine>
-            </a:ext>
-          </a:extLst>
-        </p:spPr>
-        <p:txBody>
-          <a:bodyPr>
-            <a:spAutoFit/>
-          </a:bodyPr>
-          <a:lstStyle>
-            <a:lvl1pPr>
-              <a:defRPr sz="5700">
-                <a:solidFill>
-                  <a:schemeClr val="tx1"/>
-                </a:solidFill>
-                <a:latin typeface="Calibri" panose="020F0502020204030204" pitchFamily="34" charset="0"/>
-                <a:ea typeface="MS PGothic" panose="020B0600070205080204" pitchFamily="34" charset="-128"/>
-              </a:defRPr>
-            </a:lvl1pPr>
-            <a:lvl2pPr marL="742950" indent="-285750">
-              <a:defRPr sz="5700">
-                <a:solidFill>
-                  <a:schemeClr val="tx1"/>
-                </a:solidFill>
-                <a:latin typeface="Calibri" panose="020F0502020204030204" pitchFamily="34" charset="0"/>
-                <a:ea typeface="MS PGothic" panose="020B0600070205080204" pitchFamily="34" charset="-128"/>
-              </a:defRPr>
-            </a:lvl2pPr>
-            <a:lvl3pPr marL="1143000" indent="-228600">
-              <a:defRPr sz="5700">
-                <a:solidFill>
-                  <a:schemeClr val="tx1"/>
-                </a:solidFill>
-                <a:latin typeface="Calibri" panose="020F0502020204030204" pitchFamily="34" charset="0"/>
-                <a:ea typeface="MS PGothic" panose="020B0600070205080204" pitchFamily="34" charset="-128"/>
-              </a:defRPr>
-            </a:lvl3pPr>
-            <a:lvl4pPr marL="1600200" indent="-228600">
-              <a:defRPr sz="5700">
-                <a:solidFill>
-                  <a:schemeClr val="tx1"/>
-                </a:solidFill>
-                <a:latin typeface="Calibri" panose="020F0502020204030204" pitchFamily="34" charset="0"/>
-                <a:ea typeface="MS PGothic" panose="020B0600070205080204" pitchFamily="34" charset="-128"/>
-              </a:defRPr>
-            </a:lvl4pPr>
-            <a:lvl5pPr marL="2057400" indent="-228600">
-              <a:defRPr sz="5700">
-                <a:solidFill>
-                  <a:schemeClr val="tx1"/>
-                </a:solidFill>
-                <a:latin typeface="Calibri" panose="020F0502020204030204" pitchFamily="34" charset="0"/>
-                <a:ea typeface="MS PGothic" panose="020B0600070205080204" pitchFamily="34" charset="-128"/>
-              </a:defRPr>
-            </a:lvl5pPr>
-            <a:lvl6pPr marL="2514600" indent="-228600" defTabSz="2874963" eaLnBrk="0" fontAlgn="base" hangingPunct="0">
-              <a:spcBef>
-                <a:spcPct val="0"/>
-              </a:spcBef>
-              <a:spcAft>
-                <a:spcPct val="0"/>
-              </a:spcAft>
-              <a:defRPr sz="5700">
-                <a:solidFill>
-                  <a:schemeClr val="tx1"/>
-                </a:solidFill>
-                <a:latin typeface="Calibri" panose="020F0502020204030204" pitchFamily="34" charset="0"/>
-                <a:ea typeface="MS PGothic" panose="020B0600070205080204" pitchFamily="34" charset="-128"/>
-              </a:defRPr>
-            </a:lvl6pPr>
-            <a:lvl7pPr marL="2971800" indent="-228600" defTabSz="2874963" eaLnBrk="0" fontAlgn="base" hangingPunct="0">
-              <a:spcBef>
-                <a:spcPct val="0"/>
-              </a:spcBef>
-              <a:spcAft>
-                <a:spcPct val="0"/>
-              </a:spcAft>
-              <a:defRPr sz="5700">
-                <a:solidFill>
-                  <a:schemeClr val="tx1"/>
-                </a:solidFill>
-                <a:latin typeface="Calibri" panose="020F0502020204030204" pitchFamily="34" charset="0"/>
-                <a:ea typeface="MS PGothic" panose="020B0600070205080204" pitchFamily="34" charset="-128"/>
-              </a:defRPr>
-            </a:lvl7pPr>
-            <a:lvl8pPr marL="3429000" indent="-228600" defTabSz="2874963" eaLnBrk="0" fontAlgn="base" hangingPunct="0">
-              <a:spcBef>
-                <a:spcPct val="0"/>
-              </a:spcBef>
-              <a:spcAft>
-                <a:spcPct val="0"/>
-              </a:spcAft>
-              <a:defRPr sz="5700">
-                <a:solidFill>
-                  <a:schemeClr val="tx1"/>
-                </a:solidFill>
-                <a:latin typeface="Calibri" panose="020F0502020204030204" pitchFamily="34" charset="0"/>
-                <a:ea typeface="MS PGothic" panose="020B0600070205080204" pitchFamily="34" charset="-128"/>
-              </a:defRPr>
-            </a:lvl8pPr>
-            <a:lvl9pPr marL="3886200" indent="-228600" defTabSz="2874963" eaLnBrk="0" fontAlgn="base" hangingPunct="0">
-              <a:spcBef>
-                <a:spcPct val="0"/>
-              </a:spcBef>
-              <a:spcAft>
-                <a:spcPct val="0"/>
-              </a:spcAft>
-              <a:defRPr sz="5700">
-                <a:solidFill>
-                  <a:schemeClr val="tx1"/>
-                </a:solidFill>
-                <a:latin typeface="Calibri" panose="020F0502020204030204" pitchFamily="34" charset="0"/>
-                <a:ea typeface="MS PGothic" panose="020B0600070205080204" pitchFamily="34" charset="-128"/>
-              </a:defRPr>
-            </a:lvl9pPr>
-          </a:lstStyle>
-          <a:p>
-            <a:pPr algn="ctr" eaLnBrk="1" hangingPunct="1"/>
-            <a:r>
-              <a:rPr lang="en-US" altLang="en-US" dirty="0">
-                <a:solidFill>
-                  <a:srgbClr val="0070C0"/>
-                </a:solidFill>
-              </a:rPr>
-              <a:t>Imputation Methods</a:t>
-            </a:r>
-          </a:p>
-        </p:txBody>
-      </p:sp>
-      <p:sp>
-        <p:nvSpPr>
-          <p:cNvPr id="14345" name="TextBox 18">
-            <a:extLst>
-              <a:ext uri="{FF2B5EF4-FFF2-40B4-BE49-F238E27FC236}">
-                <a16:creationId xmlns:a16="http://schemas.microsoft.com/office/drawing/2014/main" id="{8E97551E-D46F-4B68-9FB0-DE0F5EBD26AF}"/>
-              </a:ext>
-            </a:extLst>
-          </p:cNvPr>
-          <p:cNvSpPr txBox="1">
-            <a:spLocks noChangeArrowheads="1"/>
-          </p:cNvSpPr>
-          <p:nvPr/>
-        </p:nvSpPr>
-        <p:spPr bwMode="auto">
-          <a:xfrm>
-            <a:off x="16764000" y="2895600"/>
-            <a:ext cx="8001000" cy="969496"/>
-          </a:xfrm>
-          <a:prstGeom prst="rect">
-            <a:avLst/>
-          </a:prstGeom>
-          <a:noFill/>
-          <a:ln>
-            <a:noFill/>
-          </a:ln>
-          <a:extLst>
-            <a:ext uri="{909E8E84-426E-40DD-AFC4-6F175D3DCCD1}">
-              <a14:hiddenFill xmlns:a14="http://schemas.microsoft.com/office/drawing/2010/main">
-                <a:solidFill>
-                  <a:srgbClr val="FFFFFF"/>
-                </a:solidFill>
-              </a14:hiddenFill>
-            </a:ext>
-            <a:ext uri="{91240B29-F687-4F45-9708-019B960494DF}">
-              <a14:hiddenLine xmlns:a14="http://schemas.microsoft.com/office/drawing/2010/main" w="9525">
-                <a:solidFill>
-                  <a:srgbClr val="000000"/>
-                </a:solidFill>
-                <a:miter lim="800000"/>
-                <a:headEnd/>
-                <a:tailEnd/>
-              </a14:hiddenLine>
-            </a:ext>
-          </a:extLst>
-        </p:spPr>
-        <p:txBody>
-          <a:bodyPr>
-            <a:spAutoFit/>
-          </a:bodyPr>
-          <a:lstStyle>
-            <a:lvl1pPr>
-              <a:defRPr sz="5700">
-                <a:solidFill>
-                  <a:schemeClr val="tx1"/>
-                </a:solidFill>
-                <a:latin typeface="Calibri" panose="020F0502020204030204" pitchFamily="34" charset="0"/>
-                <a:ea typeface="MS PGothic" panose="020B0600070205080204" pitchFamily="34" charset="-128"/>
-              </a:defRPr>
-            </a:lvl1pPr>
-            <a:lvl2pPr marL="742950" indent="-285750">
-              <a:defRPr sz="5700">
-                <a:solidFill>
-                  <a:schemeClr val="tx1"/>
-                </a:solidFill>
-                <a:latin typeface="Calibri" panose="020F0502020204030204" pitchFamily="34" charset="0"/>
-                <a:ea typeface="MS PGothic" panose="020B0600070205080204" pitchFamily="34" charset="-128"/>
-              </a:defRPr>
-            </a:lvl2pPr>
-            <a:lvl3pPr marL="1143000" indent="-228600">
-              <a:defRPr sz="5700">
-                <a:solidFill>
-                  <a:schemeClr val="tx1"/>
-                </a:solidFill>
-                <a:latin typeface="Calibri" panose="020F0502020204030204" pitchFamily="34" charset="0"/>
-                <a:ea typeface="MS PGothic" panose="020B0600070205080204" pitchFamily="34" charset="-128"/>
-              </a:defRPr>
-            </a:lvl3pPr>
-            <a:lvl4pPr marL="1600200" indent="-228600">
-              <a:defRPr sz="5700">
-                <a:solidFill>
-                  <a:schemeClr val="tx1"/>
-                </a:solidFill>
-                <a:latin typeface="Calibri" panose="020F0502020204030204" pitchFamily="34" charset="0"/>
-                <a:ea typeface="MS PGothic" panose="020B0600070205080204" pitchFamily="34" charset="-128"/>
-              </a:defRPr>
-            </a:lvl4pPr>
-            <a:lvl5pPr marL="2057400" indent="-228600">
-              <a:defRPr sz="5700">
-                <a:solidFill>
-                  <a:schemeClr val="tx1"/>
-                </a:solidFill>
-                <a:latin typeface="Calibri" panose="020F0502020204030204" pitchFamily="34" charset="0"/>
-                <a:ea typeface="MS PGothic" panose="020B0600070205080204" pitchFamily="34" charset="-128"/>
-              </a:defRPr>
-            </a:lvl5pPr>
-            <a:lvl6pPr marL="2514600" indent="-228600" defTabSz="2874963" eaLnBrk="0" fontAlgn="base" hangingPunct="0">
-              <a:spcBef>
-                <a:spcPct val="0"/>
-              </a:spcBef>
-              <a:spcAft>
-                <a:spcPct val="0"/>
-              </a:spcAft>
-              <a:defRPr sz="5700">
-                <a:solidFill>
-                  <a:schemeClr val="tx1"/>
-                </a:solidFill>
-                <a:latin typeface="Calibri" panose="020F0502020204030204" pitchFamily="34" charset="0"/>
-                <a:ea typeface="MS PGothic" panose="020B0600070205080204" pitchFamily="34" charset="-128"/>
-              </a:defRPr>
-            </a:lvl6pPr>
-            <a:lvl7pPr marL="2971800" indent="-228600" defTabSz="2874963" eaLnBrk="0" fontAlgn="base" hangingPunct="0">
-              <a:spcBef>
-                <a:spcPct val="0"/>
-              </a:spcBef>
-              <a:spcAft>
-                <a:spcPct val="0"/>
-              </a:spcAft>
-              <a:defRPr sz="5700">
-                <a:solidFill>
-                  <a:schemeClr val="tx1"/>
-                </a:solidFill>
-                <a:latin typeface="Calibri" panose="020F0502020204030204" pitchFamily="34" charset="0"/>
-                <a:ea typeface="MS PGothic" panose="020B0600070205080204" pitchFamily="34" charset="-128"/>
-              </a:defRPr>
-            </a:lvl7pPr>
-            <a:lvl8pPr marL="3429000" indent="-228600" defTabSz="2874963" eaLnBrk="0" fontAlgn="base" hangingPunct="0">
-              <a:spcBef>
-                <a:spcPct val="0"/>
-              </a:spcBef>
-              <a:spcAft>
-                <a:spcPct val="0"/>
-              </a:spcAft>
-              <a:defRPr sz="5700">
-                <a:solidFill>
-                  <a:schemeClr val="tx1"/>
-                </a:solidFill>
-                <a:latin typeface="Calibri" panose="020F0502020204030204" pitchFamily="34" charset="0"/>
-                <a:ea typeface="MS PGothic" panose="020B0600070205080204" pitchFamily="34" charset="-128"/>
-              </a:defRPr>
-            </a:lvl8pPr>
-            <a:lvl9pPr marL="3886200" indent="-228600" defTabSz="2874963" eaLnBrk="0" fontAlgn="base" hangingPunct="0">
-              <a:spcBef>
-                <a:spcPct val="0"/>
-              </a:spcBef>
-              <a:spcAft>
-                <a:spcPct val="0"/>
-              </a:spcAft>
-              <a:defRPr sz="5700">
-                <a:solidFill>
-                  <a:schemeClr val="tx1"/>
-                </a:solidFill>
-                <a:latin typeface="Calibri" panose="020F0502020204030204" pitchFamily="34" charset="0"/>
-                <a:ea typeface="MS PGothic" panose="020B0600070205080204" pitchFamily="34" charset="-128"/>
-              </a:defRPr>
-            </a:lvl9pPr>
-          </a:lstStyle>
-          <a:p>
-            <a:pPr algn="ctr" eaLnBrk="1" hangingPunct="1"/>
-            <a:r>
-              <a:rPr lang="en-US" altLang="en-US" dirty="0">
-                <a:solidFill>
-                  <a:srgbClr val="0070C0"/>
-                </a:solidFill>
-              </a:rPr>
-              <a:t>EVER Data Set</a:t>
-            </a:r>
-          </a:p>
-        </p:txBody>
-      </p:sp>
-      <p:sp>
-        <p:nvSpPr>
           <p:cNvPr id="14347" name="TextBox 20">
             <a:extLst>
               <a:ext uri="{FF2B5EF4-FFF2-40B4-BE49-F238E27FC236}">
@@ -10178,237 +10312,6 @@
                 <a:srgbClr val="0070C0"/>
               </a:solidFill>
             </a:endParaRPr>
-          </a:p>
-        </p:txBody>
-      </p:sp>
-      <p:sp>
-        <p:nvSpPr>
-          <p:cNvPr id="14350" name="TextBox 24">
-            <a:extLst>
-              <a:ext uri="{FF2B5EF4-FFF2-40B4-BE49-F238E27FC236}">
-                <a16:creationId xmlns:a16="http://schemas.microsoft.com/office/drawing/2014/main" id="{3256567E-3B10-4235-B6A7-D4A8A25623E3}"/>
-              </a:ext>
-            </a:extLst>
-          </p:cNvPr>
-          <p:cNvSpPr txBox="1">
-            <a:spLocks noChangeArrowheads="1"/>
-          </p:cNvSpPr>
-          <p:nvPr/>
-        </p:nvSpPr>
-        <p:spPr bwMode="auto">
-          <a:xfrm>
-            <a:off x="16764000" y="4343400"/>
-            <a:ext cx="7848600" cy="5509200"/>
-          </a:xfrm>
-          <a:prstGeom prst="rect">
-            <a:avLst/>
-          </a:prstGeom>
-          <a:noFill/>
-          <a:ln>
-            <a:noFill/>
-          </a:ln>
-          <a:extLst>
-            <a:ext uri="{909E8E84-426E-40dd-AFC4-6F175D3DCCD1}">
-              <a14:hiddenFill xmlns="" xmlns:a14="http://schemas.microsoft.com/office/drawing/2010/main">
-                <a:solidFill>
-                  <a:srgbClr val="FFFFFF"/>
-                </a:solidFill>
-              </a14:hiddenFill>
-            </a:ext>
-            <a:ext uri="{91240B29-F687-4f45-9708-019B960494DF}">
-              <a14:hiddenLine xmlns="" xmlns:a14="http://schemas.microsoft.com/office/drawing/2010/main" w="9525">
-                <a:solidFill>
-                  <a:srgbClr val="000000"/>
-                </a:solidFill>
-                <a:miter lim="800000"/>
-                <a:headEnd/>
-                <a:tailEnd/>
-              </a14:hiddenLine>
-            </a:ext>
-          </a:extLst>
-        </p:spPr>
-        <p:txBody>
-          <a:bodyPr>
-            <a:spAutoFit/>
-          </a:bodyPr>
-          <a:lstStyle>
-            <a:lvl1pPr>
-              <a:defRPr sz="5700">
-                <a:solidFill>
-                  <a:schemeClr val="tx1"/>
-                </a:solidFill>
-                <a:latin typeface="Calibri" charset="0"/>
-                <a:ea typeface="MS PGothic" charset="0"/>
-                <a:cs typeface="MS PGothic" charset="0"/>
-              </a:defRPr>
-            </a:lvl1pPr>
-            <a:lvl2pPr marL="742950" indent="-285750">
-              <a:defRPr sz="5700">
-                <a:solidFill>
-                  <a:schemeClr val="tx1"/>
-                </a:solidFill>
-                <a:latin typeface="Calibri" charset="0"/>
-                <a:ea typeface="MS PGothic" charset="0"/>
-                <a:cs typeface="MS PGothic" charset="0"/>
-              </a:defRPr>
-            </a:lvl2pPr>
-            <a:lvl3pPr marL="1143000" indent="-228600">
-              <a:defRPr sz="5700">
-                <a:solidFill>
-                  <a:schemeClr val="tx1"/>
-                </a:solidFill>
-                <a:latin typeface="Calibri" charset="0"/>
-                <a:ea typeface="MS PGothic" charset="0"/>
-                <a:cs typeface="MS PGothic" charset="0"/>
-              </a:defRPr>
-            </a:lvl3pPr>
-            <a:lvl4pPr marL="1600200" indent="-228600">
-              <a:defRPr sz="5700">
-                <a:solidFill>
-                  <a:schemeClr val="tx1"/>
-                </a:solidFill>
-                <a:latin typeface="Calibri" charset="0"/>
-                <a:ea typeface="MS PGothic" charset="0"/>
-                <a:cs typeface="MS PGothic" charset="0"/>
-              </a:defRPr>
-            </a:lvl4pPr>
-            <a:lvl5pPr marL="2057400" indent="-228600">
-              <a:defRPr sz="5700">
-                <a:solidFill>
-                  <a:schemeClr val="tx1"/>
-                </a:solidFill>
-                <a:latin typeface="Calibri" charset="0"/>
-                <a:ea typeface="MS PGothic" charset="0"/>
-                <a:cs typeface="MS PGothic" charset="0"/>
-              </a:defRPr>
-            </a:lvl5pPr>
-            <a:lvl6pPr marL="2514600" indent="-228600" defTabSz="2874963" eaLnBrk="0" fontAlgn="base" hangingPunct="0">
-              <a:spcBef>
-                <a:spcPct val="0"/>
-              </a:spcBef>
-              <a:spcAft>
-                <a:spcPct val="0"/>
-              </a:spcAft>
-              <a:defRPr sz="5700">
-                <a:solidFill>
-                  <a:schemeClr val="tx1"/>
-                </a:solidFill>
-                <a:latin typeface="Calibri" charset="0"/>
-                <a:ea typeface="MS PGothic" charset="0"/>
-                <a:cs typeface="MS PGothic" charset="0"/>
-              </a:defRPr>
-            </a:lvl6pPr>
-            <a:lvl7pPr marL="2971800" indent="-228600" defTabSz="2874963" eaLnBrk="0" fontAlgn="base" hangingPunct="0">
-              <a:spcBef>
-                <a:spcPct val="0"/>
-              </a:spcBef>
-              <a:spcAft>
-                <a:spcPct val="0"/>
-              </a:spcAft>
-              <a:defRPr sz="5700">
-                <a:solidFill>
-                  <a:schemeClr val="tx1"/>
-                </a:solidFill>
-                <a:latin typeface="Calibri" charset="0"/>
-                <a:ea typeface="MS PGothic" charset="0"/>
-                <a:cs typeface="MS PGothic" charset="0"/>
-              </a:defRPr>
-            </a:lvl7pPr>
-            <a:lvl8pPr marL="3429000" indent="-228600" defTabSz="2874963" eaLnBrk="0" fontAlgn="base" hangingPunct="0">
-              <a:spcBef>
-                <a:spcPct val="0"/>
-              </a:spcBef>
-              <a:spcAft>
-                <a:spcPct val="0"/>
-              </a:spcAft>
-              <a:defRPr sz="5700">
-                <a:solidFill>
-                  <a:schemeClr val="tx1"/>
-                </a:solidFill>
-                <a:latin typeface="Calibri" charset="0"/>
-                <a:ea typeface="MS PGothic" charset="0"/>
-                <a:cs typeface="MS PGothic" charset="0"/>
-              </a:defRPr>
-            </a:lvl8pPr>
-            <a:lvl9pPr marL="3886200" indent="-228600" defTabSz="2874963" eaLnBrk="0" fontAlgn="base" hangingPunct="0">
-              <a:spcBef>
-                <a:spcPct val="0"/>
-              </a:spcBef>
-              <a:spcAft>
-                <a:spcPct val="0"/>
-              </a:spcAft>
-              <a:defRPr sz="5700">
-                <a:solidFill>
-                  <a:schemeClr val="tx1"/>
-                </a:solidFill>
-                <a:latin typeface="Calibri" charset="0"/>
-                <a:ea typeface="MS PGothic" charset="0"/>
-                <a:cs typeface="MS PGothic" charset="0"/>
-              </a:defRPr>
-            </a:lvl9pPr>
-          </a:lstStyle>
-          <a:p>
-            <a:pPr marL="457200" indent="-457200">
-              <a:buFont typeface="Arial" panose="020B0604020202020204" pitchFamily="34" charset="0"/>
-              <a:buChar char="•"/>
-              <a:defRPr/>
-            </a:pPr>
-            <a:r>
-              <a:rPr lang="en-US" sz="3200" dirty="0"/>
-              <a:t>58 hydrology stations measure water stage (elevation from sea level) multiple times per day</a:t>
-            </a:r>
-          </a:p>
-          <a:p>
-            <a:pPr marL="457200" indent="-457200">
-              <a:buFont typeface="Arial" panose="020B0604020202020204" pitchFamily="34" charset="0"/>
-              <a:buChar char="•"/>
-              <a:defRPr/>
-            </a:pPr>
-            <a:r>
-              <a:rPr lang="en-US" sz="3200" dirty="0"/>
-              <a:t>For each day, the daily average is recorded</a:t>
-            </a:r>
-          </a:p>
-          <a:p>
-            <a:pPr marL="457200" indent="-457200">
-              <a:buFont typeface="Arial" panose="020B0604020202020204" pitchFamily="34" charset="0"/>
-              <a:buChar char="•"/>
-              <a:defRPr/>
-            </a:pPr>
-            <a:r>
-              <a:rPr lang="en-US" sz="3200" dirty="0"/>
-              <a:t>Stage was transformed to depth by subtracting the elevation of the station itself</a:t>
-            </a:r>
-          </a:p>
-          <a:p>
-            <a:pPr marL="457200" indent="-457200">
-              <a:buFont typeface="Arial" panose="020B0604020202020204" pitchFamily="34" charset="0"/>
-              <a:buChar char="•"/>
-              <a:defRPr/>
-            </a:pPr>
-            <a:r>
-              <a:rPr lang="en-US" sz="3200" dirty="0"/>
-              <a:t>Time-series go as far back as 1952</a:t>
-            </a:r>
-          </a:p>
-          <a:p>
-            <a:pPr marL="457200" indent="-457200">
-              <a:buFont typeface="Arial" panose="020B0604020202020204" pitchFamily="34" charset="0"/>
-              <a:buChar char="•"/>
-              <a:defRPr/>
-            </a:pPr>
-            <a:r>
-              <a:rPr lang="en-US" sz="3200" dirty="0"/>
-              <a:t>Missingness present ranges from 0.5% to &gt;50%</a:t>
-            </a:r>
-          </a:p>
-          <a:p>
-            <a:pPr marL="457200" indent="-457200">
-              <a:buFont typeface="Arial" panose="020B0604020202020204" pitchFamily="34" charset="0"/>
-              <a:buChar char="•"/>
-              <a:defRPr/>
-            </a:pPr>
-            <a:endParaRPr lang="en-US" sz="3200" dirty="0"/>
           </a:p>
         </p:txBody>
       </p:sp>
@@ -10806,187 +10709,6 @@
       </p:sp>
       <p:sp>
         <p:nvSpPr>
-          <p:cNvPr id="14353" name="TextBox 14">
-            <a:extLst>
-              <a:ext uri="{FF2B5EF4-FFF2-40B4-BE49-F238E27FC236}">
-                <a16:creationId xmlns:a16="http://schemas.microsoft.com/office/drawing/2014/main" id="{093034A0-D87C-422E-8143-86A0962A82FB}"/>
-              </a:ext>
-            </a:extLst>
-          </p:cNvPr>
-          <p:cNvSpPr txBox="1">
-            <a:spLocks noChangeArrowheads="1"/>
-          </p:cNvSpPr>
-          <p:nvPr/>
-        </p:nvSpPr>
-        <p:spPr bwMode="auto">
-          <a:xfrm>
-            <a:off x="8382000" y="2854326"/>
-            <a:ext cx="8001000" cy="1846659"/>
-          </a:xfrm>
-          <a:prstGeom prst="rect">
-            <a:avLst/>
-          </a:prstGeom>
-          <a:noFill/>
-          <a:ln>
-            <a:noFill/>
-          </a:ln>
-          <a:extLst>
-            <a:ext uri="{909E8E84-426E-40DD-AFC4-6F175D3DCCD1}">
-              <a14:hiddenFill xmlns:a14="http://schemas.microsoft.com/office/drawing/2010/main">
-                <a:solidFill>
-                  <a:srgbClr val="FFFFFF"/>
-                </a:solidFill>
-              </a14:hiddenFill>
-            </a:ext>
-            <a:ext uri="{91240B29-F687-4F45-9708-019B960494DF}">
-              <a14:hiddenLine xmlns:a14="http://schemas.microsoft.com/office/drawing/2010/main" w="9525">
-                <a:solidFill>
-                  <a:srgbClr val="000000"/>
-                </a:solidFill>
-                <a:miter lim="800000"/>
-                <a:headEnd/>
-                <a:tailEnd/>
-              </a14:hiddenLine>
-            </a:ext>
-          </a:extLst>
-        </p:spPr>
-        <p:txBody>
-          <a:bodyPr>
-            <a:spAutoFit/>
-          </a:bodyPr>
-          <a:lstStyle>
-            <a:lvl1pPr>
-              <a:defRPr sz="5700">
-                <a:solidFill>
-                  <a:schemeClr val="tx1"/>
-                </a:solidFill>
-                <a:latin typeface="Calibri" panose="020F0502020204030204" pitchFamily="34" charset="0"/>
-                <a:ea typeface="MS PGothic" panose="020B0600070205080204" pitchFamily="34" charset="-128"/>
-              </a:defRPr>
-            </a:lvl1pPr>
-            <a:lvl2pPr marL="742950" indent="-285750">
-              <a:defRPr sz="5700">
-                <a:solidFill>
-                  <a:schemeClr val="tx1"/>
-                </a:solidFill>
-                <a:latin typeface="Calibri" panose="020F0502020204030204" pitchFamily="34" charset="0"/>
-                <a:ea typeface="MS PGothic" panose="020B0600070205080204" pitchFamily="34" charset="-128"/>
-              </a:defRPr>
-            </a:lvl2pPr>
-            <a:lvl3pPr marL="1143000" indent="-228600">
-              <a:defRPr sz="5700">
-                <a:solidFill>
-                  <a:schemeClr val="tx1"/>
-                </a:solidFill>
-                <a:latin typeface="Calibri" panose="020F0502020204030204" pitchFamily="34" charset="0"/>
-                <a:ea typeface="MS PGothic" panose="020B0600070205080204" pitchFamily="34" charset="-128"/>
-              </a:defRPr>
-            </a:lvl3pPr>
-            <a:lvl4pPr marL="1600200" indent="-228600">
-              <a:defRPr sz="5700">
-                <a:solidFill>
-                  <a:schemeClr val="tx1"/>
-                </a:solidFill>
-                <a:latin typeface="Calibri" panose="020F0502020204030204" pitchFamily="34" charset="0"/>
-                <a:ea typeface="MS PGothic" panose="020B0600070205080204" pitchFamily="34" charset="-128"/>
-              </a:defRPr>
-            </a:lvl4pPr>
-            <a:lvl5pPr marL="2057400" indent="-228600">
-              <a:defRPr sz="5700">
-                <a:solidFill>
-                  <a:schemeClr val="tx1"/>
-                </a:solidFill>
-                <a:latin typeface="Calibri" panose="020F0502020204030204" pitchFamily="34" charset="0"/>
-                <a:ea typeface="MS PGothic" panose="020B0600070205080204" pitchFamily="34" charset="-128"/>
-              </a:defRPr>
-            </a:lvl5pPr>
-            <a:lvl6pPr marL="2514600" indent="-228600" defTabSz="2874963" eaLnBrk="0" fontAlgn="base" hangingPunct="0">
-              <a:spcBef>
-                <a:spcPct val="0"/>
-              </a:spcBef>
-              <a:spcAft>
-                <a:spcPct val="0"/>
-              </a:spcAft>
-              <a:defRPr sz="5700">
-                <a:solidFill>
-                  <a:schemeClr val="tx1"/>
-                </a:solidFill>
-                <a:latin typeface="Calibri" panose="020F0502020204030204" pitchFamily="34" charset="0"/>
-                <a:ea typeface="MS PGothic" panose="020B0600070205080204" pitchFamily="34" charset="-128"/>
-              </a:defRPr>
-            </a:lvl6pPr>
-            <a:lvl7pPr marL="2971800" indent="-228600" defTabSz="2874963" eaLnBrk="0" fontAlgn="base" hangingPunct="0">
-              <a:spcBef>
-                <a:spcPct val="0"/>
-              </a:spcBef>
-              <a:spcAft>
-                <a:spcPct val="0"/>
-              </a:spcAft>
-              <a:defRPr sz="5700">
-                <a:solidFill>
-                  <a:schemeClr val="tx1"/>
-                </a:solidFill>
-                <a:latin typeface="Calibri" panose="020F0502020204030204" pitchFamily="34" charset="0"/>
-                <a:ea typeface="MS PGothic" panose="020B0600070205080204" pitchFamily="34" charset="-128"/>
-              </a:defRPr>
-            </a:lvl7pPr>
-            <a:lvl8pPr marL="3429000" indent="-228600" defTabSz="2874963" eaLnBrk="0" fontAlgn="base" hangingPunct="0">
-              <a:spcBef>
-                <a:spcPct val="0"/>
-              </a:spcBef>
-              <a:spcAft>
-                <a:spcPct val="0"/>
-              </a:spcAft>
-              <a:defRPr sz="5700">
-                <a:solidFill>
-                  <a:schemeClr val="tx1"/>
-                </a:solidFill>
-                <a:latin typeface="Calibri" panose="020F0502020204030204" pitchFamily="34" charset="0"/>
-                <a:ea typeface="MS PGothic" panose="020B0600070205080204" pitchFamily="34" charset="-128"/>
-              </a:defRPr>
-            </a:lvl8pPr>
-            <a:lvl9pPr marL="3886200" indent="-228600" defTabSz="2874963" eaLnBrk="0" fontAlgn="base" hangingPunct="0">
-              <a:spcBef>
-                <a:spcPct val="0"/>
-              </a:spcBef>
-              <a:spcAft>
-                <a:spcPct val="0"/>
-              </a:spcAft>
-              <a:defRPr sz="5700">
-                <a:solidFill>
-                  <a:schemeClr val="tx1"/>
-                </a:solidFill>
-                <a:latin typeface="Calibri" panose="020F0502020204030204" pitchFamily="34" charset="0"/>
-                <a:ea typeface="MS PGothic" panose="020B0600070205080204" pitchFamily="34" charset="-128"/>
-              </a:defRPr>
-            </a:lvl9pPr>
-          </a:lstStyle>
-          <a:p>
-            <a:pPr algn="ctr" eaLnBrk="1" hangingPunct="1"/>
-            <a:r>
-              <a:rPr lang="en-US" altLang="en-US" dirty="0">
-                <a:solidFill>
-                  <a:srgbClr val="0070C0"/>
-                </a:solidFill>
-              </a:rPr>
-              <a:t>Long Short-Term</a:t>
-            </a:r>
-          </a:p>
-          <a:p>
-            <a:pPr algn="ctr" eaLnBrk="1" hangingPunct="1"/>
-            <a:r>
-              <a:rPr lang="en-US" altLang="en-US" dirty="0">
-                <a:solidFill>
-                  <a:srgbClr val="0070C0"/>
-                </a:solidFill>
-              </a:rPr>
-              <a:t>Memory Networks</a:t>
-            </a:r>
-          </a:p>
-        </p:txBody>
-      </p:sp>
-      <p:sp>
-        <p:nvSpPr>
           <p:cNvPr id="14357" name="TextBox 22">
             <a:extLst>
               <a:ext uri="{FF2B5EF4-FFF2-40B4-BE49-F238E27FC236}">
@@ -11013,14 +10735,14 @@
           </a:ln>
           <a:extLst>
             <a:ext uri="{909E8E84-426E-40dd-AFC4-6F175D3DCCD1}">
-              <a14:hiddenFill xmlns="" xmlns:a14="http://schemas.microsoft.com/office/drawing/2010/main">
+              <a14:hiddenFill xmlns:a14="http://schemas.microsoft.com/office/drawing/2010/main" xmlns="">
                 <a:solidFill>
                   <a:srgbClr val="FFFFFF"/>
                 </a:solidFill>
               </a14:hiddenFill>
             </a:ext>
             <a:ext uri="{91240B29-F687-4f45-9708-019B960494DF}">
-              <a14:hiddenLine xmlns="" xmlns:a14="http://schemas.microsoft.com/office/drawing/2010/main" w="9525">
+              <a14:hiddenLine xmlns:a14="http://schemas.microsoft.com/office/drawing/2010/main" xmlns="" w="9525">
                 <a:solidFill>
                   <a:srgbClr val="000000"/>
                 </a:solidFill>
@@ -11144,210 +10866,6 @@
           </a:lstStyle>
           <a:p>
             <a:endParaRPr lang="en-US" altLang="en-US" sz="3200" dirty="0"/>
-          </a:p>
-        </p:txBody>
-      </p:sp>
-      <p:sp>
-        <p:nvSpPr>
-          <p:cNvPr id="23" name="TextBox 14">
-            <a:extLst>
-              <a:ext uri="{FF2B5EF4-FFF2-40B4-BE49-F238E27FC236}">
-                <a16:creationId xmlns:a16="http://schemas.microsoft.com/office/drawing/2014/main" id="{4793DC4B-999A-4BA0-98CA-2E9231311002}"/>
-              </a:ext>
-            </a:extLst>
-          </p:cNvPr>
-          <p:cNvSpPr txBox="1">
-            <a:spLocks noChangeArrowheads="1"/>
-          </p:cNvSpPr>
-          <p:nvPr/>
-        </p:nvSpPr>
-        <p:spPr bwMode="auto">
-          <a:xfrm>
-            <a:off x="203200" y="3858418"/>
-            <a:ext cx="8001000" cy="3539430"/>
-          </a:xfrm>
-          <a:prstGeom prst="rect">
-            <a:avLst/>
-          </a:prstGeom>
-          <a:noFill/>
-          <a:ln>
-            <a:noFill/>
-          </a:ln>
-          <a:extLst>
-            <a:ext uri="{909E8E84-426E-40DD-AFC4-6F175D3DCCD1}">
-              <a14:hiddenFill xmlns:a14="http://schemas.microsoft.com/office/drawing/2010/main">
-                <a:solidFill>
-                  <a:srgbClr val="FFFFFF"/>
-                </a:solidFill>
-              </a14:hiddenFill>
-            </a:ext>
-            <a:ext uri="{91240B29-F687-4F45-9708-019B960494DF}">
-              <a14:hiddenLine xmlns:a14="http://schemas.microsoft.com/office/drawing/2010/main" w="9525">
-                <a:solidFill>
-                  <a:srgbClr val="000000"/>
-                </a:solidFill>
-                <a:miter lim="800000"/>
-                <a:headEnd/>
-                <a:tailEnd/>
-              </a14:hiddenLine>
-            </a:ext>
-          </a:extLst>
-        </p:spPr>
-        <p:txBody>
-          <a:bodyPr>
-            <a:spAutoFit/>
-          </a:bodyPr>
-          <a:lstStyle>
-            <a:lvl1pPr>
-              <a:defRPr sz="5700">
-                <a:solidFill>
-                  <a:schemeClr val="tx1"/>
-                </a:solidFill>
-                <a:latin typeface="Calibri" panose="020F0502020204030204" pitchFamily="34" charset="0"/>
-                <a:ea typeface="MS PGothic" panose="020B0600070205080204" pitchFamily="34" charset="-128"/>
-              </a:defRPr>
-            </a:lvl1pPr>
-            <a:lvl2pPr marL="742950" indent="-285750">
-              <a:defRPr sz="5700">
-                <a:solidFill>
-                  <a:schemeClr val="tx1"/>
-                </a:solidFill>
-                <a:latin typeface="Calibri" panose="020F0502020204030204" pitchFamily="34" charset="0"/>
-                <a:ea typeface="MS PGothic" panose="020B0600070205080204" pitchFamily="34" charset="-128"/>
-              </a:defRPr>
-            </a:lvl2pPr>
-            <a:lvl3pPr marL="1143000" indent="-228600">
-              <a:defRPr sz="5700">
-                <a:solidFill>
-                  <a:schemeClr val="tx1"/>
-                </a:solidFill>
-                <a:latin typeface="Calibri" panose="020F0502020204030204" pitchFamily="34" charset="0"/>
-                <a:ea typeface="MS PGothic" panose="020B0600070205080204" pitchFamily="34" charset="-128"/>
-              </a:defRPr>
-            </a:lvl3pPr>
-            <a:lvl4pPr marL="1600200" indent="-228600">
-              <a:defRPr sz="5700">
-                <a:solidFill>
-                  <a:schemeClr val="tx1"/>
-                </a:solidFill>
-                <a:latin typeface="Calibri" panose="020F0502020204030204" pitchFamily="34" charset="0"/>
-                <a:ea typeface="MS PGothic" panose="020B0600070205080204" pitchFamily="34" charset="-128"/>
-              </a:defRPr>
-            </a:lvl4pPr>
-            <a:lvl5pPr marL="2057400" indent="-228600">
-              <a:defRPr sz="5700">
-                <a:solidFill>
-                  <a:schemeClr val="tx1"/>
-                </a:solidFill>
-                <a:latin typeface="Calibri" panose="020F0502020204030204" pitchFamily="34" charset="0"/>
-                <a:ea typeface="MS PGothic" panose="020B0600070205080204" pitchFamily="34" charset="-128"/>
-              </a:defRPr>
-            </a:lvl5pPr>
-            <a:lvl6pPr marL="2514600" indent="-228600" defTabSz="2874963" eaLnBrk="0" fontAlgn="base" hangingPunct="0">
-              <a:spcBef>
-                <a:spcPct val="0"/>
-              </a:spcBef>
-              <a:spcAft>
-                <a:spcPct val="0"/>
-              </a:spcAft>
-              <a:defRPr sz="5700">
-                <a:solidFill>
-                  <a:schemeClr val="tx1"/>
-                </a:solidFill>
-                <a:latin typeface="Calibri" panose="020F0502020204030204" pitchFamily="34" charset="0"/>
-                <a:ea typeface="MS PGothic" panose="020B0600070205080204" pitchFamily="34" charset="-128"/>
-              </a:defRPr>
-            </a:lvl6pPr>
-            <a:lvl7pPr marL="2971800" indent="-228600" defTabSz="2874963" eaLnBrk="0" fontAlgn="base" hangingPunct="0">
-              <a:spcBef>
-                <a:spcPct val="0"/>
-              </a:spcBef>
-              <a:spcAft>
-                <a:spcPct val="0"/>
-              </a:spcAft>
-              <a:defRPr sz="5700">
-                <a:solidFill>
-                  <a:schemeClr val="tx1"/>
-                </a:solidFill>
-                <a:latin typeface="Calibri" panose="020F0502020204030204" pitchFamily="34" charset="0"/>
-                <a:ea typeface="MS PGothic" panose="020B0600070205080204" pitchFamily="34" charset="-128"/>
-              </a:defRPr>
-            </a:lvl7pPr>
-            <a:lvl8pPr marL="3429000" indent="-228600" defTabSz="2874963" eaLnBrk="0" fontAlgn="base" hangingPunct="0">
-              <a:spcBef>
-                <a:spcPct val="0"/>
-              </a:spcBef>
-              <a:spcAft>
-                <a:spcPct val="0"/>
-              </a:spcAft>
-              <a:defRPr sz="5700">
-                <a:solidFill>
-                  <a:schemeClr val="tx1"/>
-                </a:solidFill>
-                <a:latin typeface="Calibri" panose="020F0502020204030204" pitchFamily="34" charset="0"/>
-                <a:ea typeface="MS PGothic" panose="020B0600070205080204" pitchFamily="34" charset="-128"/>
-              </a:defRPr>
-            </a:lvl8pPr>
-            <a:lvl9pPr marL="3886200" indent="-228600" defTabSz="2874963" eaLnBrk="0" fontAlgn="base" hangingPunct="0">
-              <a:spcBef>
-                <a:spcPct val="0"/>
-              </a:spcBef>
-              <a:spcAft>
-                <a:spcPct val="0"/>
-              </a:spcAft>
-              <a:defRPr sz="5700">
-                <a:solidFill>
-                  <a:schemeClr val="tx1"/>
-                </a:solidFill>
-                <a:latin typeface="Calibri" panose="020F0502020204030204" pitchFamily="34" charset="0"/>
-                <a:ea typeface="MS PGothic" panose="020B0600070205080204" pitchFamily="34" charset="-128"/>
-              </a:defRPr>
-            </a:lvl9pPr>
-          </a:lstStyle>
-          <a:p>
-            <a:pPr marL="457200" indent="-457200" eaLnBrk="1" hangingPunct="1">
-              <a:buFont typeface="Arial" panose="020B0604020202020204" pitchFamily="34" charset="0"/>
-              <a:buChar char="•"/>
-            </a:pPr>
-            <a:endParaRPr lang="en-US" altLang="en-US" sz="3200" dirty="0"/>
-          </a:p>
-          <a:p>
-            <a:pPr marL="457200" indent="-457200" eaLnBrk="1" hangingPunct="1">
-              <a:buFont typeface="Arial" panose="020B0604020202020204" pitchFamily="34" charset="0"/>
-              <a:buChar char="•"/>
-            </a:pPr>
-            <a:r>
-              <a:rPr lang="en-US" altLang="en-US" sz="3200" dirty="0"/>
-              <a:t>Missingness present has been assumed to be missing at random</a:t>
-            </a:r>
-          </a:p>
-          <a:p>
-            <a:pPr marL="1200150" lvl="1" indent="-457200" eaLnBrk="1" hangingPunct="1">
-              <a:buFont typeface="Arial" panose="020B0604020202020204" pitchFamily="34" charset="0"/>
-              <a:buChar char="•"/>
-            </a:pPr>
-            <a:r>
-              <a:rPr lang="en-US" altLang="en-US" sz="3200" dirty="0"/>
-              <a:t>Missingness caused by device malfunctions, </a:t>
-            </a:r>
-          </a:p>
-          <a:p>
-            <a:pPr marL="457200" indent="-457200" eaLnBrk="1" hangingPunct="1">
-              <a:buFont typeface="Arial" panose="020B0604020202020204" pitchFamily="34" charset="0"/>
-              <a:buChar char="•"/>
-            </a:pPr>
-            <a:r>
-              <a:rPr lang="en-US" altLang="en-US" sz="3200" dirty="0"/>
-              <a:t>Used a </a:t>
-            </a:r>
-            <a:r>
-              <a:rPr lang="en-US" altLang="en-US" sz="3200" b="1" dirty="0"/>
-              <a:t>Kalman Filter</a:t>
-            </a:r>
-            <a:r>
-              <a:rPr lang="en-US" altLang="en-US" sz="3200" dirty="0"/>
-              <a:t> to impute missing values</a:t>
-            </a:r>
           </a:p>
         </p:txBody>
       </p:sp>
@@ -11540,8 +11058,8 @@
         </p:nvSpPr>
         <p:spPr bwMode="auto">
           <a:xfrm>
-            <a:off x="24993600" y="3969703"/>
-            <a:ext cx="7924800" cy="11418510"/>
+            <a:off x="25069800" y="11835814"/>
+            <a:ext cx="7924800" cy="5324535"/>
           </a:xfrm>
           <a:prstGeom prst="rect">
             <a:avLst/>
@@ -11686,31 +11204,31 @@
               <a:buNone/>
             </a:pPr>
             <a:r>
-              <a:rPr lang="en-US" sz="3200" b="0" i="0" u="none" strike="noStrike" baseline="0" dirty="0">
+              <a:rPr lang="en-US" sz="2000" b="0" i="0" u="none" strike="noStrike" baseline="0" dirty="0">
                 <a:latin typeface="CMR12"/>
               </a:rPr>
               <a:t>Ruiz, P. (2019). </a:t>
             </a:r>
             <a:r>
-              <a:rPr lang="en-US" sz="3200" b="0" i="1" u="none" strike="noStrike" baseline="0" dirty="0">
+              <a:rPr lang="en-US" sz="2000" b="0" i="1" u="none" strike="noStrike" baseline="0" dirty="0">
                 <a:latin typeface="CMR12"/>
               </a:rPr>
               <a:t>ML approaches for time series.</a:t>
             </a:r>
             <a:r>
-              <a:rPr lang="en-US" sz="3200" b="0" i="0" u="none" strike="noStrike" baseline="0" dirty="0">
+              <a:rPr lang="en-US" sz="2000" b="0" i="0" u="none" strike="noStrike" baseline="0" dirty="0">
                 <a:latin typeface="CMR12"/>
               </a:rPr>
               <a:t> </a:t>
             </a:r>
             <a:r>
-              <a:rPr lang="en-US" sz="3200" b="0" i="0" u="none" strike="noStrike" baseline="0" dirty="0">
+              <a:rPr lang="en-US" sz="2000" b="0" i="0" u="none" strike="noStrike" baseline="0" dirty="0">
                 <a:latin typeface="CMTI12"/>
               </a:rPr>
               <a:t>Medium</a:t>
             </a:r>
             <a:r>
-              <a:rPr lang="en-US" sz="3200" b="0" i="0" u="none" strike="noStrike" baseline="0" dirty="0">
+              <a:rPr lang="en-US" sz="2000" b="0" i="0" u="none" strike="noStrike" baseline="0" dirty="0">
                 <a:latin typeface="CMR12"/>
               </a:rPr>
               <a:t>.</a:t>
@@ -11720,7 +11238,7 @@
             <a:pPr marL="0" indent="0" algn="l">
               <a:buNone/>
             </a:pPr>
-            <a:endParaRPr lang="en-US" sz="3200" b="0" i="0" u="none" strike="noStrike" baseline="0" dirty="0">
+            <a:endParaRPr lang="en-US" sz="2000" b="0" i="0" u="none" strike="noStrike" baseline="0" dirty="0">
               <a:latin typeface="CMR12"/>
             </a:endParaRPr>
           </a:p>
@@ -11729,31 +11247,31 @@
               <a:buNone/>
             </a:pPr>
             <a:r>
-              <a:rPr lang="en-US" sz="3200" b="0" i="0" u="none" strike="noStrike" baseline="0" dirty="0" err="1">
+              <a:rPr lang="en-US" sz="2000" b="0" i="0" u="none" strike="noStrike" baseline="0" dirty="0" err="1">
                 <a:latin typeface="CMR12"/>
               </a:rPr>
               <a:t>Medsker</a:t>
             </a:r>
             <a:r>
-              <a:rPr lang="en-US" sz="3200" b="0" i="0" u="none" strike="noStrike" baseline="0" dirty="0">
+              <a:rPr lang="en-US" sz="2000" b="0" i="0" u="none" strike="noStrike" baseline="0" dirty="0">
                 <a:latin typeface="CMR12"/>
               </a:rPr>
               <a:t>, L. and Jain, L. C. (1999). </a:t>
             </a:r>
             <a:r>
-              <a:rPr lang="en-US" sz="3200" b="0" i="1" u="none" strike="noStrike" baseline="0" dirty="0">
+              <a:rPr lang="en-US" sz="2000" b="0" i="1" u="none" strike="noStrike" baseline="0" dirty="0">
                 <a:latin typeface="CMTI12"/>
               </a:rPr>
               <a:t>Recurrent neural networks: design and applications</a:t>
             </a:r>
             <a:r>
-              <a:rPr lang="en-US" sz="3200" b="0" i="1" u="none" strike="noStrike" baseline="0" dirty="0">
+              <a:rPr lang="en-US" sz="2000" b="0" i="1" u="none" strike="noStrike" baseline="0" dirty="0">
                 <a:latin typeface="CMR12"/>
               </a:rPr>
               <a:t>.</a:t>
             </a:r>
             <a:r>
-              <a:rPr lang="en-US" sz="3200" b="0" i="0" u="none" strike="noStrike" baseline="0" dirty="0">
+              <a:rPr lang="en-US" sz="2000" b="0" i="0" u="none" strike="noStrike" baseline="0" dirty="0">
                 <a:latin typeface="CMR12"/>
               </a:rPr>
               <a:t> CRC press.</a:t>
@@ -11763,7 +11281,7 @@
             <a:pPr marL="0" indent="0" algn="l">
               <a:buNone/>
             </a:pPr>
-            <a:endParaRPr lang="en-US" sz="3200" dirty="0">
+            <a:endParaRPr lang="en-US" sz="2000" dirty="0">
               <a:latin typeface="CMR12"/>
             </a:endParaRPr>
           </a:p>
@@ -11772,43 +11290,43 @@
               <a:buNone/>
             </a:pPr>
             <a:r>
-              <a:rPr lang="en-US" sz="3200" b="0" i="0" u="none" strike="noStrike" baseline="0" dirty="0">
+              <a:rPr lang="en-US" sz="2000" b="0" i="0" u="none" strike="noStrike" baseline="0" dirty="0">
                 <a:latin typeface="CMR12"/>
               </a:rPr>
               <a:t>Lim, B. and </a:t>
             </a:r>
             <a:r>
-              <a:rPr lang="en-US" sz="3200" b="0" i="0" u="none" strike="noStrike" baseline="0" dirty="0" err="1">
+              <a:rPr lang="en-US" sz="2000" b="0" i="0" u="none" strike="noStrike" baseline="0" dirty="0" err="1">
                 <a:latin typeface="CMR12"/>
               </a:rPr>
               <a:t>Zohren</a:t>
             </a:r>
             <a:r>
-              <a:rPr lang="en-US" sz="3200" b="0" i="0" u="none" strike="noStrike" baseline="0" dirty="0">
+              <a:rPr lang="en-US" sz="2000" b="0" i="0" u="none" strike="noStrike" baseline="0" dirty="0">
                 <a:latin typeface="CMR12"/>
               </a:rPr>
               <a:t>, S. (2021). </a:t>
             </a:r>
             <a:r>
-              <a:rPr lang="en-US" sz="3200" b="0" i="1" u="none" strike="noStrike" baseline="0" dirty="0">
+              <a:rPr lang="en-US" sz="2000" b="0" i="1" u="none" strike="noStrike" baseline="0" dirty="0">
                 <a:latin typeface="CMR12"/>
               </a:rPr>
               <a:t>Time-series forecasting with deep learning: a survey.</a:t>
             </a:r>
             <a:r>
-              <a:rPr lang="en-US" sz="3200" b="0" i="0" u="none" strike="noStrike" baseline="0" dirty="0">
+              <a:rPr lang="en-US" sz="2000" b="0" i="0" u="none" strike="noStrike" baseline="0" dirty="0">
                 <a:latin typeface="CMR12"/>
               </a:rPr>
               <a:t> </a:t>
             </a:r>
             <a:r>
-              <a:rPr lang="en-US" sz="3200" b="0" i="0" u="none" strike="noStrike" baseline="0" dirty="0">
+              <a:rPr lang="en-US" sz="2000" b="0" i="0" u="none" strike="noStrike" baseline="0" dirty="0">
                 <a:latin typeface="CMTI12"/>
               </a:rPr>
               <a:t>Philosophical Transactions of the Royal Society A</a:t>
             </a:r>
             <a:r>
-              <a:rPr lang="en-US" sz="3200" b="0" i="0" u="none" strike="noStrike" baseline="0" dirty="0">
+              <a:rPr lang="en-US" sz="2000" b="0" i="0" u="none" strike="noStrike" baseline="0" dirty="0">
                 <a:latin typeface="CMR12"/>
               </a:rPr>
               <a:t>, 379(2194):20200209.</a:t>
@@ -11818,7 +11336,7 @@
             <a:pPr marL="0" indent="0" algn="l">
               <a:buNone/>
             </a:pPr>
-            <a:endParaRPr lang="en-US" sz="3200" dirty="0">
+            <a:endParaRPr lang="en-US" sz="2000" dirty="0">
               <a:latin typeface="CMR12"/>
             </a:endParaRPr>
           </a:p>
@@ -11827,55 +11345,55 @@
               <a:buNone/>
             </a:pPr>
             <a:r>
-              <a:rPr lang="en-US" sz="3200" b="0" i="0" u="none" strike="noStrike" baseline="0" dirty="0" err="1">
+              <a:rPr lang="en-US" sz="2000" b="0" i="0" u="none" strike="noStrike" baseline="0" dirty="0" err="1">
                 <a:latin typeface="CMR12"/>
               </a:rPr>
               <a:t>Hebbar</a:t>
             </a:r>
             <a:r>
-              <a:rPr lang="en-US" sz="3200" b="0" i="0" u="none" strike="noStrike" baseline="0" dirty="0">
+              <a:rPr lang="en-US" sz="2000" b="0" i="0" u="none" strike="noStrike" baseline="0" dirty="0">
                 <a:latin typeface="CMR12"/>
               </a:rPr>
               <a:t>, N. (2021</a:t>
             </a:r>
             <a:r>
-              <a:rPr lang="en-US" sz="3200" b="0" u="none" strike="noStrike" baseline="0" dirty="0">
+              <a:rPr lang="en-US" sz="2000" b="0" u="none" strike="noStrike" baseline="0" dirty="0">
                 <a:latin typeface="CMR12"/>
               </a:rPr>
               <a:t>)</a:t>
             </a:r>
             <a:r>
-              <a:rPr lang="en-US" sz="3200" b="0" i="1" u="none" strike="noStrike" baseline="0" dirty="0">
+              <a:rPr lang="en-US" sz="2000" b="0" i="1" u="none" strike="noStrike" baseline="0" dirty="0">
                 <a:latin typeface="CMR12"/>
               </a:rPr>
               <a:t>. Time series forecasting with </a:t>
             </a:r>
             <a:r>
-              <a:rPr lang="en-US" sz="3200" b="0" i="1" u="none" strike="noStrike" baseline="0" dirty="0" err="1">
+              <a:rPr lang="en-US" sz="2000" b="0" i="1" u="none" strike="noStrike" baseline="0" dirty="0" err="1">
                 <a:latin typeface="CMR12"/>
               </a:rPr>
               <a:t>rnn</a:t>
             </a:r>
             <a:r>
-              <a:rPr lang="en-US" sz="3200" b="0" i="1" u="none" strike="noStrike" baseline="0" dirty="0">
+              <a:rPr lang="en-US" sz="2000" b="0" i="1" u="none" strike="noStrike" baseline="0" dirty="0">
                 <a:latin typeface="CMR12"/>
               </a:rPr>
               <a:t>(</a:t>
             </a:r>
             <a:r>
-              <a:rPr lang="en-US" sz="3200" b="0" i="1" u="none" strike="noStrike" baseline="0" dirty="0" err="1">
+              <a:rPr lang="en-US" sz="2000" b="0" i="1" u="none" strike="noStrike" baseline="0" dirty="0" err="1">
                 <a:latin typeface="CMR12"/>
               </a:rPr>
               <a:t>lstm</a:t>
             </a:r>
             <a:r>
-              <a:rPr lang="en-US" sz="3200" b="0" i="1" u="none" strike="noStrike" baseline="0" dirty="0">
+              <a:rPr lang="en-US" sz="2000" b="0" i="1" u="none" strike="noStrike" baseline="0" dirty="0">
                 <a:latin typeface="CMR12"/>
               </a:rPr>
               <a:t>)— complete python tutorial—</a:t>
             </a:r>
             <a:r>
-              <a:rPr lang="en-US" sz="3200" b="0" i="0" u="none" strike="noStrike" baseline="0" dirty="0">
+              <a:rPr lang="en-US" sz="2000" b="0" i="0" u="none" strike="noStrike" baseline="0" dirty="0">
                 <a:latin typeface="CMR12"/>
               </a:rPr>
               <a:t>.</a:t>
@@ -11885,7 +11403,7 @@
             <a:pPr marL="0" indent="0" algn="l">
               <a:buNone/>
             </a:pPr>
-            <a:endParaRPr lang="en-US" sz="3200" dirty="0">
+            <a:endParaRPr lang="en-US" sz="2000" dirty="0">
               <a:latin typeface="CMR12"/>
             </a:endParaRPr>
           </a:p>
@@ -11894,86 +11412,86 @@
               <a:buNone/>
             </a:pPr>
             <a:r>
-              <a:rPr lang="en-US" sz="3200" dirty="0">
+              <a:rPr lang="en-US" sz="2000" dirty="0">
                 <a:latin typeface="CMR12"/>
               </a:rPr>
               <a:t>Snoek, J., Larochelle, H., and Adams, R. P. (2012). Practical </a:t>
             </a:r>
             <a:r>
-              <a:rPr lang="en-US" sz="3200" dirty="0" err="1">
+              <a:rPr lang="en-US" sz="2000" dirty="0" err="1">
                 <a:latin typeface="CMR12"/>
               </a:rPr>
               <a:t>bayesian</a:t>
             </a:r>
             <a:r>
-              <a:rPr lang="en-US" sz="3200" dirty="0">
+              <a:rPr lang="en-US" sz="2000" dirty="0">
                 <a:latin typeface="CMR12"/>
               </a:rPr>
               <a:t> </a:t>
             </a:r>
             <a:r>
-              <a:rPr lang="en-US" sz="3200" dirty="0" err="1">
+              <a:rPr lang="en-US" sz="2000" dirty="0" err="1">
                 <a:latin typeface="CMR12"/>
               </a:rPr>
               <a:t>optimizationof</a:t>
             </a:r>
             <a:r>
-              <a:rPr lang="en-US" sz="3200" dirty="0">
+              <a:rPr lang="en-US" sz="2000" dirty="0">
                 <a:latin typeface="CMR12"/>
               </a:rPr>
               <a:t> machine learning algorithms. In Pereira, F., Burges, C., </a:t>
             </a:r>
             <a:r>
-              <a:rPr lang="en-US" sz="3200" dirty="0" err="1">
+              <a:rPr lang="en-US" sz="2000" dirty="0" err="1">
                 <a:latin typeface="CMR12"/>
               </a:rPr>
               <a:t>Bottou</a:t>
             </a:r>
             <a:r>
-              <a:rPr lang="en-US" sz="3200" dirty="0">
+              <a:rPr lang="en-US" sz="2000" dirty="0">
                 <a:latin typeface="CMR12"/>
               </a:rPr>
               <a:t>, L., </a:t>
             </a:r>
             <a:r>
-              <a:rPr lang="en-US" sz="3200" dirty="0" err="1">
+              <a:rPr lang="en-US" sz="2000" dirty="0" err="1">
                 <a:latin typeface="CMR12"/>
               </a:rPr>
               <a:t>andWeinberger</a:t>
             </a:r>
             <a:r>
-              <a:rPr lang="en-US" sz="3200" dirty="0">
+              <a:rPr lang="en-US" sz="2000" dirty="0">
                 <a:latin typeface="CMR12"/>
               </a:rPr>
               <a:t>, K., editors, </a:t>
             </a:r>
             <a:r>
-              <a:rPr lang="en-US" sz="3200" i="1" dirty="0">
+              <a:rPr lang="en-US" sz="2000" i="1" dirty="0">
                 <a:latin typeface="CMR12"/>
               </a:rPr>
               <a:t>Advances in Neural Information Processing </a:t>
             </a:r>
             <a:r>
-              <a:rPr lang="en-US" sz="3200" i="1" dirty="0" err="1">
+              <a:rPr lang="en-US" sz="2000" i="1" dirty="0" err="1">
                 <a:latin typeface="CMR12"/>
               </a:rPr>
               <a:t>Systems</a:t>
             </a:r>
             <a:r>
-              <a:rPr lang="en-US" sz="3200" dirty="0" err="1">
+              <a:rPr lang="en-US" sz="2000" dirty="0" err="1">
                 <a:latin typeface="CMR12"/>
               </a:rPr>
               <a:t>,volume</a:t>
             </a:r>
             <a:r>
-              <a:rPr lang="en-US" sz="3200" dirty="0">
+              <a:rPr lang="en-US" sz="2000" dirty="0">
                 <a:latin typeface="CMR12"/>
               </a:rPr>
               <a:t> 25. Curran Associates, Inc.</a:t>
             </a:r>
           </a:p>
           <a:p>
-            <a:endParaRPr lang="en-US" sz="3200" dirty="0"/>
+            <a:endParaRPr lang="en-US" sz="2000" dirty="0"/>
           </a:p>
         </p:txBody>
       </p:sp>
@@ -11993,7 +11511,7 @@
         </p:nvSpPr>
         <p:spPr bwMode="auto">
           <a:xfrm>
-            <a:off x="24917400" y="2996625"/>
+            <a:off x="24993600" y="10862736"/>
             <a:ext cx="8001000" cy="969963"/>
           </a:xfrm>
           <a:prstGeom prst="rect">
@@ -12147,12 +11665,393 @@
           </a:p>
         </p:txBody>
       </p:sp>
+      <p:sp>
+        <p:nvSpPr>
+          <p:cNvPr id="30" name="TextBox 14">
+            <a:extLst>
+              <a:ext uri="{FF2B5EF4-FFF2-40B4-BE49-F238E27FC236}">
+                <a16:creationId xmlns:a16="http://schemas.microsoft.com/office/drawing/2014/main" id="{4980CA51-7527-118D-6185-93CC76B49EE8}"/>
+              </a:ext>
+            </a:extLst>
+          </p:cNvPr>
+          <p:cNvSpPr txBox="1">
+            <a:spLocks noChangeArrowheads="1"/>
+          </p:cNvSpPr>
+          <p:nvPr/>
+        </p:nvSpPr>
+        <p:spPr bwMode="auto">
+          <a:xfrm>
+            <a:off x="8490353" y="3000207"/>
+            <a:ext cx="8001000" cy="969496"/>
+          </a:xfrm>
+          <a:prstGeom prst="rect">
+            <a:avLst/>
+          </a:prstGeom>
+          <a:noFill/>
+          <a:ln>
+            <a:noFill/>
+          </a:ln>
+          <a:extLst>
+            <a:ext uri="{909E8E84-426E-40DD-AFC4-6F175D3DCCD1}">
+              <a14:hiddenFill xmlns:a14="http://schemas.microsoft.com/office/drawing/2010/main">
+                <a:solidFill>
+                  <a:srgbClr val="FFFFFF"/>
+                </a:solidFill>
+              </a14:hiddenFill>
+            </a:ext>
+            <a:ext uri="{91240B29-F687-4F45-9708-019B960494DF}">
+              <a14:hiddenLine xmlns:a14="http://schemas.microsoft.com/office/drawing/2010/main" w="9525">
+                <a:solidFill>
+                  <a:srgbClr val="000000"/>
+                </a:solidFill>
+                <a:miter lim="800000"/>
+                <a:headEnd/>
+                <a:tailEnd/>
+              </a14:hiddenLine>
+            </a:ext>
+          </a:extLst>
+        </p:spPr>
+        <p:txBody>
+          <a:bodyPr>
+            <a:spAutoFit/>
+          </a:bodyPr>
+          <a:lstStyle>
+            <a:lvl1pPr>
+              <a:defRPr sz="5700">
+                <a:solidFill>
+                  <a:schemeClr val="tx1"/>
+                </a:solidFill>
+                <a:latin typeface="Calibri" panose="020F0502020204030204" pitchFamily="34" charset="0"/>
+                <a:ea typeface="MS PGothic" panose="020B0600070205080204" pitchFamily="34" charset="-128"/>
+              </a:defRPr>
+            </a:lvl1pPr>
+            <a:lvl2pPr marL="742950" indent="-285750">
+              <a:defRPr sz="5700">
+                <a:solidFill>
+                  <a:schemeClr val="tx1"/>
+                </a:solidFill>
+                <a:latin typeface="Calibri" panose="020F0502020204030204" pitchFamily="34" charset="0"/>
+                <a:ea typeface="MS PGothic" panose="020B0600070205080204" pitchFamily="34" charset="-128"/>
+              </a:defRPr>
+            </a:lvl2pPr>
+            <a:lvl3pPr marL="1143000" indent="-228600">
+              <a:defRPr sz="5700">
+                <a:solidFill>
+                  <a:schemeClr val="tx1"/>
+                </a:solidFill>
+                <a:latin typeface="Calibri" panose="020F0502020204030204" pitchFamily="34" charset="0"/>
+                <a:ea typeface="MS PGothic" panose="020B0600070205080204" pitchFamily="34" charset="-128"/>
+              </a:defRPr>
+            </a:lvl3pPr>
+            <a:lvl4pPr marL="1600200" indent="-228600">
+              <a:defRPr sz="5700">
+                <a:solidFill>
+                  <a:schemeClr val="tx1"/>
+                </a:solidFill>
+                <a:latin typeface="Calibri" panose="020F0502020204030204" pitchFamily="34" charset="0"/>
+                <a:ea typeface="MS PGothic" panose="020B0600070205080204" pitchFamily="34" charset="-128"/>
+              </a:defRPr>
+            </a:lvl4pPr>
+            <a:lvl5pPr marL="2057400" indent="-228600">
+              <a:defRPr sz="5700">
+                <a:solidFill>
+                  <a:schemeClr val="tx1"/>
+                </a:solidFill>
+                <a:latin typeface="Calibri" panose="020F0502020204030204" pitchFamily="34" charset="0"/>
+                <a:ea typeface="MS PGothic" panose="020B0600070205080204" pitchFamily="34" charset="-128"/>
+              </a:defRPr>
+            </a:lvl5pPr>
+            <a:lvl6pPr marL="2514600" indent="-228600" defTabSz="2874963" eaLnBrk="0" fontAlgn="base" hangingPunct="0">
+              <a:spcBef>
+                <a:spcPct val="0"/>
+              </a:spcBef>
+              <a:spcAft>
+                <a:spcPct val="0"/>
+              </a:spcAft>
+              <a:defRPr sz="5700">
+                <a:solidFill>
+                  <a:schemeClr val="tx1"/>
+                </a:solidFill>
+                <a:latin typeface="Calibri" panose="020F0502020204030204" pitchFamily="34" charset="0"/>
+                <a:ea typeface="MS PGothic" panose="020B0600070205080204" pitchFamily="34" charset="-128"/>
+              </a:defRPr>
+            </a:lvl6pPr>
+            <a:lvl7pPr marL="2971800" indent="-228600" defTabSz="2874963" eaLnBrk="0" fontAlgn="base" hangingPunct="0">
+              <a:spcBef>
+                <a:spcPct val="0"/>
+              </a:spcBef>
+              <a:spcAft>
+                <a:spcPct val="0"/>
+              </a:spcAft>
+              <a:defRPr sz="5700">
+                <a:solidFill>
+                  <a:schemeClr val="tx1"/>
+                </a:solidFill>
+                <a:latin typeface="Calibri" panose="020F0502020204030204" pitchFamily="34" charset="0"/>
+                <a:ea typeface="MS PGothic" panose="020B0600070205080204" pitchFamily="34" charset="-128"/>
+              </a:defRPr>
+            </a:lvl7pPr>
+            <a:lvl8pPr marL="3429000" indent="-228600" defTabSz="2874963" eaLnBrk="0" fontAlgn="base" hangingPunct="0">
+              <a:spcBef>
+                <a:spcPct val="0"/>
+              </a:spcBef>
+              <a:spcAft>
+                <a:spcPct val="0"/>
+              </a:spcAft>
+              <a:defRPr sz="5700">
+                <a:solidFill>
+                  <a:schemeClr val="tx1"/>
+                </a:solidFill>
+                <a:latin typeface="Calibri" panose="020F0502020204030204" pitchFamily="34" charset="0"/>
+                <a:ea typeface="MS PGothic" panose="020B0600070205080204" pitchFamily="34" charset="-128"/>
+              </a:defRPr>
+            </a:lvl8pPr>
+            <a:lvl9pPr marL="3886200" indent="-228600" defTabSz="2874963" eaLnBrk="0" fontAlgn="base" hangingPunct="0">
+              <a:spcBef>
+                <a:spcPct val="0"/>
+              </a:spcBef>
+              <a:spcAft>
+                <a:spcPct val="0"/>
+              </a:spcAft>
+              <a:defRPr sz="5700">
+                <a:solidFill>
+                  <a:schemeClr val="tx1"/>
+                </a:solidFill>
+                <a:latin typeface="Calibri" panose="020F0502020204030204" pitchFamily="34" charset="0"/>
+                <a:ea typeface="MS PGothic" panose="020B0600070205080204" pitchFamily="34" charset="-128"/>
+              </a:defRPr>
+            </a:lvl9pPr>
+          </a:lstStyle>
+          <a:p>
+            <a:pPr algn="ctr" eaLnBrk="1" hangingPunct="1"/>
+            <a:r>
+              <a:rPr lang="en-US" altLang="en-US" dirty="0">
+                <a:solidFill>
+                  <a:srgbClr val="0070C0"/>
+                </a:solidFill>
+              </a:rPr>
+              <a:t>Imputation Methods</a:t>
+            </a:r>
+          </a:p>
+        </p:txBody>
+      </p:sp>
+      <p:sp>
+        <p:nvSpPr>
+          <p:cNvPr id="32" name="TextBox 14">
+            <a:extLst>
+              <a:ext uri="{FF2B5EF4-FFF2-40B4-BE49-F238E27FC236}">
+                <a16:creationId xmlns:a16="http://schemas.microsoft.com/office/drawing/2014/main" id="{0F6DB456-AA9B-0A3F-47C3-BDC306969E23}"/>
+              </a:ext>
+            </a:extLst>
+          </p:cNvPr>
+          <p:cNvSpPr txBox="1">
+            <a:spLocks noChangeArrowheads="1"/>
+          </p:cNvSpPr>
+          <p:nvPr/>
+        </p:nvSpPr>
+        <p:spPr bwMode="auto">
+          <a:xfrm>
+            <a:off x="8464953" y="3963025"/>
+            <a:ext cx="8001000" cy="4031873"/>
+          </a:xfrm>
+          <a:prstGeom prst="rect">
+            <a:avLst/>
+          </a:prstGeom>
+          <a:noFill/>
+          <a:ln>
+            <a:noFill/>
+          </a:ln>
+          <a:extLst>
+            <a:ext uri="{909E8E84-426E-40DD-AFC4-6F175D3DCCD1}">
+              <a14:hiddenFill xmlns:a14="http://schemas.microsoft.com/office/drawing/2010/main">
+                <a:solidFill>
+                  <a:srgbClr val="FFFFFF"/>
+                </a:solidFill>
+              </a14:hiddenFill>
+            </a:ext>
+            <a:ext uri="{91240B29-F687-4F45-9708-019B960494DF}">
+              <a14:hiddenLine xmlns:a14="http://schemas.microsoft.com/office/drawing/2010/main" w="9525">
+                <a:solidFill>
+                  <a:srgbClr val="000000"/>
+                </a:solidFill>
+                <a:miter lim="800000"/>
+                <a:headEnd/>
+                <a:tailEnd/>
+              </a14:hiddenLine>
+            </a:ext>
+          </a:extLst>
+        </p:spPr>
+        <p:txBody>
+          <a:bodyPr>
+            <a:spAutoFit/>
+          </a:bodyPr>
+          <a:lstStyle>
+            <a:lvl1pPr>
+              <a:defRPr sz="5700">
+                <a:solidFill>
+                  <a:schemeClr val="tx1"/>
+                </a:solidFill>
+                <a:latin typeface="Calibri" panose="020F0502020204030204" pitchFamily="34" charset="0"/>
+                <a:ea typeface="MS PGothic" panose="020B0600070205080204" pitchFamily="34" charset="-128"/>
+              </a:defRPr>
+            </a:lvl1pPr>
+            <a:lvl2pPr marL="742950" indent="-285750">
+              <a:defRPr sz="5700">
+                <a:solidFill>
+                  <a:schemeClr val="tx1"/>
+                </a:solidFill>
+                <a:latin typeface="Calibri" panose="020F0502020204030204" pitchFamily="34" charset="0"/>
+                <a:ea typeface="MS PGothic" panose="020B0600070205080204" pitchFamily="34" charset="-128"/>
+              </a:defRPr>
+            </a:lvl2pPr>
+            <a:lvl3pPr marL="1143000" indent="-228600">
+              <a:defRPr sz="5700">
+                <a:solidFill>
+                  <a:schemeClr val="tx1"/>
+                </a:solidFill>
+                <a:latin typeface="Calibri" panose="020F0502020204030204" pitchFamily="34" charset="0"/>
+                <a:ea typeface="MS PGothic" panose="020B0600070205080204" pitchFamily="34" charset="-128"/>
+              </a:defRPr>
+            </a:lvl3pPr>
+            <a:lvl4pPr marL="1600200" indent="-228600">
+              <a:defRPr sz="5700">
+                <a:solidFill>
+                  <a:schemeClr val="tx1"/>
+                </a:solidFill>
+                <a:latin typeface="Calibri" panose="020F0502020204030204" pitchFamily="34" charset="0"/>
+                <a:ea typeface="MS PGothic" panose="020B0600070205080204" pitchFamily="34" charset="-128"/>
+              </a:defRPr>
+            </a:lvl4pPr>
+            <a:lvl5pPr marL="2057400" indent="-228600">
+              <a:defRPr sz="5700">
+                <a:solidFill>
+                  <a:schemeClr val="tx1"/>
+                </a:solidFill>
+                <a:latin typeface="Calibri" panose="020F0502020204030204" pitchFamily="34" charset="0"/>
+                <a:ea typeface="MS PGothic" panose="020B0600070205080204" pitchFamily="34" charset="-128"/>
+              </a:defRPr>
+            </a:lvl5pPr>
+            <a:lvl6pPr marL="2514600" indent="-228600" defTabSz="2874963" eaLnBrk="0" fontAlgn="base" hangingPunct="0">
+              <a:spcBef>
+                <a:spcPct val="0"/>
+              </a:spcBef>
+              <a:spcAft>
+                <a:spcPct val="0"/>
+              </a:spcAft>
+              <a:defRPr sz="5700">
+                <a:solidFill>
+                  <a:schemeClr val="tx1"/>
+                </a:solidFill>
+                <a:latin typeface="Calibri" panose="020F0502020204030204" pitchFamily="34" charset="0"/>
+                <a:ea typeface="MS PGothic" panose="020B0600070205080204" pitchFamily="34" charset="-128"/>
+              </a:defRPr>
+            </a:lvl6pPr>
+            <a:lvl7pPr marL="2971800" indent="-228600" defTabSz="2874963" eaLnBrk="0" fontAlgn="base" hangingPunct="0">
+              <a:spcBef>
+                <a:spcPct val="0"/>
+              </a:spcBef>
+              <a:spcAft>
+                <a:spcPct val="0"/>
+              </a:spcAft>
+              <a:defRPr sz="5700">
+                <a:solidFill>
+                  <a:schemeClr val="tx1"/>
+                </a:solidFill>
+                <a:latin typeface="Calibri" panose="020F0502020204030204" pitchFamily="34" charset="0"/>
+                <a:ea typeface="MS PGothic" panose="020B0600070205080204" pitchFamily="34" charset="-128"/>
+              </a:defRPr>
+            </a:lvl7pPr>
+            <a:lvl8pPr marL="3429000" indent="-228600" defTabSz="2874963" eaLnBrk="0" fontAlgn="base" hangingPunct="0">
+              <a:spcBef>
+                <a:spcPct val="0"/>
+              </a:spcBef>
+              <a:spcAft>
+                <a:spcPct val="0"/>
+              </a:spcAft>
+              <a:defRPr sz="5700">
+                <a:solidFill>
+                  <a:schemeClr val="tx1"/>
+                </a:solidFill>
+                <a:latin typeface="Calibri" panose="020F0502020204030204" pitchFamily="34" charset="0"/>
+                <a:ea typeface="MS PGothic" panose="020B0600070205080204" pitchFamily="34" charset="-128"/>
+              </a:defRPr>
+            </a:lvl8pPr>
+            <a:lvl9pPr marL="3886200" indent="-228600" defTabSz="2874963" eaLnBrk="0" fontAlgn="base" hangingPunct="0">
+              <a:spcBef>
+                <a:spcPct val="0"/>
+              </a:spcBef>
+              <a:spcAft>
+                <a:spcPct val="0"/>
+              </a:spcAft>
+              <a:defRPr sz="5700">
+                <a:solidFill>
+                  <a:schemeClr val="tx1"/>
+                </a:solidFill>
+                <a:latin typeface="Calibri" panose="020F0502020204030204" pitchFamily="34" charset="0"/>
+                <a:ea typeface="MS PGothic" panose="020B0600070205080204" pitchFamily="34" charset="-128"/>
+              </a:defRPr>
+            </a:lvl9pPr>
+          </a:lstStyle>
+          <a:p>
+            <a:pPr marL="457200" indent="-457200" eaLnBrk="1" hangingPunct="1">
+              <a:buFont typeface="Arial" panose="020B0604020202020204" pitchFamily="34" charset="0"/>
+              <a:buChar char="•"/>
+            </a:pPr>
+            <a:endParaRPr lang="en-US" altLang="en-US" sz="3200" dirty="0"/>
+          </a:p>
+          <a:p>
+            <a:pPr marL="457200" indent="-457200" eaLnBrk="1" hangingPunct="1">
+              <a:buFont typeface="Arial" panose="020B0604020202020204" pitchFamily="34" charset="0"/>
+              <a:buChar char="•"/>
+            </a:pPr>
+            <a:r>
+              <a:rPr lang="en-US" altLang="en-US" sz="3200" dirty="0"/>
+              <a:t>Missingness present has been assumed to be missing at random</a:t>
+            </a:r>
+          </a:p>
+          <a:p>
+            <a:pPr marL="1200150" lvl="1" indent="-457200" eaLnBrk="1" hangingPunct="1">
+              <a:buFont typeface="Arial" panose="020B0604020202020204" pitchFamily="34" charset="0"/>
+              <a:buChar char="•"/>
+            </a:pPr>
+            <a:r>
+              <a:rPr lang="en-US" altLang="en-US" sz="3200" dirty="0"/>
+              <a:t>Device malfunctions, random outages, etc.</a:t>
+            </a:r>
+          </a:p>
+          <a:p>
+            <a:pPr marL="457200" indent="-457200" eaLnBrk="1" hangingPunct="1">
+              <a:buFont typeface="Arial" panose="020B0604020202020204" pitchFamily="34" charset="0"/>
+              <a:buChar char="•"/>
+            </a:pPr>
+            <a:r>
+              <a:rPr lang="en-US" altLang="en-US" sz="3200" dirty="0"/>
+              <a:t>Used a </a:t>
+            </a:r>
+            <a:r>
+              <a:rPr lang="en-US" altLang="en-US" sz="3200" b="1" dirty="0"/>
+              <a:t>Kalman Filter</a:t>
+            </a:r>
+            <a:r>
+              <a:rPr lang="en-US" altLang="en-US" sz="3200" dirty="0"/>
+              <a:t> to impute missing values</a:t>
+            </a:r>
+          </a:p>
+          <a:p>
+            <a:pPr marL="1200150" lvl="1" indent="-457200" eaLnBrk="1" hangingPunct="1">
+              <a:buFont typeface="Arial" panose="020B0604020202020204" pitchFamily="34" charset="0"/>
+              <a:buChar char="•"/>
+            </a:pPr>
+            <a:endParaRPr lang="en-US" altLang="en-US" sz="3200" dirty="0"/>
+          </a:p>
+        </p:txBody>
+      </p:sp>
       <p:pic>
         <p:nvPicPr>
-          <p:cNvPr id="4" name="Picture 3" descr="A graph showing the value of a stock market&#10;&#10;Description automatically generated">
+          <p:cNvPr id="34" name="Picture 33" descr="A graph showing the value of a stock market&#10;&#10;Description automatically generated">
             <a:extLst>
               <a:ext uri="{FF2B5EF4-FFF2-40B4-BE49-F238E27FC236}">
-                <a16:creationId xmlns:a16="http://schemas.microsoft.com/office/drawing/2014/main" id="{749CF4E3-0E0E-96DD-85B5-6FD88BB33640}"/>
+                <a16:creationId xmlns:a16="http://schemas.microsoft.com/office/drawing/2014/main" id="{E849F8A2-81A9-7754-9486-927ED1CF13FE}"/>
               </a:ext>
             </a:extLst>
           </p:cNvPr>
@@ -12175,7 +12074,7 @@
         </p:blipFill>
         <p:spPr>
           <a:xfrm>
-            <a:off x="538236" y="13085763"/>
+            <a:off x="8713786" y="13292965"/>
             <a:ext cx="7367869" cy="3683935"/>
           </a:xfrm>
           <a:prstGeom prst="rect">
@@ -12185,10 +12084,10 @@
       </p:pic>
       <p:pic>
         <p:nvPicPr>
-          <p:cNvPr id="6" name="Picture 5" descr="A graph with black and red lines&#10;&#10;Description automatically generated">
+          <p:cNvPr id="36" name="Picture 35" descr="A graph with black and red lines&#10;&#10;Description automatically generated">
             <a:extLst>
               <a:ext uri="{FF2B5EF4-FFF2-40B4-BE49-F238E27FC236}">
-                <a16:creationId xmlns:a16="http://schemas.microsoft.com/office/drawing/2014/main" id="{CA0A58BD-A7A5-0CEF-1828-9C3FE552C842}"/>
+                <a16:creationId xmlns:a16="http://schemas.microsoft.com/office/drawing/2014/main" id="{BD0A7770-B3BE-DE4A-F37F-3596F58D0614}"/>
               </a:ext>
             </a:extLst>
           </p:cNvPr>
@@ -12211,7 +12110,7 @@
         </p:blipFill>
         <p:spPr>
           <a:xfrm>
-            <a:off x="545165" y="8381303"/>
+            <a:off x="8720715" y="8639067"/>
             <a:ext cx="7367870" cy="3683935"/>
           </a:xfrm>
           <a:prstGeom prst="rect">
@@ -12219,12 +12118,753 @@
           </a:prstGeom>
         </p:spPr>
       </p:pic>
+      <p:sp>
+        <p:nvSpPr>
+          <p:cNvPr id="38" name="TextBox 14">
+            <a:extLst>
+              <a:ext uri="{FF2B5EF4-FFF2-40B4-BE49-F238E27FC236}">
+                <a16:creationId xmlns:a16="http://schemas.microsoft.com/office/drawing/2014/main" id="{665C0F2D-B679-C6C3-F05C-BFC679B88133}"/>
+              </a:ext>
+            </a:extLst>
+          </p:cNvPr>
+          <p:cNvSpPr txBox="1">
+            <a:spLocks noChangeArrowheads="1"/>
+          </p:cNvSpPr>
+          <p:nvPr/>
+        </p:nvSpPr>
+        <p:spPr bwMode="auto">
+          <a:xfrm>
+            <a:off x="8265605" y="12569072"/>
+            <a:ext cx="8001000" cy="707886"/>
+          </a:xfrm>
+          <a:prstGeom prst="rect">
+            <a:avLst/>
+          </a:prstGeom>
+          <a:noFill/>
+          <a:ln>
+            <a:noFill/>
+          </a:ln>
+          <a:extLst>
+            <a:ext uri="{909E8E84-426E-40DD-AFC4-6F175D3DCCD1}">
+              <a14:hiddenFill xmlns:a14="http://schemas.microsoft.com/office/drawing/2010/main">
+                <a:solidFill>
+                  <a:srgbClr val="FFFFFF"/>
+                </a:solidFill>
+              </a14:hiddenFill>
+            </a:ext>
+            <a:ext uri="{91240B29-F687-4F45-9708-019B960494DF}">
+              <a14:hiddenLine xmlns:a14="http://schemas.microsoft.com/office/drawing/2010/main" w="9525">
+                <a:solidFill>
+                  <a:srgbClr val="000000"/>
+                </a:solidFill>
+                <a:miter lim="800000"/>
+                <a:headEnd/>
+                <a:tailEnd/>
+              </a14:hiddenLine>
+            </a:ext>
+          </a:extLst>
+        </p:spPr>
+        <p:txBody>
+          <a:bodyPr>
+            <a:spAutoFit/>
+          </a:bodyPr>
+          <a:lstStyle>
+            <a:lvl1pPr>
+              <a:defRPr sz="5700">
+                <a:solidFill>
+                  <a:schemeClr val="tx1"/>
+                </a:solidFill>
+                <a:latin typeface="Calibri" panose="020F0502020204030204" pitchFamily="34" charset="0"/>
+                <a:ea typeface="MS PGothic" panose="020B0600070205080204" pitchFamily="34" charset="-128"/>
+              </a:defRPr>
+            </a:lvl1pPr>
+            <a:lvl2pPr marL="742950" indent="-285750">
+              <a:defRPr sz="5700">
+                <a:solidFill>
+                  <a:schemeClr val="tx1"/>
+                </a:solidFill>
+                <a:latin typeface="Calibri" panose="020F0502020204030204" pitchFamily="34" charset="0"/>
+                <a:ea typeface="MS PGothic" panose="020B0600070205080204" pitchFamily="34" charset="-128"/>
+              </a:defRPr>
+            </a:lvl2pPr>
+            <a:lvl3pPr marL="1143000" indent="-228600">
+              <a:defRPr sz="5700">
+                <a:solidFill>
+                  <a:schemeClr val="tx1"/>
+                </a:solidFill>
+                <a:latin typeface="Calibri" panose="020F0502020204030204" pitchFamily="34" charset="0"/>
+                <a:ea typeface="MS PGothic" panose="020B0600070205080204" pitchFamily="34" charset="-128"/>
+              </a:defRPr>
+            </a:lvl3pPr>
+            <a:lvl4pPr marL="1600200" indent="-228600">
+              <a:defRPr sz="5700">
+                <a:solidFill>
+                  <a:schemeClr val="tx1"/>
+                </a:solidFill>
+                <a:latin typeface="Calibri" panose="020F0502020204030204" pitchFamily="34" charset="0"/>
+                <a:ea typeface="MS PGothic" panose="020B0600070205080204" pitchFamily="34" charset="-128"/>
+              </a:defRPr>
+            </a:lvl4pPr>
+            <a:lvl5pPr marL="2057400" indent="-228600">
+              <a:defRPr sz="5700">
+                <a:solidFill>
+                  <a:schemeClr val="tx1"/>
+                </a:solidFill>
+                <a:latin typeface="Calibri" panose="020F0502020204030204" pitchFamily="34" charset="0"/>
+                <a:ea typeface="MS PGothic" panose="020B0600070205080204" pitchFamily="34" charset="-128"/>
+              </a:defRPr>
+            </a:lvl5pPr>
+            <a:lvl6pPr marL="2514600" indent="-228600" defTabSz="2874963" eaLnBrk="0" fontAlgn="base" hangingPunct="0">
+              <a:spcBef>
+                <a:spcPct val="0"/>
+              </a:spcBef>
+              <a:spcAft>
+                <a:spcPct val="0"/>
+              </a:spcAft>
+              <a:defRPr sz="5700">
+                <a:solidFill>
+                  <a:schemeClr val="tx1"/>
+                </a:solidFill>
+                <a:latin typeface="Calibri" panose="020F0502020204030204" pitchFamily="34" charset="0"/>
+                <a:ea typeface="MS PGothic" panose="020B0600070205080204" pitchFamily="34" charset="-128"/>
+              </a:defRPr>
+            </a:lvl6pPr>
+            <a:lvl7pPr marL="2971800" indent="-228600" defTabSz="2874963" eaLnBrk="0" fontAlgn="base" hangingPunct="0">
+              <a:spcBef>
+                <a:spcPct val="0"/>
+              </a:spcBef>
+              <a:spcAft>
+                <a:spcPct val="0"/>
+              </a:spcAft>
+              <a:defRPr sz="5700">
+                <a:solidFill>
+                  <a:schemeClr val="tx1"/>
+                </a:solidFill>
+                <a:latin typeface="Calibri" panose="020F0502020204030204" pitchFamily="34" charset="0"/>
+                <a:ea typeface="MS PGothic" panose="020B0600070205080204" pitchFamily="34" charset="-128"/>
+              </a:defRPr>
+            </a:lvl7pPr>
+            <a:lvl8pPr marL="3429000" indent="-228600" defTabSz="2874963" eaLnBrk="0" fontAlgn="base" hangingPunct="0">
+              <a:spcBef>
+                <a:spcPct val="0"/>
+              </a:spcBef>
+              <a:spcAft>
+                <a:spcPct val="0"/>
+              </a:spcAft>
+              <a:defRPr sz="5700">
+                <a:solidFill>
+                  <a:schemeClr val="tx1"/>
+                </a:solidFill>
+                <a:latin typeface="Calibri" panose="020F0502020204030204" pitchFamily="34" charset="0"/>
+                <a:ea typeface="MS PGothic" panose="020B0600070205080204" pitchFamily="34" charset="-128"/>
+              </a:defRPr>
+            </a:lvl8pPr>
+            <a:lvl9pPr marL="3886200" indent="-228600" defTabSz="2874963" eaLnBrk="0" fontAlgn="base" hangingPunct="0">
+              <a:spcBef>
+                <a:spcPct val="0"/>
+              </a:spcBef>
+              <a:spcAft>
+                <a:spcPct val="0"/>
+              </a:spcAft>
+              <a:defRPr sz="5700">
+                <a:solidFill>
+                  <a:schemeClr val="tx1"/>
+                </a:solidFill>
+                <a:latin typeface="Calibri" panose="020F0502020204030204" pitchFamily="34" charset="0"/>
+                <a:ea typeface="MS PGothic" panose="020B0600070205080204" pitchFamily="34" charset="-128"/>
+              </a:defRPr>
+            </a:lvl9pPr>
+          </a:lstStyle>
+          <a:p>
+            <a:pPr algn="ctr" eaLnBrk="1" hangingPunct="1"/>
+            <a:r>
+              <a:rPr lang="en-US" altLang="en-US" sz="4000" dirty="0">
+                <a:solidFill>
+                  <a:srgbClr val="0070C0"/>
+                </a:solidFill>
+              </a:rPr>
+              <a:t>Figure 5. Imputed Data</a:t>
+            </a:r>
+          </a:p>
+        </p:txBody>
+      </p:sp>
+      <p:sp>
+        <p:nvSpPr>
+          <p:cNvPr id="40" name="TextBox 39">
+            <a:extLst>
+              <a:ext uri="{FF2B5EF4-FFF2-40B4-BE49-F238E27FC236}">
+                <a16:creationId xmlns:a16="http://schemas.microsoft.com/office/drawing/2014/main" id="{1F22C7A0-0A8D-9024-7E06-C142798E98B0}"/>
+              </a:ext>
+            </a:extLst>
+          </p:cNvPr>
+          <p:cNvSpPr txBox="1">
+            <a:spLocks noChangeArrowheads="1"/>
+          </p:cNvSpPr>
+          <p:nvPr/>
+        </p:nvSpPr>
+        <p:spPr bwMode="auto">
+          <a:xfrm>
+            <a:off x="8495602" y="7895859"/>
+            <a:ext cx="8001000" cy="707886"/>
+          </a:xfrm>
+          <a:prstGeom prst="rect">
+            <a:avLst/>
+          </a:prstGeom>
+          <a:noFill/>
+          <a:ln>
+            <a:noFill/>
+          </a:ln>
+          <a:extLst>
+            <a:ext uri="{909E8E84-426E-40DD-AFC4-6F175D3DCCD1}">
+              <a14:hiddenFill xmlns:a14="http://schemas.microsoft.com/office/drawing/2010/main">
+                <a:solidFill>
+                  <a:srgbClr val="FFFFFF"/>
+                </a:solidFill>
+              </a14:hiddenFill>
+            </a:ext>
+            <a:ext uri="{91240B29-F687-4F45-9708-019B960494DF}">
+              <a14:hiddenLine xmlns:a14="http://schemas.microsoft.com/office/drawing/2010/main" w="9525">
+                <a:solidFill>
+                  <a:srgbClr val="000000"/>
+                </a:solidFill>
+                <a:miter lim="800000"/>
+                <a:headEnd/>
+                <a:tailEnd/>
+              </a14:hiddenLine>
+            </a:ext>
+          </a:extLst>
+        </p:spPr>
+        <p:txBody>
+          <a:bodyPr>
+            <a:spAutoFit/>
+          </a:bodyPr>
+          <a:lstStyle>
+            <a:lvl1pPr>
+              <a:defRPr sz="5700">
+                <a:solidFill>
+                  <a:schemeClr val="tx1"/>
+                </a:solidFill>
+                <a:latin typeface="Calibri" panose="020F0502020204030204" pitchFamily="34" charset="0"/>
+                <a:ea typeface="MS PGothic" panose="020B0600070205080204" pitchFamily="34" charset="-128"/>
+              </a:defRPr>
+            </a:lvl1pPr>
+            <a:lvl2pPr marL="742950" indent="-285750">
+              <a:defRPr sz="5700">
+                <a:solidFill>
+                  <a:schemeClr val="tx1"/>
+                </a:solidFill>
+                <a:latin typeface="Calibri" panose="020F0502020204030204" pitchFamily="34" charset="0"/>
+                <a:ea typeface="MS PGothic" panose="020B0600070205080204" pitchFamily="34" charset="-128"/>
+              </a:defRPr>
+            </a:lvl2pPr>
+            <a:lvl3pPr marL="1143000" indent="-228600">
+              <a:defRPr sz="5700">
+                <a:solidFill>
+                  <a:schemeClr val="tx1"/>
+                </a:solidFill>
+                <a:latin typeface="Calibri" panose="020F0502020204030204" pitchFamily="34" charset="0"/>
+                <a:ea typeface="MS PGothic" panose="020B0600070205080204" pitchFamily="34" charset="-128"/>
+              </a:defRPr>
+            </a:lvl3pPr>
+            <a:lvl4pPr marL="1600200" indent="-228600">
+              <a:defRPr sz="5700">
+                <a:solidFill>
+                  <a:schemeClr val="tx1"/>
+                </a:solidFill>
+                <a:latin typeface="Calibri" panose="020F0502020204030204" pitchFamily="34" charset="0"/>
+                <a:ea typeface="MS PGothic" panose="020B0600070205080204" pitchFamily="34" charset="-128"/>
+              </a:defRPr>
+            </a:lvl4pPr>
+            <a:lvl5pPr marL="2057400" indent="-228600">
+              <a:defRPr sz="5700">
+                <a:solidFill>
+                  <a:schemeClr val="tx1"/>
+                </a:solidFill>
+                <a:latin typeface="Calibri" panose="020F0502020204030204" pitchFamily="34" charset="0"/>
+                <a:ea typeface="MS PGothic" panose="020B0600070205080204" pitchFamily="34" charset="-128"/>
+              </a:defRPr>
+            </a:lvl5pPr>
+            <a:lvl6pPr marL="2514600" indent="-228600" defTabSz="2874963" eaLnBrk="0" fontAlgn="base" hangingPunct="0">
+              <a:spcBef>
+                <a:spcPct val="0"/>
+              </a:spcBef>
+              <a:spcAft>
+                <a:spcPct val="0"/>
+              </a:spcAft>
+              <a:defRPr sz="5700">
+                <a:solidFill>
+                  <a:schemeClr val="tx1"/>
+                </a:solidFill>
+                <a:latin typeface="Calibri" panose="020F0502020204030204" pitchFamily="34" charset="0"/>
+                <a:ea typeface="MS PGothic" panose="020B0600070205080204" pitchFamily="34" charset="-128"/>
+              </a:defRPr>
+            </a:lvl6pPr>
+            <a:lvl7pPr marL="2971800" indent="-228600" defTabSz="2874963" eaLnBrk="0" fontAlgn="base" hangingPunct="0">
+              <a:spcBef>
+                <a:spcPct val="0"/>
+              </a:spcBef>
+              <a:spcAft>
+                <a:spcPct val="0"/>
+              </a:spcAft>
+              <a:defRPr sz="5700">
+                <a:solidFill>
+                  <a:schemeClr val="tx1"/>
+                </a:solidFill>
+                <a:latin typeface="Calibri" panose="020F0502020204030204" pitchFamily="34" charset="0"/>
+                <a:ea typeface="MS PGothic" panose="020B0600070205080204" pitchFamily="34" charset="-128"/>
+              </a:defRPr>
+            </a:lvl7pPr>
+            <a:lvl8pPr marL="3429000" indent="-228600" defTabSz="2874963" eaLnBrk="0" fontAlgn="base" hangingPunct="0">
+              <a:spcBef>
+                <a:spcPct val="0"/>
+              </a:spcBef>
+              <a:spcAft>
+                <a:spcPct val="0"/>
+              </a:spcAft>
+              <a:defRPr sz="5700">
+                <a:solidFill>
+                  <a:schemeClr val="tx1"/>
+                </a:solidFill>
+                <a:latin typeface="Calibri" panose="020F0502020204030204" pitchFamily="34" charset="0"/>
+                <a:ea typeface="MS PGothic" panose="020B0600070205080204" pitchFamily="34" charset="-128"/>
+              </a:defRPr>
+            </a:lvl8pPr>
+            <a:lvl9pPr marL="3886200" indent="-228600" defTabSz="2874963" eaLnBrk="0" fontAlgn="base" hangingPunct="0">
+              <a:spcBef>
+                <a:spcPct val="0"/>
+              </a:spcBef>
+              <a:spcAft>
+                <a:spcPct val="0"/>
+              </a:spcAft>
+              <a:defRPr sz="5700">
+                <a:solidFill>
+                  <a:schemeClr val="tx1"/>
+                </a:solidFill>
+                <a:latin typeface="Calibri" panose="020F0502020204030204" pitchFamily="34" charset="0"/>
+                <a:ea typeface="MS PGothic" panose="020B0600070205080204" pitchFamily="34" charset="-128"/>
+              </a:defRPr>
+            </a:lvl9pPr>
+          </a:lstStyle>
+          <a:p>
+            <a:pPr algn="ctr" eaLnBrk="1" hangingPunct="1"/>
+            <a:r>
+              <a:rPr lang="en-US" altLang="en-US" sz="4000" dirty="0">
+                <a:solidFill>
+                  <a:srgbClr val="0070C0"/>
+                </a:solidFill>
+              </a:rPr>
+              <a:t>Figure 4. Missingness Present in P33</a:t>
+            </a:r>
+          </a:p>
+        </p:txBody>
+      </p:sp>
+      <p:sp>
+        <p:nvSpPr>
+          <p:cNvPr id="41" name="TextBox 18">
+            <a:extLst>
+              <a:ext uri="{FF2B5EF4-FFF2-40B4-BE49-F238E27FC236}">
+                <a16:creationId xmlns:a16="http://schemas.microsoft.com/office/drawing/2014/main" id="{896F0ABB-8F92-B7E4-3600-B008DFDA36B6}"/>
+              </a:ext>
+            </a:extLst>
+          </p:cNvPr>
+          <p:cNvSpPr txBox="1">
+            <a:spLocks noChangeArrowheads="1"/>
+          </p:cNvSpPr>
+          <p:nvPr/>
+        </p:nvSpPr>
+        <p:spPr bwMode="auto">
+          <a:xfrm>
+            <a:off x="281888" y="3000207"/>
+            <a:ext cx="8001000" cy="969496"/>
+          </a:xfrm>
+          <a:prstGeom prst="rect">
+            <a:avLst/>
+          </a:prstGeom>
+          <a:noFill/>
+          <a:ln>
+            <a:noFill/>
+          </a:ln>
+          <a:extLst>
+            <a:ext uri="{909E8E84-426E-40DD-AFC4-6F175D3DCCD1}">
+              <a14:hiddenFill xmlns:a14="http://schemas.microsoft.com/office/drawing/2010/main">
+                <a:solidFill>
+                  <a:srgbClr val="FFFFFF"/>
+                </a:solidFill>
+              </a14:hiddenFill>
+            </a:ext>
+            <a:ext uri="{91240B29-F687-4F45-9708-019B960494DF}">
+              <a14:hiddenLine xmlns:a14="http://schemas.microsoft.com/office/drawing/2010/main" w="9525">
+                <a:solidFill>
+                  <a:srgbClr val="000000"/>
+                </a:solidFill>
+                <a:miter lim="800000"/>
+                <a:headEnd/>
+                <a:tailEnd/>
+              </a14:hiddenLine>
+            </a:ext>
+          </a:extLst>
+        </p:spPr>
+        <p:txBody>
+          <a:bodyPr>
+            <a:spAutoFit/>
+          </a:bodyPr>
+          <a:lstStyle>
+            <a:lvl1pPr>
+              <a:defRPr sz="5700">
+                <a:solidFill>
+                  <a:schemeClr val="tx1"/>
+                </a:solidFill>
+                <a:latin typeface="Calibri" panose="020F0502020204030204" pitchFamily="34" charset="0"/>
+                <a:ea typeface="MS PGothic" panose="020B0600070205080204" pitchFamily="34" charset="-128"/>
+              </a:defRPr>
+            </a:lvl1pPr>
+            <a:lvl2pPr marL="742950" indent="-285750">
+              <a:defRPr sz="5700">
+                <a:solidFill>
+                  <a:schemeClr val="tx1"/>
+                </a:solidFill>
+                <a:latin typeface="Calibri" panose="020F0502020204030204" pitchFamily="34" charset="0"/>
+                <a:ea typeface="MS PGothic" panose="020B0600070205080204" pitchFamily="34" charset="-128"/>
+              </a:defRPr>
+            </a:lvl2pPr>
+            <a:lvl3pPr marL="1143000" indent="-228600">
+              <a:defRPr sz="5700">
+                <a:solidFill>
+                  <a:schemeClr val="tx1"/>
+                </a:solidFill>
+                <a:latin typeface="Calibri" panose="020F0502020204030204" pitchFamily="34" charset="0"/>
+                <a:ea typeface="MS PGothic" panose="020B0600070205080204" pitchFamily="34" charset="-128"/>
+              </a:defRPr>
+            </a:lvl3pPr>
+            <a:lvl4pPr marL="1600200" indent="-228600">
+              <a:defRPr sz="5700">
+                <a:solidFill>
+                  <a:schemeClr val="tx1"/>
+                </a:solidFill>
+                <a:latin typeface="Calibri" panose="020F0502020204030204" pitchFamily="34" charset="0"/>
+                <a:ea typeface="MS PGothic" panose="020B0600070205080204" pitchFamily="34" charset="-128"/>
+              </a:defRPr>
+            </a:lvl4pPr>
+            <a:lvl5pPr marL="2057400" indent="-228600">
+              <a:defRPr sz="5700">
+                <a:solidFill>
+                  <a:schemeClr val="tx1"/>
+                </a:solidFill>
+                <a:latin typeface="Calibri" panose="020F0502020204030204" pitchFamily="34" charset="0"/>
+                <a:ea typeface="MS PGothic" panose="020B0600070205080204" pitchFamily="34" charset="-128"/>
+              </a:defRPr>
+            </a:lvl5pPr>
+            <a:lvl6pPr marL="2514600" indent="-228600" defTabSz="2874963" eaLnBrk="0" fontAlgn="base" hangingPunct="0">
+              <a:spcBef>
+                <a:spcPct val="0"/>
+              </a:spcBef>
+              <a:spcAft>
+                <a:spcPct val="0"/>
+              </a:spcAft>
+              <a:defRPr sz="5700">
+                <a:solidFill>
+                  <a:schemeClr val="tx1"/>
+                </a:solidFill>
+                <a:latin typeface="Calibri" panose="020F0502020204030204" pitchFamily="34" charset="0"/>
+                <a:ea typeface="MS PGothic" panose="020B0600070205080204" pitchFamily="34" charset="-128"/>
+              </a:defRPr>
+            </a:lvl6pPr>
+            <a:lvl7pPr marL="2971800" indent="-228600" defTabSz="2874963" eaLnBrk="0" fontAlgn="base" hangingPunct="0">
+              <a:spcBef>
+                <a:spcPct val="0"/>
+              </a:spcBef>
+              <a:spcAft>
+                <a:spcPct val="0"/>
+              </a:spcAft>
+              <a:defRPr sz="5700">
+                <a:solidFill>
+                  <a:schemeClr val="tx1"/>
+                </a:solidFill>
+                <a:latin typeface="Calibri" panose="020F0502020204030204" pitchFamily="34" charset="0"/>
+                <a:ea typeface="MS PGothic" panose="020B0600070205080204" pitchFamily="34" charset="-128"/>
+              </a:defRPr>
+            </a:lvl7pPr>
+            <a:lvl8pPr marL="3429000" indent="-228600" defTabSz="2874963" eaLnBrk="0" fontAlgn="base" hangingPunct="0">
+              <a:spcBef>
+                <a:spcPct val="0"/>
+              </a:spcBef>
+              <a:spcAft>
+                <a:spcPct val="0"/>
+              </a:spcAft>
+              <a:defRPr sz="5700">
+                <a:solidFill>
+                  <a:schemeClr val="tx1"/>
+                </a:solidFill>
+                <a:latin typeface="Calibri" panose="020F0502020204030204" pitchFamily="34" charset="0"/>
+                <a:ea typeface="MS PGothic" panose="020B0600070205080204" pitchFamily="34" charset="-128"/>
+              </a:defRPr>
+            </a:lvl8pPr>
+            <a:lvl9pPr marL="3886200" indent="-228600" defTabSz="2874963" eaLnBrk="0" fontAlgn="base" hangingPunct="0">
+              <a:spcBef>
+                <a:spcPct val="0"/>
+              </a:spcBef>
+              <a:spcAft>
+                <a:spcPct val="0"/>
+              </a:spcAft>
+              <a:defRPr sz="5700">
+                <a:solidFill>
+                  <a:schemeClr val="tx1"/>
+                </a:solidFill>
+                <a:latin typeface="Calibri" panose="020F0502020204030204" pitchFamily="34" charset="0"/>
+                <a:ea typeface="MS PGothic" panose="020B0600070205080204" pitchFamily="34" charset="-128"/>
+              </a:defRPr>
+            </a:lvl9pPr>
+          </a:lstStyle>
+          <a:p>
+            <a:pPr algn="ctr" eaLnBrk="1" hangingPunct="1"/>
+            <a:r>
+              <a:rPr lang="en-US" altLang="en-US" dirty="0">
+                <a:solidFill>
+                  <a:srgbClr val="0070C0"/>
+                </a:solidFill>
+              </a:rPr>
+              <a:t>Everglades Data Set</a:t>
+            </a:r>
+          </a:p>
+        </p:txBody>
+      </p:sp>
+      <p:sp>
+        <p:nvSpPr>
+          <p:cNvPr id="42" name="TextBox 24">
+            <a:extLst>
+              <a:ext uri="{FF2B5EF4-FFF2-40B4-BE49-F238E27FC236}">
+                <a16:creationId xmlns:a16="http://schemas.microsoft.com/office/drawing/2014/main" id="{E98C2B62-36D3-3C8F-D5C3-051FCD4CDB76}"/>
+              </a:ext>
+            </a:extLst>
+          </p:cNvPr>
+          <p:cNvSpPr txBox="1">
+            <a:spLocks noChangeArrowheads="1"/>
+          </p:cNvSpPr>
+          <p:nvPr/>
+        </p:nvSpPr>
+        <p:spPr bwMode="auto">
+          <a:xfrm>
+            <a:off x="281888" y="4448007"/>
+            <a:ext cx="7848600" cy="5509200"/>
+          </a:xfrm>
+          <a:prstGeom prst="rect">
+            <a:avLst/>
+          </a:prstGeom>
+          <a:noFill/>
+          <a:ln>
+            <a:noFill/>
+          </a:ln>
+          <a:extLst>
+            <a:ext uri="{909E8E84-426E-40dd-AFC4-6F175D3DCCD1}">
+              <a14:hiddenFill xmlns:a14="http://schemas.microsoft.com/office/drawing/2010/main" xmlns="">
+                <a:solidFill>
+                  <a:srgbClr val="FFFFFF"/>
+                </a:solidFill>
+              </a14:hiddenFill>
+            </a:ext>
+            <a:ext uri="{91240B29-F687-4f45-9708-019B960494DF}">
+              <a14:hiddenLine xmlns:a14="http://schemas.microsoft.com/office/drawing/2010/main" xmlns="" w="9525">
+                <a:solidFill>
+                  <a:srgbClr val="000000"/>
+                </a:solidFill>
+                <a:miter lim="800000"/>
+                <a:headEnd/>
+                <a:tailEnd/>
+              </a14:hiddenLine>
+            </a:ext>
+          </a:extLst>
+        </p:spPr>
+        <p:txBody>
+          <a:bodyPr>
+            <a:spAutoFit/>
+          </a:bodyPr>
+          <a:lstStyle>
+            <a:lvl1pPr>
+              <a:defRPr sz="5700">
+                <a:solidFill>
+                  <a:schemeClr val="tx1"/>
+                </a:solidFill>
+                <a:latin typeface="Calibri" charset="0"/>
+                <a:ea typeface="MS PGothic" charset="0"/>
+                <a:cs typeface="MS PGothic" charset="0"/>
+              </a:defRPr>
+            </a:lvl1pPr>
+            <a:lvl2pPr marL="742950" indent="-285750">
+              <a:defRPr sz="5700">
+                <a:solidFill>
+                  <a:schemeClr val="tx1"/>
+                </a:solidFill>
+                <a:latin typeface="Calibri" charset="0"/>
+                <a:ea typeface="MS PGothic" charset="0"/>
+                <a:cs typeface="MS PGothic" charset="0"/>
+              </a:defRPr>
+            </a:lvl2pPr>
+            <a:lvl3pPr marL="1143000" indent="-228600">
+              <a:defRPr sz="5700">
+                <a:solidFill>
+                  <a:schemeClr val="tx1"/>
+                </a:solidFill>
+                <a:latin typeface="Calibri" charset="0"/>
+                <a:ea typeface="MS PGothic" charset="0"/>
+                <a:cs typeface="MS PGothic" charset="0"/>
+              </a:defRPr>
+            </a:lvl3pPr>
+            <a:lvl4pPr marL="1600200" indent="-228600">
+              <a:defRPr sz="5700">
+                <a:solidFill>
+                  <a:schemeClr val="tx1"/>
+                </a:solidFill>
+                <a:latin typeface="Calibri" charset="0"/>
+                <a:ea typeface="MS PGothic" charset="0"/>
+                <a:cs typeface="MS PGothic" charset="0"/>
+              </a:defRPr>
+            </a:lvl4pPr>
+            <a:lvl5pPr marL="2057400" indent="-228600">
+              <a:defRPr sz="5700">
+                <a:solidFill>
+                  <a:schemeClr val="tx1"/>
+                </a:solidFill>
+                <a:latin typeface="Calibri" charset="0"/>
+                <a:ea typeface="MS PGothic" charset="0"/>
+                <a:cs typeface="MS PGothic" charset="0"/>
+              </a:defRPr>
+            </a:lvl5pPr>
+            <a:lvl6pPr marL="2514600" indent="-228600" defTabSz="2874963" eaLnBrk="0" fontAlgn="base" hangingPunct="0">
+              <a:spcBef>
+                <a:spcPct val="0"/>
+              </a:spcBef>
+              <a:spcAft>
+                <a:spcPct val="0"/>
+              </a:spcAft>
+              <a:defRPr sz="5700">
+                <a:solidFill>
+                  <a:schemeClr val="tx1"/>
+                </a:solidFill>
+                <a:latin typeface="Calibri" charset="0"/>
+                <a:ea typeface="MS PGothic" charset="0"/>
+                <a:cs typeface="MS PGothic" charset="0"/>
+              </a:defRPr>
+            </a:lvl6pPr>
+            <a:lvl7pPr marL="2971800" indent="-228600" defTabSz="2874963" eaLnBrk="0" fontAlgn="base" hangingPunct="0">
+              <a:spcBef>
+                <a:spcPct val="0"/>
+              </a:spcBef>
+              <a:spcAft>
+                <a:spcPct val="0"/>
+              </a:spcAft>
+              <a:defRPr sz="5700">
+                <a:solidFill>
+                  <a:schemeClr val="tx1"/>
+                </a:solidFill>
+                <a:latin typeface="Calibri" charset="0"/>
+                <a:ea typeface="MS PGothic" charset="0"/>
+                <a:cs typeface="MS PGothic" charset="0"/>
+              </a:defRPr>
+            </a:lvl7pPr>
+            <a:lvl8pPr marL="3429000" indent="-228600" defTabSz="2874963" eaLnBrk="0" fontAlgn="base" hangingPunct="0">
+              <a:spcBef>
+                <a:spcPct val="0"/>
+              </a:spcBef>
+              <a:spcAft>
+                <a:spcPct val="0"/>
+              </a:spcAft>
+              <a:defRPr sz="5700">
+                <a:solidFill>
+                  <a:schemeClr val="tx1"/>
+                </a:solidFill>
+                <a:latin typeface="Calibri" charset="0"/>
+                <a:ea typeface="MS PGothic" charset="0"/>
+                <a:cs typeface="MS PGothic" charset="0"/>
+              </a:defRPr>
+            </a:lvl8pPr>
+            <a:lvl9pPr marL="3886200" indent="-228600" defTabSz="2874963" eaLnBrk="0" fontAlgn="base" hangingPunct="0">
+              <a:spcBef>
+                <a:spcPct val="0"/>
+              </a:spcBef>
+              <a:spcAft>
+                <a:spcPct val="0"/>
+              </a:spcAft>
+              <a:defRPr sz="5700">
+                <a:solidFill>
+                  <a:schemeClr val="tx1"/>
+                </a:solidFill>
+                <a:latin typeface="Calibri" charset="0"/>
+                <a:ea typeface="MS PGothic" charset="0"/>
+                <a:cs typeface="MS PGothic" charset="0"/>
+              </a:defRPr>
+            </a:lvl9pPr>
+          </a:lstStyle>
+          <a:p>
+            <a:pPr marL="457200" indent="-457200">
+              <a:buFont typeface="Arial" panose="020B0604020202020204" pitchFamily="34" charset="0"/>
+              <a:buChar char="•"/>
+              <a:defRPr/>
+            </a:pPr>
+            <a:r>
+              <a:rPr lang="en-US" sz="3200" dirty="0"/>
+              <a:t>58 hydrology stations measure water stage (elevation from sea level) multiple times per day</a:t>
+            </a:r>
+          </a:p>
+          <a:p>
+            <a:pPr marL="457200" indent="-457200">
+              <a:buFont typeface="Arial" panose="020B0604020202020204" pitchFamily="34" charset="0"/>
+              <a:buChar char="•"/>
+              <a:defRPr/>
+            </a:pPr>
+            <a:r>
+              <a:rPr lang="en-US" sz="3200" dirty="0"/>
+              <a:t>For each day, the daily average is recorded</a:t>
+            </a:r>
+          </a:p>
+          <a:p>
+            <a:pPr marL="457200" indent="-457200">
+              <a:buFont typeface="Arial" panose="020B0604020202020204" pitchFamily="34" charset="0"/>
+              <a:buChar char="•"/>
+              <a:defRPr/>
+            </a:pPr>
+            <a:r>
+              <a:rPr lang="en-US" sz="3200" dirty="0"/>
+              <a:t>Stage was transformed to depth by subtracting the elevation of the station itself</a:t>
+            </a:r>
+          </a:p>
+          <a:p>
+            <a:pPr marL="457200" indent="-457200">
+              <a:buFont typeface="Arial" panose="020B0604020202020204" pitchFamily="34" charset="0"/>
+              <a:buChar char="•"/>
+              <a:defRPr/>
+            </a:pPr>
+            <a:r>
+              <a:rPr lang="en-US" sz="3200" dirty="0"/>
+              <a:t>Time-series go as far back as 1952</a:t>
+            </a:r>
+          </a:p>
+          <a:p>
+            <a:pPr marL="457200" indent="-457200">
+              <a:buFont typeface="Arial" panose="020B0604020202020204" pitchFamily="34" charset="0"/>
+              <a:buChar char="•"/>
+              <a:defRPr/>
+            </a:pPr>
+            <a:r>
+              <a:rPr lang="en-US" sz="3200" dirty="0"/>
+              <a:t>Missingness present in each time-series ranges from 0.5% to &gt;50%</a:t>
+            </a:r>
+          </a:p>
+          <a:p>
+            <a:pPr marL="457200" indent="-457200">
+              <a:buFont typeface="Arial" panose="020B0604020202020204" pitchFamily="34" charset="0"/>
+              <a:buChar char="•"/>
+              <a:defRPr/>
+            </a:pPr>
+            <a:endParaRPr lang="en-US" sz="3200" dirty="0"/>
+          </a:p>
+        </p:txBody>
+      </p:sp>
       <p:pic>
         <p:nvPicPr>
-          <p:cNvPr id="13" name="Picture 12" descr="A map of land with different colored triangles&#10;&#10;Description automatically generated">
+          <p:cNvPr id="43" name="Picture 42" descr="A map of land with different colored triangles&#10;&#10;Description automatically generated">
             <a:extLst>
               <a:ext uri="{FF2B5EF4-FFF2-40B4-BE49-F238E27FC236}">
-                <a16:creationId xmlns:a16="http://schemas.microsoft.com/office/drawing/2014/main" id="{3C090B98-09FF-EF27-3CBE-6D458B1726B9}"/>
+                <a16:creationId xmlns:a16="http://schemas.microsoft.com/office/drawing/2014/main" id="{A76F9FD2-E03A-2543-5AA8-025FB6BBAD68}"/>
               </a:ext>
             </a:extLst>
           </p:cNvPr>
@@ -12246,8 +12886,8 @@
         </p:blipFill>
         <p:spPr>
           <a:xfrm>
-            <a:off x="17816234" y="10063129"/>
-            <a:ext cx="6096012" cy="4572009"/>
+            <a:off x="281887" y="10183612"/>
+            <a:ext cx="7961051" cy="5970788"/>
           </a:xfrm>
           <a:prstGeom prst="rect">
             <a:avLst/>
@@ -12256,10 +12896,10 @@
       </p:pic>
       <p:sp>
         <p:nvSpPr>
-          <p:cNvPr id="14" name="TextBox 14">
+          <p:cNvPr id="44" name="TextBox 43">
             <a:extLst>
               <a:ext uri="{FF2B5EF4-FFF2-40B4-BE49-F238E27FC236}">
-                <a16:creationId xmlns:a16="http://schemas.microsoft.com/office/drawing/2014/main" id="{B31C15E8-9DE0-D3F5-54CF-3FF3E09C6CEB}"/>
+                <a16:creationId xmlns:a16="http://schemas.microsoft.com/office/drawing/2014/main" id="{499878C8-4A6C-D591-180C-56425F2045E3}"/>
               </a:ext>
             </a:extLst>
           </p:cNvPr>
@@ -12270,7 +12910,7 @@
         </p:nvSpPr>
         <p:spPr bwMode="auto">
           <a:xfrm>
-            <a:off x="90055" y="12361870"/>
+            <a:off x="343528" y="9478601"/>
             <a:ext cx="8001000" cy="707886"/>
           </a:xfrm>
           <a:prstGeom prst="rect">
@@ -12419,17 +13059,17 @@
                   <a:srgbClr val="0070C0"/>
                 </a:solidFill>
               </a:rPr>
-              <a:t>Figure 5. Imputed Data</a:t>
+              <a:t>Figure 8. EVER Stations</a:t>
             </a:r>
           </a:p>
         </p:txBody>
       </p:sp>
       <p:sp>
         <p:nvSpPr>
-          <p:cNvPr id="15" name="TextBox 14">
+          <p:cNvPr id="45" name="TextBox 18">
             <a:extLst>
               <a:ext uri="{FF2B5EF4-FFF2-40B4-BE49-F238E27FC236}">
-                <a16:creationId xmlns:a16="http://schemas.microsoft.com/office/drawing/2014/main" id="{950EC498-2008-7E5C-82B1-363D60AC5815}"/>
+                <a16:creationId xmlns:a16="http://schemas.microsoft.com/office/drawing/2014/main" id="{9D477744-DA8A-445B-001E-40EA67020496}"/>
               </a:ext>
             </a:extLst>
           </p:cNvPr>
@@ -12440,8 +13080,8 @@
         </p:nvSpPr>
         <p:spPr bwMode="auto">
           <a:xfrm>
-            <a:off x="320052" y="7688657"/>
-            <a:ext cx="8001000" cy="707886"/>
+            <a:off x="16601628" y="2874963"/>
+            <a:ext cx="8001000" cy="969963"/>
           </a:xfrm>
           <a:prstGeom prst="rect">
             <a:avLst/>
@@ -12584,22 +13224,22 @@
           <a:p>
             <a:pPr algn="ctr" eaLnBrk="1" hangingPunct="1"/>
             <a:r>
-              <a:rPr lang="en-US" altLang="en-US" sz="4000" dirty="0">
+              <a:rPr lang="en-US" altLang="en-US" dirty="0">
                 <a:solidFill>
                   <a:srgbClr val="0070C0"/>
                 </a:solidFill>
               </a:rPr>
-              <a:t>Figure 4. Missingness Present in P33</a:t>
+              <a:t>Preliminary Results</a:t>
             </a:r>
           </a:p>
         </p:txBody>
       </p:sp>
       <p:pic>
         <p:nvPicPr>
-          <p:cNvPr id="17" name="Picture 16" descr="A diagram of a computer&#10;&#10;Description automatically generated">
+          <p:cNvPr id="46" name="Picture 45" descr="A graph with a line and a line&#10;&#10;Description automatically generated with medium confidence">
             <a:extLst>
               <a:ext uri="{FF2B5EF4-FFF2-40B4-BE49-F238E27FC236}">
-                <a16:creationId xmlns:a16="http://schemas.microsoft.com/office/drawing/2014/main" id="{C130AA5E-6B8D-FDD8-8F3B-C58F747FB76D}"/>
+                <a16:creationId xmlns:a16="http://schemas.microsoft.com/office/drawing/2014/main" id="{D1D73D4D-7A5C-2B06-5063-2152D48331A7}"/>
               </a:ext>
             </a:extLst>
           </p:cNvPr>
@@ -12608,7 +13248,7 @@
           </p:cNvPicPr>
           <p:nvPr/>
         </p:nvPicPr>
-        <p:blipFill>
+        <p:blipFill rotWithShape="1">
           <a:blip r:embed="rId7">
             <a:extLst>
               <a:ext uri="{28A0092B-C50C-407E-A947-70E740481C1C}">
@@ -12616,50 +13256,13 @@
               </a:ext>
             </a:extLst>
           </a:blip>
-          <a:stretch>
-            <a:fillRect/>
-          </a:stretch>
+          <a:srcRect l="6200" t="3193" r="7522" b="4485"/>
+          <a:stretch/>
         </p:blipFill>
         <p:spPr>
           <a:xfrm>
-            <a:off x="8496299" y="5430024"/>
-            <a:ext cx="7924801" cy="2523031"/>
-          </a:xfrm>
-          <a:prstGeom prst="rect">
-            <a:avLst/>
-          </a:prstGeom>
-        </p:spPr>
-      </p:pic>
-      <p:pic>
-        <p:nvPicPr>
-          <p:cNvPr id="19" name="Picture 18" descr="A diagram of a process flow&#10;&#10;Description automatically generated">
-            <a:extLst>
-              <a:ext uri="{FF2B5EF4-FFF2-40B4-BE49-F238E27FC236}">
-                <a16:creationId xmlns:a16="http://schemas.microsoft.com/office/drawing/2014/main" id="{54566051-3FFF-D943-63AF-5A2BAC00AEA0}"/>
-              </a:ext>
-            </a:extLst>
-          </p:cNvPr>
-          <p:cNvPicPr>
-            <a:picLocks noChangeAspect="1"/>
-          </p:cNvPicPr>
-          <p:nvPr/>
-        </p:nvPicPr>
-        <p:blipFill>
-          <a:blip r:embed="rId8">
-            <a:extLst>
-              <a:ext uri="{28A0092B-C50C-407E-A947-70E740481C1C}">
-                <a14:useLocalDpi xmlns:a14="http://schemas.microsoft.com/office/drawing/2010/main" val="0"/>
-              </a:ext>
-            </a:extLst>
-          </a:blip>
-          <a:stretch>
-            <a:fillRect/>
-          </a:stretch>
-        </p:blipFill>
-        <p:spPr>
-          <a:xfrm>
-            <a:off x="9345234" y="8652161"/>
-            <a:ext cx="6074531" cy="3276864"/>
+            <a:off x="16821762" y="13276521"/>
+            <a:ext cx="7687730" cy="4113123"/>
           </a:xfrm>
           <a:prstGeom prst="rect">
             <a:avLst/>
@@ -12668,10 +13271,163 @@
       </p:pic>
       <p:sp>
         <p:nvSpPr>
-          <p:cNvPr id="20" name="TextBox 19">
+          <p:cNvPr id="47" name="TextBox 46">
             <a:extLst>
               <a:ext uri="{FF2B5EF4-FFF2-40B4-BE49-F238E27FC236}">
-                <a16:creationId xmlns:a16="http://schemas.microsoft.com/office/drawing/2014/main" id="{78FA77E9-0A7A-FFA0-67A9-284185043F9F}"/>
+                <a16:creationId xmlns:a16="http://schemas.microsoft.com/office/drawing/2014/main" id="{66C968B6-63B6-A615-BDF6-03E87675FBA2}"/>
+              </a:ext>
+            </a:extLst>
+          </p:cNvPr>
+          <p:cNvSpPr txBox="1"/>
+          <p:nvPr/>
+        </p:nvSpPr>
+        <p:spPr>
+          <a:xfrm>
+            <a:off x="25009417" y="4046478"/>
+            <a:ext cx="7512165" cy="7417415"/>
+          </a:xfrm>
+          <a:prstGeom prst="rect">
+            <a:avLst/>
+          </a:prstGeom>
+          <a:noFill/>
+        </p:spPr>
+        <p:txBody>
+          <a:bodyPr wrap="square" rtlCol="0">
+            <a:spAutoFit/>
+          </a:bodyPr>
+          <a:lstStyle/>
+          <a:p>
+            <a:pPr marL="457200" indent="-457200">
+              <a:buFont typeface="Arial" panose="020B0604020202020204" pitchFamily="34" charset="0"/>
+              <a:buChar char="•"/>
+            </a:pPr>
+            <a:r>
+              <a:rPr lang="en-US" sz="3200" dirty="0"/>
+              <a:t>Bayesian Optimization for hyperparameter tuning</a:t>
+            </a:r>
+          </a:p>
+          <a:p>
+            <a:pPr marL="1893888" lvl="1" indent="-457200">
+              <a:buFont typeface="Arial" panose="020B0604020202020204" pitchFamily="34" charset="0"/>
+              <a:buChar char="•"/>
+            </a:pPr>
+            <a:r>
+              <a:rPr lang="en-US" sz="3200" dirty="0"/>
+              <a:t>Expository paper by </a:t>
+            </a:r>
+            <a:r>
+              <a:rPr lang="en-US" sz="3200" dirty="0">
+                <a:latin typeface="CMR12"/>
+              </a:rPr>
+              <a:t>Snoek, Larochelle, and Adams (2012)</a:t>
+            </a:r>
+            <a:endParaRPr lang="en-US" sz="3200" dirty="0"/>
+          </a:p>
+          <a:p>
+            <a:pPr marL="457200" indent="-457200">
+              <a:buFont typeface="Arial" panose="020B0604020202020204" pitchFamily="34" charset="0"/>
+              <a:buChar char="•"/>
+            </a:pPr>
+            <a:r>
+              <a:rPr lang="en-US" sz="3200" dirty="0"/>
+              <a:t>Compare to other methods</a:t>
+            </a:r>
+          </a:p>
+          <a:p>
+            <a:pPr marL="1893888" lvl="1" indent="-457200">
+              <a:buFont typeface="Arial" panose="020B0604020202020204" pitchFamily="34" charset="0"/>
+              <a:buChar char="•"/>
+            </a:pPr>
+            <a:r>
+              <a:rPr lang="en-US" sz="3200" dirty="0"/>
+              <a:t>Holt-Winters</a:t>
+            </a:r>
+          </a:p>
+          <a:p>
+            <a:pPr marL="1893888" lvl="1" indent="-457200">
+              <a:buFont typeface="Arial" panose="020B0604020202020204" pitchFamily="34" charset="0"/>
+              <a:buChar char="•"/>
+            </a:pPr>
+            <a:r>
+              <a:rPr lang="en-US" sz="3200" dirty="0"/>
+              <a:t>Exponential Smoothing</a:t>
+            </a:r>
+          </a:p>
+          <a:p>
+            <a:pPr marL="457200" indent="-457200">
+              <a:buFont typeface="Arial" panose="020B0604020202020204" pitchFamily="34" charset="0"/>
+              <a:buChar char="•"/>
+            </a:pPr>
+            <a:r>
+              <a:rPr lang="en-US" sz="3200" dirty="0"/>
+              <a:t>Obtain uncertainty intervals for LSTM predictions</a:t>
+            </a:r>
+          </a:p>
+          <a:p>
+            <a:pPr marL="1893888" lvl="1" indent="-457200">
+              <a:buFont typeface="Arial" panose="020B0604020202020204" pitchFamily="34" charset="0"/>
+              <a:buChar char="•"/>
+            </a:pPr>
+            <a:r>
+              <a:rPr lang="en-US" sz="3200" dirty="0"/>
+              <a:t>Bootstrap from training sample</a:t>
+            </a:r>
+          </a:p>
+          <a:p>
+            <a:pPr marL="3332163" lvl="2" indent="-457200">
+              <a:buFont typeface="Arial" panose="020B0604020202020204" pitchFamily="34" charset="0"/>
+              <a:buChar char="•"/>
+            </a:pPr>
+            <a:r>
+              <a:rPr lang="en-US" sz="3200" dirty="0"/>
+              <a:t>Bootstrap</a:t>
+            </a:r>
+          </a:p>
+          <a:p>
+            <a:pPr marL="3332163" lvl="2" indent="-457200">
+              <a:buFont typeface="Arial" panose="020B0604020202020204" pitchFamily="34" charset="0"/>
+              <a:buChar char="•"/>
+            </a:pPr>
+            <a:r>
+              <a:rPr lang="en-US" sz="3200" dirty="0"/>
+              <a:t>Retrain Network</a:t>
+            </a:r>
+          </a:p>
+          <a:p>
+            <a:pPr marL="3332163" lvl="2" indent="-457200">
+              <a:buFont typeface="Arial" panose="020B0604020202020204" pitchFamily="34" charset="0"/>
+              <a:buChar char="•"/>
+            </a:pPr>
+            <a:r>
+              <a:rPr lang="en-US" sz="3200" dirty="0"/>
+              <a:t>Obtain Predictions</a:t>
+            </a:r>
+          </a:p>
+          <a:p>
+            <a:pPr marL="3332163" lvl="2" indent="-457200">
+              <a:buFont typeface="Arial" panose="020B0604020202020204" pitchFamily="34" charset="0"/>
+              <a:buChar char="•"/>
+            </a:pPr>
+            <a:r>
+              <a:rPr lang="en-US" sz="3200" dirty="0"/>
+              <a:t>Repeat</a:t>
+            </a:r>
+          </a:p>
+          <a:p>
+            <a:pPr marL="457200" indent="-457200">
+              <a:buFont typeface="Arial" panose="020B0604020202020204" pitchFamily="34" charset="0"/>
+              <a:buChar char="•"/>
+            </a:pPr>
+            <a:endParaRPr lang="en-US" sz="2800" dirty="0"/>
+          </a:p>
+        </p:txBody>
+      </p:sp>
+      <p:sp>
+        <p:nvSpPr>
+          <p:cNvPr id="48" name="TextBox 14">
+            <a:extLst>
+              <a:ext uri="{FF2B5EF4-FFF2-40B4-BE49-F238E27FC236}">
+                <a16:creationId xmlns:a16="http://schemas.microsoft.com/office/drawing/2014/main" id="{B7980881-84C8-166C-122C-2672F9C22AD8}"/>
               </a:ext>
             </a:extLst>
           </p:cNvPr>
@@ -12682,7 +13438,7 @@
         </p:nvSpPr>
         <p:spPr bwMode="auto">
           <a:xfrm>
-            <a:off x="16825640" y="9373994"/>
+            <a:off x="16603013" y="12580144"/>
             <a:ext cx="8001000" cy="707886"/>
           </a:xfrm>
           <a:prstGeom prst="rect">
@@ -12831,17 +13587,17 @@
                   <a:srgbClr val="0070C0"/>
                 </a:solidFill>
               </a:rPr>
-              <a:t>Figure 8. EVER Stations</a:t>
+              <a:t>Figure 3. Forecast Comparison</a:t>
             </a:r>
           </a:p>
         </p:txBody>
       </p:sp>
       <p:sp>
         <p:nvSpPr>
-          <p:cNvPr id="21" name="TextBox 20">
+          <p:cNvPr id="49" name="TextBox 18">
             <a:extLst>
               <a:ext uri="{FF2B5EF4-FFF2-40B4-BE49-F238E27FC236}">
-                <a16:creationId xmlns:a16="http://schemas.microsoft.com/office/drawing/2014/main" id="{33F24BAC-1344-2713-2F5B-196908E02B00}"/>
+                <a16:creationId xmlns:a16="http://schemas.microsoft.com/office/drawing/2014/main" id="{6FADE598-B475-326A-48CD-7E806B0749C3}"/>
               </a:ext>
             </a:extLst>
           </p:cNvPr>
@@ -12852,8 +13608,8 @@
         </p:nvSpPr>
         <p:spPr bwMode="auto">
           <a:xfrm>
-            <a:off x="8586355" y="4830838"/>
-            <a:ext cx="8001000" cy="707886"/>
+            <a:off x="24891085" y="3001246"/>
+            <a:ext cx="8001000" cy="969963"/>
           </a:xfrm>
           <a:prstGeom prst="rect">
             <a:avLst/>
@@ -12996,192 +13752,22 @@
           <a:p>
             <a:pPr algn="ctr" eaLnBrk="1" hangingPunct="1"/>
             <a:r>
-              <a:rPr lang="en-US" altLang="en-US" sz="4000" dirty="0">
+              <a:rPr lang="en-US" altLang="en-US" dirty="0">
                 <a:solidFill>
                   <a:srgbClr val="0070C0"/>
                 </a:solidFill>
               </a:rPr>
-              <a:t>Figure 6. LSTM Structure</a:t>
+              <a:t>Future Work</a:t>
             </a:r>
           </a:p>
         </p:txBody>
       </p:sp>
       <p:sp>
         <p:nvSpPr>
-          <p:cNvPr id="22" name="TextBox 21">
+          <p:cNvPr id="50" name="TextBox 49">
             <a:extLst>
               <a:ext uri="{FF2B5EF4-FFF2-40B4-BE49-F238E27FC236}">
-                <a16:creationId xmlns:a16="http://schemas.microsoft.com/office/drawing/2014/main" id="{360A410F-63DF-5103-2C3D-7BE145365088}"/>
-              </a:ext>
-            </a:extLst>
-          </p:cNvPr>
-          <p:cNvSpPr txBox="1">
-            <a:spLocks noChangeArrowheads="1"/>
-          </p:cNvSpPr>
-          <p:nvPr/>
-        </p:nvSpPr>
-        <p:spPr bwMode="auto">
-          <a:xfrm>
-            <a:off x="8460971" y="8046813"/>
-            <a:ext cx="8001000" cy="707886"/>
-          </a:xfrm>
-          <a:prstGeom prst="rect">
-            <a:avLst/>
-          </a:prstGeom>
-          <a:noFill/>
-          <a:ln>
-            <a:noFill/>
-          </a:ln>
-          <a:extLst>
-            <a:ext uri="{909E8E84-426E-40DD-AFC4-6F175D3DCCD1}">
-              <a14:hiddenFill xmlns:a14="http://schemas.microsoft.com/office/drawing/2010/main">
-                <a:solidFill>
-                  <a:srgbClr val="FFFFFF"/>
-                </a:solidFill>
-              </a14:hiddenFill>
-            </a:ext>
-            <a:ext uri="{91240B29-F687-4F45-9708-019B960494DF}">
-              <a14:hiddenLine xmlns:a14="http://schemas.microsoft.com/office/drawing/2010/main" w="9525">
-                <a:solidFill>
-                  <a:srgbClr val="000000"/>
-                </a:solidFill>
-                <a:miter lim="800000"/>
-                <a:headEnd/>
-                <a:tailEnd/>
-              </a14:hiddenLine>
-            </a:ext>
-          </a:extLst>
-        </p:spPr>
-        <p:txBody>
-          <a:bodyPr>
-            <a:spAutoFit/>
-          </a:bodyPr>
-          <a:lstStyle>
-            <a:lvl1pPr>
-              <a:defRPr sz="5700">
-                <a:solidFill>
-                  <a:schemeClr val="tx1"/>
-                </a:solidFill>
-                <a:latin typeface="Calibri" panose="020F0502020204030204" pitchFamily="34" charset="0"/>
-                <a:ea typeface="MS PGothic" panose="020B0600070205080204" pitchFamily="34" charset="-128"/>
-              </a:defRPr>
-            </a:lvl1pPr>
-            <a:lvl2pPr marL="742950" indent="-285750">
-              <a:defRPr sz="5700">
-                <a:solidFill>
-                  <a:schemeClr val="tx1"/>
-                </a:solidFill>
-                <a:latin typeface="Calibri" panose="020F0502020204030204" pitchFamily="34" charset="0"/>
-                <a:ea typeface="MS PGothic" panose="020B0600070205080204" pitchFamily="34" charset="-128"/>
-              </a:defRPr>
-            </a:lvl2pPr>
-            <a:lvl3pPr marL="1143000" indent="-228600">
-              <a:defRPr sz="5700">
-                <a:solidFill>
-                  <a:schemeClr val="tx1"/>
-                </a:solidFill>
-                <a:latin typeface="Calibri" panose="020F0502020204030204" pitchFamily="34" charset="0"/>
-                <a:ea typeface="MS PGothic" panose="020B0600070205080204" pitchFamily="34" charset="-128"/>
-              </a:defRPr>
-            </a:lvl3pPr>
-            <a:lvl4pPr marL="1600200" indent="-228600">
-              <a:defRPr sz="5700">
-                <a:solidFill>
-                  <a:schemeClr val="tx1"/>
-                </a:solidFill>
-                <a:latin typeface="Calibri" panose="020F0502020204030204" pitchFamily="34" charset="0"/>
-                <a:ea typeface="MS PGothic" panose="020B0600070205080204" pitchFamily="34" charset="-128"/>
-              </a:defRPr>
-            </a:lvl4pPr>
-            <a:lvl5pPr marL="2057400" indent="-228600">
-              <a:defRPr sz="5700">
-                <a:solidFill>
-                  <a:schemeClr val="tx1"/>
-                </a:solidFill>
-                <a:latin typeface="Calibri" panose="020F0502020204030204" pitchFamily="34" charset="0"/>
-                <a:ea typeface="MS PGothic" panose="020B0600070205080204" pitchFamily="34" charset="-128"/>
-              </a:defRPr>
-            </a:lvl5pPr>
-            <a:lvl6pPr marL="2514600" indent="-228600" defTabSz="2874963" eaLnBrk="0" fontAlgn="base" hangingPunct="0">
-              <a:spcBef>
-                <a:spcPct val="0"/>
-              </a:spcBef>
-              <a:spcAft>
-                <a:spcPct val="0"/>
-              </a:spcAft>
-              <a:defRPr sz="5700">
-                <a:solidFill>
-                  <a:schemeClr val="tx1"/>
-                </a:solidFill>
-                <a:latin typeface="Calibri" panose="020F0502020204030204" pitchFamily="34" charset="0"/>
-                <a:ea typeface="MS PGothic" panose="020B0600070205080204" pitchFamily="34" charset="-128"/>
-              </a:defRPr>
-            </a:lvl6pPr>
-            <a:lvl7pPr marL="2971800" indent="-228600" defTabSz="2874963" eaLnBrk="0" fontAlgn="base" hangingPunct="0">
-              <a:spcBef>
-                <a:spcPct val="0"/>
-              </a:spcBef>
-              <a:spcAft>
-                <a:spcPct val="0"/>
-              </a:spcAft>
-              <a:defRPr sz="5700">
-                <a:solidFill>
-                  <a:schemeClr val="tx1"/>
-                </a:solidFill>
-                <a:latin typeface="Calibri" panose="020F0502020204030204" pitchFamily="34" charset="0"/>
-                <a:ea typeface="MS PGothic" panose="020B0600070205080204" pitchFamily="34" charset="-128"/>
-              </a:defRPr>
-            </a:lvl7pPr>
-            <a:lvl8pPr marL="3429000" indent="-228600" defTabSz="2874963" eaLnBrk="0" fontAlgn="base" hangingPunct="0">
-              <a:spcBef>
-                <a:spcPct val="0"/>
-              </a:spcBef>
-              <a:spcAft>
-                <a:spcPct val="0"/>
-              </a:spcAft>
-              <a:defRPr sz="5700">
-                <a:solidFill>
-                  <a:schemeClr val="tx1"/>
-                </a:solidFill>
-                <a:latin typeface="Calibri" panose="020F0502020204030204" pitchFamily="34" charset="0"/>
-                <a:ea typeface="MS PGothic" panose="020B0600070205080204" pitchFamily="34" charset="-128"/>
-              </a:defRPr>
-            </a:lvl8pPr>
-            <a:lvl9pPr marL="3886200" indent="-228600" defTabSz="2874963" eaLnBrk="0" fontAlgn="base" hangingPunct="0">
-              <a:spcBef>
-                <a:spcPct val="0"/>
-              </a:spcBef>
-              <a:spcAft>
-                <a:spcPct val="0"/>
-              </a:spcAft>
-              <a:defRPr sz="5700">
-                <a:solidFill>
-                  <a:schemeClr val="tx1"/>
-                </a:solidFill>
-                <a:latin typeface="Calibri" panose="020F0502020204030204" pitchFamily="34" charset="0"/>
-                <a:ea typeface="MS PGothic" panose="020B0600070205080204" pitchFamily="34" charset="-128"/>
-              </a:defRPr>
-            </a:lvl9pPr>
-          </a:lstStyle>
-          <a:p>
-            <a:pPr algn="ctr" eaLnBrk="1" hangingPunct="1"/>
-            <a:r>
-              <a:rPr lang="en-US" altLang="en-US" sz="4000" dirty="0">
-                <a:solidFill>
-                  <a:srgbClr val="0070C0"/>
-                </a:solidFill>
-              </a:rPr>
-              <a:t>Figure 7. Memory Cells</a:t>
-            </a:r>
-          </a:p>
-        </p:txBody>
-      </p:sp>
-      <p:sp>
-        <p:nvSpPr>
-          <p:cNvPr id="24" name="TextBox 23">
-            <a:extLst>
-              <a:ext uri="{FF2B5EF4-FFF2-40B4-BE49-F238E27FC236}">
-                <a16:creationId xmlns:a16="http://schemas.microsoft.com/office/drawing/2014/main" id="{85F20500-A648-AA6B-C018-D6FC0ABC7A3D}"/>
+                <a16:creationId xmlns:a16="http://schemas.microsoft.com/office/drawing/2014/main" id="{7A8A0222-90DA-C3B3-66EC-E0BB894E10A2}"/>
               </a:ext>
             </a:extLst>
           </p:cNvPr>
@@ -13190,8 +13776,8 @@
         </p:nvSpPr>
         <p:spPr>
           <a:xfrm>
-            <a:off x="8763000" y="12065238"/>
-            <a:ext cx="7162800" cy="5170646"/>
+            <a:off x="17061945" y="4054833"/>
+            <a:ext cx="7512165" cy="8217634"/>
           </a:xfrm>
           <a:prstGeom prst="rect">
             <a:avLst/>
@@ -13204,318 +13790,159 @@
           </a:bodyPr>
           <a:lstStyle/>
           <a:p>
-            <a:r>
-              <a:rPr lang="en-US" sz="3000" dirty="0">
+            <a:pPr algn="ctr"/>
+            <a:r>
+              <a:rPr lang="en-US" sz="4000" b="1" dirty="0">
                 <a:solidFill>
                   <a:schemeClr val="accent1"/>
                 </a:solidFill>
               </a:rPr>
-              <a:t>Forget Gate</a:t>
-            </a:r>
-          </a:p>
-          <a:p>
-            <a:endParaRPr lang="en-US" sz="3000" dirty="0">
-              <a:solidFill>
-                <a:schemeClr val="accent1"/>
-              </a:solidFill>
-            </a:endParaRPr>
-          </a:p>
-          <a:p>
-            <a:r>
-              <a:rPr lang="en-US" sz="3000" dirty="0">
+              <a:t>LSTM Structure</a:t>
+            </a:r>
+          </a:p>
+          <a:p>
+            <a:pPr marL="457200" indent="-457200">
+              <a:buFont typeface="Arial" panose="020B0604020202020204" pitchFamily="34" charset="0"/>
+              <a:buChar char="•"/>
+            </a:pPr>
+            <a:r>
+              <a:rPr lang="en-US" sz="3200" dirty="0"/>
+              <a:t>All layers utilized </a:t>
+            </a:r>
+          </a:p>
+          <a:p>
+            <a:pPr marL="1893888" lvl="1" indent="-457200">
+              <a:buFont typeface="Arial" panose="020B0604020202020204" pitchFamily="34" charset="0"/>
+              <a:buChar char="•"/>
+            </a:pPr>
+            <a:r>
+              <a:rPr lang="en-US" sz="3200" dirty="0"/>
+              <a:t>L1 kernel regularization (0.1%)</a:t>
+            </a:r>
+          </a:p>
+          <a:p>
+            <a:pPr marL="1893888" lvl="1" indent="-457200">
+              <a:buFont typeface="Arial" panose="020B0604020202020204" pitchFamily="34" charset="0"/>
+              <a:buChar char="•"/>
+            </a:pPr>
+            <a:r>
+              <a:rPr lang="en-US" sz="3200" dirty="0"/>
+              <a:t>L2 activity regularization (0.1%)</a:t>
+            </a:r>
+          </a:p>
+          <a:p>
+            <a:pPr marL="1893888" lvl="1" indent="-457200">
+              <a:buFont typeface="Arial" panose="020B0604020202020204" pitchFamily="34" charset="0"/>
+              <a:buChar char="•"/>
+            </a:pPr>
+            <a:r>
+              <a:rPr lang="en-US" sz="3200" dirty="0"/>
+              <a:t>Dropout (30%)</a:t>
+            </a:r>
+          </a:p>
+          <a:p>
+            <a:pPr marL="457200" indent="-457200">
+              <a:buFont typeface="Arial" panose="020B0604020202020204" pitchFamily="34" charset="0"/>
+              <a:buChar char="•"/>
+            </a:pPr>
+            <a:r>
+              <a:rPr lang="en-US" sz="3200" dirty="0"/>
+              <a:t>128 LSTM nodes</a:t>
+            </a:r>
+          </a:p>
+          <a:p>
+            <a:pPr marL="457200" indent="-457200">
+              <a:buFont typeface="Arial" panose="020B0604020202020204" pitchFamily="34" charset="0"/>
+              <a:buChar char="•"/>
+            </a:pPr>
+            <a:r>
+              <a:rPr lang="en-US" sz="3200" dirty="0"/>
+              <a:t>64 LSTM nodes</a:t>
+            </a:r>
+          </a:p>
+          <a:p>
+            <a:pPr marL="457200" indent="-457200">
+              <a:buFont typeface="Arial" panose="020B0604020202020204" pitchFamily="34" charset="0"/>
+              <a:buChar char="•"/>
+            </a:pPr>
+            <a:r>
+              <a:rPr lang="en-US" sz="3200" dirty="0"/>
+              <a:t>32 LSTM nodes</a:t>
+            </a:r>
+          </a:p>
+          <a:p>
+            <a:pPr marL="457200" indent="-457200">
+              <a:buFont typeface="Arial" panose="020B0604020202020204" pitchFamily="34" charset="0"/>
+              <a:buChar char="•"/>
+            </a:pPr>
+            <a:r>
+              <a:rPr lang="en-US" sz="3200" dirty="0"/>
+              <a:t>10 Dense nodes</a:t>
+            </a:r>
+          </a:p>
+          <a:p>
+            <a:pPr marL="457200" indent="-457200">
+              <a:buFont typeface="Arial" panose="020B0604020202020204" pitchFamily="34" charset="0"/>
+              <a:buChar char="•"/>
+            </a:pPr>
+            <a:r>
+              <a:rPr lang="en-US" sz="3200" dirty="0"/>
+              <a:t>Output</a:t>
+            </a:r>
+          </a:p>
+          <a:p>
+            <a:pPr algn="ctr"/>
+            <a:r>
+              <a:rPr lang="en-US" sz="4000" b="1" dirty="0">
                 <a:solidFill>
                   <a:schemeClr val="accent1"/>
                 </a:solidFill>
               </a:rPr>
-              <a:t>Input Gate</a:t>
-            </a:r>
-          </a:p>
-          <a:p>
-            <a:endParaRPr lang="en-US" sz="3000" dirty="0">
-              <a:solidFill>
-                <a:schemeClr val="accent1"/>
-              </a:solidFill>
-            </a:endParaRPr>
-          </a:p>
-          <a:p>
-            <a:r>
-              <a:rPr lang="en-US" sz="3000" dirty="0">
-                <a:solidFill>
-                  <a:schemeClr val="accent1"/>
-                </a:solidFill>
-              </a:rPr>
-              <a:t>New Candidate Values</a:t>
-            </a:r>
-          </a:p>
-          <a:p>
-            <a:endParaRPr lang="en-US" sz="3000" dirty="0">
-              <a:solidFill>
-                <a:schemeClr val="accent1"/>
-              </a:solidFill>
-            </a:endParaRPr>
-          </a:p>
-          <a:p>
-            <a:r>
-              <a:rPr lang="en-US" sz="3000" dirty="0">
-                <a:solidFill>
-                  <a:schemeClr val="accent1"/>
-                </a:solidFill>
-              </a:rPr>
-              <a:t>New Cell State</a:t>
-            </a:r>
-          </a:p>
-          <a:p>
-            <a:endParaRPr lang="en-US" sz="3000" dirty="0">
-              <a:solidFill>
-                <a:schemeClr val="accent1"/>
-              </a:solidFill>
-            </a:endParaRPr>
-          </a:p>
-          <a:p>
-            <a:r>
-              <a:rPr lang="en-US" sz="3000" dirty="0">
-                <a:solidFill>
-                  <a:schemeClr val="accent1"/>
-                </a:solidFill>
-              </a:rPr>
-              <a:t>Output Gate</a:t>
-            </a:r>
-          </a:p>
-          <a:p>
-            <a:endParaRPr lang="en-US" sz="3000" dirty="0">
-              <a:solidFill>
-                <a:schemeClr val="accent1"/>
-              </a:solidFill>
-            </a:endParaRPr>
-          </a:p>
-          <a:p>
-            <a:r>
-              <a:rPr lang="en-US" sz="3000" dirty="0">
-                <a:solidFill>
-                  <a:schemeClr val="accent1"/>
-                </a:solidFill>
-              </a:rPr>
-              <a:t>Output Value</a:t>
+              <a:t>Results</a:t>
+            </a:r>
+          </a:p>
+          <a:p>
+            <a:pPr marL="457200" indent="-457200">
+              <a:buFont typeface="Arial" panose="020B0604020202020204" pitchFamily="34" charset="0"/>
+              <a:buChar char="•"/>
+            </a:pPr>
+            <a:r>
+              <a:rPr lang="en-US" sz="3200" dirty="0"/>
+              <a:t>Predicting 31 days ahead using last batch of training data (31 days)</a:t>
+            </a:r>
+          </a:p>
+          <a:p>
+            <a:pPr marL="457200" indent="-457200">
+              <a:buFont typeface="Arial" panose="020B0604020202020204" pitchFamily="34" charset="0"/>
+              <a:buChar char="•"/>
+            </a:pPr>
+            <a:r>
+              <a:rPr lang="en-US" sz="3200" dirty="0"/>
+              <a:t>Compared on MSE</a:t>
+            </a:r>
+          </a:p>
+          <a:p>
+            <a:pPr marL="1893888" lvl="1" indent="-457200">
+              <a:buFont typeface="Arial" panose="020B0604020202020204" pitchFamily="34" charset="0"/>
+              <a:buChar char="•"/>
+            </a:pPr>
+            <a:r>
+              <a:rPr lang="en-US" sz="3200" dirty="0"/>
+              <a:t>LSTM: 7.2</a:t>
+            </a:r>
+          </a:p>
+          <a:p>
+            <a:pPr marL="1893888" lvl="1" indent="-457200">
+              <a:buFont typeface="Arial" panose="020B0604020202020204" pitchFamily="34" charset="0"/>
+              <a:buChar char="•"/>
+            </a:pPr>
+            <a:r>
+              <a:rPr lang="en-US" sz="3200" dirty="0"/>
+              <a:t>ARIMA: 270.3</a:t>
             </a:r>
           </a:p>
         </p:txBody>
       </p:sp>
-      <p:pic>
-        <p:nvPicPr>
-          <p:cNvPr id="29" name="Picture 28" descr="A black text on a white background&#10;&#10;Description automatically generated">
-            <a:extLst>
-              <a:ext uri="{FF2B5EF4-FFF2-40B4-BE49-F238E27FC236}">
-                <a16:creationId xmlns:a16="http://schemas.microsoft.com/office/drawing/2014/main" id="{453D1EB2-9B18-9A12-E893-8915E2658824}"/>
-              </a:ext>
-            </a:extLst>
-          </p:cNvPr>
-          <p:cNvPicPr>
-            <a:picLocks noChangeAspect="1"/>
-          </p:cNvPicPr>
-          <p:nvPr/>
-        </p:nvPicPr>
-        <p:blipFill>
-          <a:blip r:embed="rId9">
-            <a:extLst>
-              <a:ext uri="{28A0092B-C50C-407E-A947-70E740481C1C}">
-                <a14:useLocalDpi xmlns:a14="http://schemas.microsoft.com/office/drawing/2010/main" val="0"/>
-              </a:ext>
-            </a:extLst>
-          </a:blip>
-          <a:stretch>
-            <a:fillRect/>
-          </a:stretch>
-        </p:blipFill>
-        <p:spPr>
-          <a:xfrm>
-            <a:off x="13320002" y="12141582"/>
-            <a:ext cx="2600344" cy="366715"/>
-          </a:xfrm>
-          <a:prstGeom prst="rect">
-            <a:avLst/>
-          </a:prstGeom>
-        </p:spPr>
-      </p:pic>
-      <p:pic>
-        <p:nvPicPr>
-          <p:cNvPr id="31" name="Picture 30" descr="A black text on a white background&#10;&#10;Description automatically generated">
-            <a:extLst>
-              <a:ext uri="{FF2B5EF4-FFF2-40B4-BE49-F238E27FC236}">
-                <a16:creationId xmlns:a16="http://schemas.microsoft.com/office/drawing/2014/main" id="{91269AEC-3530-6CA1-C6BB-520A0492ABFC}"/>
-              </a:ext>
-            </a:extLst>
-          </p:cNvPr>
-          <p:cNvPicPr>
-            <a:picLocks noChangeAspect="1"/>
-          </p:cNvPicPr>
-          <p:nvPr/>
-        </p:nvPicPr>
-        <p:blipFill>
-          <a:blip r:embed="rId10">
-            <a:extLst>
-              <a:ext uri="{28A0092B-C50C-407E-A947-70E740481C1C}">
-                <a14:useLocalDpi xmlns:a14="http://schemas.microsoft.com/office/drawing/2010/main" val="0"/>
-              </a:ext>
-            </a:extLst>
-          </a:blip>
-          <a:stretch>
-            <a:fillRect/>
-          </a:stretch>
-        </p:blipFill>
-        <p:spPr>
-          <a:xfrm>
-            <a:off x="13434994" y="13059174"/>
-            <a:ext cx="2490806" cy="323852"/>
-          </a:xfrm>
-          <a:prstGeom prst="rect">
-            <a:avLst/>
-          </a:prstGeom>
-        </p:spPr>
-      </p:pic>
-      <p:pic>
-        <p:nvPicPr>
-          <p:cNvPr id="33" name="Picture 32" descr="A black text on a white background&#10;&#10;Description automatically generated">
-            <a:extLst>
-              <a:ext uri="{FF2B5EF4-FFF2-40B4-BE49-F238E27FC236}">
-                <a16:creationId xmlns:a16="http://schemas.microsoft.com/office/drawing/2014/main" id="{E0D27425-635B-14EE-DBC1-78872C7AC7EF}"/>
-              </a:ext>
-            </a:extLst>
-          </p:cNvPr>
-          <p:cNvPicPr>
-            <a:picLocks noChangeAspect="1"/>
-          </p:cNvPicPr>
-          <p:nvPr/>
-        </p:nvPicPr>
-        <p:blipFill>
-          <a:blip r:embed="rId11">
-            <a:extLst>
-              <a:ext uri="{28A0092B-C50C-407E-A947-70E740481C1C}">
-                <a14:useLocalDpi xmlns:a14="http://schemas.microsoft.com/office/drawing/2010/main" val="0"/>
-              </a:ext>
-            </a:extLst>
-          </a:blip>
-          <a:stretch>
-            <a:fillRect/>
-          </a:stretch>
-        </p:blipFill>
-        <p:spPr>
-          <a:xfrm>
-            <a:off x="13086376" y="13916379"/>
-            <a:ext cx="2900384" cy="400053"/>
-          </a:xfrm>
-          <a:prstGeom prst="rect">
-            <a:avLst/>
-          </a:prstGeom>
-        </p:spPr>
-      </p:pic>
-      <p:pic>
-        <p:nvPicPr>
-          <p:cNvPr id="35" name="Picture 34" descr="A black and white text&#10;&#10;Description automatically generated">
-            <a:extLst>
-              <a:ext uri="{FF2B5EF4-FFF2-40B4-BE49-F238E27FC236}">
-                <a16:creationId xmlns:a16="http://schemas.microsoft.com/office/drawing/2014/main" id="{A711A0F1-C1E0-ECF9-D50D-E06E615994B9}"/>
-              </a:ext>
-            </a:extLst>
-          </p:cNvPr>
-          <p:cNvPicPr>
-            <a:picLocks noChangeAspect="1"/>
-          </p:cNvPicPr>
-          <p:nvPr/>
-        </p:nvPicPr>
-        <p:blipFill>
-          <a:blip r:embed="rId12">
-            <a:extLst>
-              <a:ext uri="{28A0092B-C50C-407E-A947-70E740481C1C}">
-                <a14:useLocalDpi xmlns:a14="http://schemas.microsoft.com/office/drawing/2010/main" val="0"/>
-              </a:ext>
-            </a:extLst>
-          </a:blip>
-          <a:stretch>
-            <a:fillRect/>
-          </a:stretch>
-        </p:blipFill>
-        <p:spPr>
-          <a:xfrm>
-            <a:off x="13920762" y="14850140"/>
-            <a:ext cx="2009790" cy="314327"/>
-          </a:xfrm>
-          <a:prstGeom prst="rect">
-            <a:avLst/>
-          </a:prstGeom>
-        </p:spPr>
-      </p:pic>
-      <p:pic>
-        <p:nvPicPr>
-          <p:cNvPr id="37" name="Picture 36" descr="A black text on a white background&#10;&#10;Description automatically generated">
-            <a:extLst>
-              <a:ext uri="{FF2B5EF4-FFF2-40B4-BE49-F238E27FC236}">
-                <a16:creationId xmlns:a16="http://schemas.microsoft.com/office/drawing/2014/main" id="{60B75BB4-CA0E-F69E-61CC-51D95B62E141}"/>
-              </a:ext>
-            </a:extLst>
-          </p:cNvPr>
-          <p:cNvPicPr>
-            <a:picLocks noChangeAspect="1"/>
-          </p:cNvPicPr>
-          <p:nvPr/>
-        </p:nvPicPr>
-        <p:blipFill>
-          <a:blip r:embed="rId13">
-            <a:extLst>
-              <a:ext uri="{28A0092B-C50C-407E-A947-70E740481C1C}">
-                <a14:useLocalDpi xmlns:a14="http://schemas.microsoft.com/office/drawing/2010/main" val="0"/>
-              </a:ext>
-            </a:extLst>
-          </a:blip>
-          <a:stretch>
-            <a:fillRect/>
-          </a:stretch>
-        </p:blipFill>
-        <p:spPr>
-          <a:xfrm>
-            <a:off x="13309612" y="15831751"/>
-            <a:ext cx="2624157" cy="357190"/>
-          </a:xfrm>
-          <a:prstGeom prst="rect">
-            <a:avLst/>
-          </a:prstGeom>
-        </p:spPr>
-      </p:pic>
-      <p:pic>
-        <p:nvPicPr>
-          <p:cNvPr id="39" name="Picture 38" descr="A black text with a dot&#10;&#10;Description automatically generated">
-            <a:extLst>
-              <a:ext uri="{FF2B5EF4-FFF2-40B4-BE49-F238E27FC236}">
-                <a16:creationId xmlns:a16="http://schemas.microsoft.com/office/drawing/2014/main" id="{70A2E3BB-7C51-C378-B8BC-F84A27B79325}"/>
-              </a:ext>
-            </a:extLst>
-          </p:cNvPr>
-          <p:cNvPicPr>
-            <a:picLocks noChangeAspect="1"/>
-          </p:cNvPicPr>
-          <p:nvPr/>
-        </p:nvPicPr>
-        <p:blipFill>
-          <a:blip r:embed="rId14">
-            <a:extLst>
-              <a:ext uri="{28A0092B-C50C-407E-A947-70E740481C1C}">
-                <a14:useLocalDpi xmlns:a14="http://schemas.microsoft.com/office/drawing/2010/main" val="0"/>
-              </a:ext>
-            </a:extLst>
-          </a:blip>
-          <a:stretch>
-            <a:fillRect/>
-          </a:stretch>
-        </p:blipFill>
-        <p:spPr>
-          <a:xfrm>
-            <a:off x="14135087" y="16678720"/>
-            <a:ext cx="1828813" cy="381003"/>
-          </a:xfrm>
-          <a:prstGeom prst="rect">
-            <a:avLst/>
-          </a:prstGeom>
-        </p:spPr>
-      </p:pic>
     </p:spTree>
     <p:extLst>
       <p:ext uri="{BB962C8B-B14F-4D97-AF65-F5344CB8AC3E}">
@@ -14135,26 +14562,6 @@
 </file>
 
 <file path=customXml/item1.xml><?xml version="1.0" encoding="utf-8"?>
-<p:properties xmlns:p="http://schemas.microsoft.com/office/2006/metadata/properties" xmlns:xsi="http://www.w3.org/2001/XMLSchema-instance" xmlns:pc="http://schemas.microsoft.com/office/infopath/2007/PartnerControls">
-  <documentManagement>
-    <lcf76f155ced4ddcb4097134ff3c332f xmlns="d0d0097c-64f4-4e3b-99a3-bc1c796771ba">
-      <Terms xmlns="http://schemas.microsoft.com/office/infopath/2007/PartnerControls"/>
-    </lcf76f155ced4ddcb4097134ff3c332f>
-    <TaxCatchAll xmlns="a7e95da2-8946-49ae-a42c-eac0e2e49090" xsi:nil="true"/>
-  </documentManagement>
-</p:properties>
-</file>
-
-<file path=customXml/item2.xml><?xml version="1.0" encoding="utf-8"?>
-<?mso-contentType ?>
-<FormTemplates xmlns="http://schemas.microsoft.com/sharepoint/v3/contenttype/forms">
-  <Display>DocumentLibraryForm</Display>
-  <Edit>DocumentLibraryForm</Edit>
-  <New>DocumentLibraryForm</New>
-</FormTemplates>
-</file>
-
-<file path=customXml/item3.xml><?xml version="1.0" encoding="utf-8"?>
 <ct:contentTypeSchema xmlns:ct="http://schemas.microsoft.com/office/2006/metadata/contentType" xmlns:ma="http://schemas.microsoft.com/office/2006/metadata/properties/metaAttributes" ct:_="" ma:_="" ma:contentTypeName="Document" ma:contentTypeID="0x010100DC58E895C404BE40B8E18D2FE0DE171E" ma:contentTypeVersion="15" ma:contentTypeDescription="Create a new document." ma:contentTypeScope="" ma:versionID="e3b50e3d3966c5dce05a9c59b7961e98">
   <xsd:schema xmlns:xsd="http://www.w3.org/2001/XMLSchema" xmlns:xs="http://www.w3.org/2001/XMLSchema" xmlns:p="http://schemas.microsoft.com/office/2006/metadata/properties" xmlns:ns2="d0d0097c-64f4-4e3b-99a3-bc1c796771ba" xmlns:ns3="a7e95da2-8946-49ae-a42c-eac0e2e49090" targetNamespace="http://schemas.microsoft.com/office/2006/metadata/properties" ma:root="true" ma:fieldsID="846743cf0710f7e7c5b0659fc053b820" ns2:_="" ns3:_="">
     <xsd:import namespace="d0d0097c-64f4-4e3b-99a3-bc1c796771ba"/>
@@ -14385,26 +14792,27 @@
 </ct:contentTypeSchema>
 </file>
 
-<file path=customXml/itemProps1.xml><?xml version="1.0" encoding="utf-8"?>
-<ds:datastoreItem xmlns:ds="http://schemas.openxmlformats.org/officeDocument/2006/customXml" ds:itemID="{043E23B3-DF4A-4430-99EE-26D50DF888E5}">
-  <ds:schemaRefs>
-    <ds:schemaRef ds:uri="http://schemas.microsoft.com/office/2006/metadata/properties"/>
-    <ds:schemaRef ds:uri="http://schemas.microsoft.com/office/infopath/2007/PartnerControls"/>
-    <ds:schemaRef ds:uri="d0d0097c-64f4-4e3b-99a3-bc1c796771ba"/>
-    <ds:schemaRef ds:uri="a7e95da2-8946-49ae-a42c-eac0e2e49090"/>
-  </ds:schemaRefs>
-</ds:datastoreItem>
+<file path=customXml/item2.xml><?xml version="1.0" encoding="utf-8"?>
+<?mso-contentType ?>
+<FormTemplates xmlns="http://schemas.microsoft.com/sharepoint/v3/contenttype/forms">
+  <Display>DocumentLibraryForm</Display>
+  <Edit>DocumentLibraryForm</Edit>
+  <New>DocumentLibraryForm</New>
+</FormTemplates>
 </file>
 
-<file path=customXml/itemProps2.xml><?xml version="1.0" encoding="utf-8"?>
-<ds:datastoreItem xmlns:ds="http://schemas.openxmlformats.org/officeDocument/2006/customXml" ds:itemID="{E7CBD2F7-3565-4EC3-A19A-418CF48FD40C}">
-  <ds:schemaRefs>
-    <ds:schemaRef ds:uri="http://schemas.microsoft.com/sharepoint/v3/contenttype/forms"/>
-  </ds:schemaRefs>
-</ds:datastoreItem>
+<file path=customXml/item3.xml><?xml version="1.0" encoding="utf-8"?>
+<p:properties xmlns:p="http://schemas.microsoft.com/office/2006/metadata/properties" xmlns:xsi="http://www.w3.org/2001/XMLSchema-instance" xmlns:pc="http://schemas.microsoft.com/office/infopath/2007/PartnerControls">
+  <documentManagement>
+    <lcf76f155ced4ddcb4097134ff3c332f xmlns="d0d0097c-64f4-4e3b-99a3-bc1c796771ba">
+      <Terms xmlns="http://schemas.microsoft.com/office/infopath/2007/PartnerControls"/>
+    </lcf76f155ced4ddcb4097134ff3c332f>
+    <TaxCatchAll xmlns="a7e95da2-8946-49ae-a42c-eac0e2e49090" xsi:nil="true"/>
+  </documentManagement>
+</p:properties>
 </file>
 
-<file path=customXml/itemProps3.xml><?xml version="1.0" encoding="utf-8"?>
+<file path=customXml/itemProps1.xml><?xml version="1.0" encoding="utf-8"?>
 <ds:datastoreItem xmlns:ds="http://schemas.openxmlformats.org/officeDocument/2006/customXml" ds:itemID="{E8B4DDAE-604A-4778-BDB0-C834633F1A3E}">
   <ds:schemaRefs>
     <ds:schemaRef ds:uri="http://schemas.microsoft.com/office/2006/metadata/contentType"/>
@@ -14421,4 +14829,23 @@
     <ds:schemaRef ds:uri="http://schemas.microsoft.com/internal/obd"/>
   </ds:schemaRefs>
 </ds:datastoreItem>
+</file>
+
+<file path=customXml/itemProps2.xml><?xml version="1.0" encoding="utf-8"?>
+<ds:datastoreItem xmlns:ds="http://schemas.openxmlformats.org/officeDocument/2006/customXml" ds:itemID="{E7CBD2F7-3565-4EC3-A19A-418CF48FD40C}">
+  <ds:schemaRefs>
+    <ds:schemaRef ds:uri="http://schemas.microsoft.com/sharepoint/v3/contenttype/forms"/>
+  </ds:schemaRefs>
+</ds:datastoreItem>
+</file>
+
+<file path=customXml/itemProps3.xml><?xml version="1.0" encoding="utf-8"?>
+<ds:datastoreItem xmlns:ds="http://schemas.openxmlformats.org/officeDocument/2006/customXml" ds:itemID="{043E23B3-DF4A-4430-99EE-26D50DF888E5}">
+  <ds:schemaRefs>
+    <ds:schemaRef ds:uri="http://schemas.microsoft.com/office/2006/metadata/properties"/>
+    <ds:schemaRef ds:uri="http://schemas.microsoft.com/office/infopath/2007/PartnerControls"/>
+    <ds:schemaRef ds:uri="d0d0097c-64f4-4e3b-99a3-bc1c796771ba"/>
+    <ds:schemaRef ds:uri="a7e95da2-8946-49ae-a42c-eac0e2e49090"/>
+  </ds:schemaRefs>
+</ds:datastoreItem>
 </file>
--- a/Deliverables/Presentation/Writing_Project_Poster.pptx
+++ b/Deliverables/Presentation/Writing_Project_Poster.pptx
@@ -5871,14 +5871,14 @@
           </a:ln>
           <a:extLst>
             <a:ext uri="{909E8E84-426E-40dd-AFC4-6F175D3DCCD1}">
-              <a14:hiddenFill xmlns:a14="http://schemas.microsoft.com/office/drawing/2010/main" xmlns="">
+              <a14:hiddenFill xmlns="" xmlns:a14="http://schemas.microsoft.com/office/drawing/2010/main">
                 <a:solidFill>
                   <a:srgbClr val="FFFFFF"/>
                 </a:solidFill>
               </a14:hiddenFill>
             </a:ext>
             <a:ext uri="{91240B29-F687-4f45-9708-019B960494DF}">
-              <a14:hiddenLine xmlns:a14="http://schemas.microsoft.com/office/drawing/2010/main" xmlns="" w="9525">
+              <a14:hiddenLine xmlns="" xmlns:a14="http://schemas.microsoft.com/office/drawing/2010/main" w="9525">
                 <a:solidFill>
                   <a:srgbClr val="000000"/>
                 </a:solidFill>
@@ -6678,14 +6678,14 @@
           </a:ln>
           <a:extLst>
             <a:ext uri="{909E8E84-426E-40dd-AFC4-6F175D3DCCD1}">
-              <a14:hiddenFill xmlns:a14="http://schemas.microsoft.com/office/drawing/2010/main" xmlns="">
+              <a14:hiddenFill xmlns="" xmlns:a14="http://schemas.microsoft.com/office/drawing/2010/main">
                 <a:solidFill>
                   <a:srgbClr val="FFFFFF"/>
                 </a:solidFill>
               </a14:hiddenFill>
             </a:ext>
             <a:ext uri="{91240B29-F687-4f45-9708-019B960494DF}">
-              <a14:hiddenLine xmlns:a14="http://schemas.microsoft.com/office/drawing/2010/main" xmlns="" w="9525">
+              <a14:hiddenLine xmlns="" xmlns:a14="http://schemas.microsoft.com/office/drawing/2010/main" w="9525">
                 <a:solidFill>
                   <a:srgbClr val="000000"/>
                 </a:solidFill>
@@ -10735,14 +10735,14 @@
           </a:ln>
           <a:extLst>
             <a:ext uri="{909E8E84-426E-40dd-AFC4-6F175D3DCCD1}">
-              <a14:hiddenFill xmlns:a14="http://schemas.microsoft.com/office/drawing/2010/main" xmlns="">
+              <a14:hiddenFill xmlns="" xmlns:a14="http://schemas.microsoft.com/office/drawing/2010/main">
                 <a:solidFill>
                   <a:srgbClr val="FFFFFF"/>
                 </a:solidFill>
               </a14:hiddenFill>
             </a:ext>
             <a:ext uri="{91240B29-F687-4f45-9708-019B960494DF}">
-              <a14:hiddenLine xmlns:a14="http://schemas.microsoft.com/office/drawing/2010/main" xmlns="" w="9525">
+              <a14:hiddenLine xmlns="" xmlns:a14="http://schemas.microsoft.com/office/drawing/2010/main" w="9525">
                 <a:solidFill>
                   <a:srgbClr val="000000"/>
                 </a:solidFill>
@@ -12656,14 +12656,14 @@
           </a:ln>
           <a:extLst>
             <a:ext uri="{909E8E84-426E-40dd-AFC4-6F175D3DCCD1}">
-              <a14:hiddenFill xmlns:a14="http://schemas.microsoft.com/office/drawing/2010/main" xmlns="">
+              <a14:hiddenFill xmlns="" xmlns:a14="http://schemas.microsoft.com/office/drawing/2010/main">
                 <a:solidFill>
                   <a:srgbClr val="FFFFFF"/>
                 </a:solidFill>
               </a14:hiddenFill>
             </a:ext>
             <a:ext uri="{91240B29-F687-4f45-9708-019B960494DF}">
-              <a14:hiddenLine xmlns:a14="http://schemas.microsoft.com/office/drawing/2010/main" xmlns="" w="9525">
+              <a14:hiddenLine xmlns="" xmlns:a14="http://schemas.microsoft.com/office/drawing/2010/main" w="9525">
                 <a:solidFill>
                   <a:srgbClr val="000000"/>
                 </a:solidFill>
@@ -13236,7 +13236,7 @@
       </p:sp>
       <p:pic>
         <p:nvPicPr>
-          <p:cNvPr id="46" name="Picture 45" descr="A graph with a line and a line&#10;&#10;Description automatically generated with medium confidence">
+          <p:cNvPr id="46" name="Picture 45">
             <a:extLst>
               <a:ext uri="{FF2B5EF4-FFF2-40B4-BE49-F238E27FC236}">
                 <a16:creationId xmlns:a16="http://schemas.microsoft.com/office/drawing/2014/main" id="{D1D73D4D-7A5C-2B06-5063-2152D48331A7}"/>
@@ -13248,7 +13248,7 @@
           </p:cNvPicPr>
           <p:nvPr/>
         </p:nvPicPr>
-        <p:blipFill rotWithShape="1">
+        <p:blipFill>
           <a:blip r:embed="rId7">
             <a:extLst>
               <a:ext uri="{28A0092B-C50C-407E-A947-70E740481C1C}">
@@ -13256,7 +13256,7 @@
               </a:ext>
             </a:extLst>
           </a:blip>
-          <a:srcRect l="6200" t="3193" r="7522" b="4485"/>
+          <a:srcRect l="3273" r="3273"/>
           <a:stretch/>
         </p:blipFill>
         <p:spPr>
@@ -14562,6 +14562,26 @@
 </file>
 
 <file path=customXml/item1.xml><?xml version="1.0" encoding="utf-8"?>
+<p:properties xmlns:p="http://schemas.microsoft.com/office/2006/metadata/properties" xmlns:xsi="http://www.w3.org/2001/XMLSchema-instance" xmlns:pc="http://schemas.microsoft.com/office/infopath/2007/PartnerControls">
+  <documentManagement>
+    <lcf76f155ced4ddcb4097134ff3c332f xmlns="d0d0097c-64f4-4e3b-99a3-bc1c796771ba">
+      <Terms xmlns="http://schemas.microsoft.com/office/infopath/2007/PartnerControls"/>
+    </lcf76f155ced4ddcb4097134ff3c332f>
+    <TaxCatchAll xmlns="a7e95da2-8946-49ae-a42c-eac0e2e49090" xsi:nil="true"/>
+  </documentManagement>
+</p:properties>
+</file>
+
+<file path=customXml/item2.xml><?xml version="1.0" encoding="utf-8"?>
+<?mso-contentType ?>
+<FormTemplates xmlns="http://schemas.microsoft.com/sharepoint/v3/contenttype/forms">
+  <Display>DocumentLibraryForm</Display>
+  <Edit>DocumentLibraryForm</Edit>
+  <New>DocumentLibraryForm</New>
+</FormTemplates>
+</file>
+
+<file path=customXml/item3.xml><?xml version="1.0" encoding="utf-8"?>
 <ct:contentTypeSchema xmlns:ct="http://schemas.microsoft.com/office/2006/metadata/contentType" xmlns:ma="http://schemas.microsoft.com/office/2006/metadata/properties/metaAttributes" ct:_="" ma:_="" ma:contentTypeName="Document" ma:contentTypeID="0x010100DC58E895C404BE40B8E18D2FE0DE171E" ma:contentTypeVersion="15" ma:contentTypeDescription="Create a new document." ma:contentTypeScope="" ma:versionID="e3b50e3d3966c5dce05a9c59b7961e98">
   <xsd:schema xmlns:xsd="http://www.w3.org/2001/XMLSchema" xmlns:xs="http://www.w3.org/2001/XMLSchema" xmlns:p="http://schemas.microsoft.com/office/2006/metadata/properties" xmlns:ns2="d0d0097c-64f4-4e3b-99a3-bc1c796771ba" xmlns:ns3="a7e95da2-8946-49ae-a42c-eac0e2e49090" targetNamespace="http://schemas.microsoft.com/office/2006/metadata/properties" ma:root="true" ma:fieldsID="846743cf0710f7e7c5b0659fc053b820" ns2:_="" ns3:_="">
     <xsd:import namespace="d0d0097c-64f4-4e3b-99a3-bc1c796771ba"/>
@@ -14792,27 +14812,26 @@
 </ct:contentTypeSchema>
 </file>
 
-<file path=customXml/item2.xml><?xml version="1.0" encoding="utf-8"?>
-<?mso-contentType ?>
-<FormTemplates xmlns="http://schemas.microsoft.com/sharepoint/v3/contenttype/forms">
-  <Display>DocumentLibraryForm</Display>
-  <Edit>DocumentLibraryForm</Edit>
-  <New>DocumentLibraryForm</New>
-</FormTemplates>
+<file path=customXml/itemProps1.xml><?xml version="1.0" encoding="utf-8"?>
+<ds:datastoreItem xmlns:ds="http://schemas.openxmlformats.org/officeDocument/2006/customXml" ds:itemID="{043E23B3-DF4A-4430-99EE-26D50DF888E5}">
+  <ds:schemaRefs>
+    <ds:schemaRef ds:uri="http://schemas.microsoft.com/office/2006/metadata/properties"/>
+    <ds:schemaRef ds:uri="http://schemas.microsoft.com/office/infopath/2007/PartnerControls"/>
+    <ds:schemaRef ds:uri="d0d0097c-64f4-4e3b-99a3-bc1c796771ba"/>
+    <ds:schemaRef ds:uri="a7e95da2-8946-49ae-a42c-eac0e2e49090"/>
+  </ds:schemaRefs>
+</ds:datastoreItem>
 </file>
 
-<file path=customXml/item3.xml><?xml version="1.0" encoding="utf-8"?>
-<p:properties xmlns:p="http://schemas.microsoft.com/office/2006/metadata/properties" xmlns:xsi="http://www.w3.org/2001/XMLSchema-instance" xmlns:pc="http://schemas.microsoft.com/office/infopath/2007/PartnerControls">
-  <documentManagement>
-    <lcf76f155ced4ddcb4097134ff3c332f xmlns="d0d0097c-64f4-4e3b-99a3-bc1c796771ba">
-      <Terms xmlns="http://schemas.microsoft.com/office/infopath/2007/PartnerControls"/>
-    </lcf76f155ced4ddcb4097134ff3c332f>
-    <TaxCatchAll xmlns="a7e95da2-8946-49ae-a42c-eac0e2e49090" xsi:nil="true"/>
-  </documentManagement>
-</p:properties>
+<file path=customXml/itemProps2.xml><?xml version="1.0" encoding="utf-8"?>
+<ds:datastoreItem xmlns:ds="http://schemas.openxmlformats.org/officeDocument/2006/customXml" ds:itemID="{E7CBD2F7-3565-4EC3-A19A-418CF48FD40C}">
+  <ds:schemaRefs>
+    <ds:schemaRef ds:uri="http://schemas.microsoft.com/sharepoint/v3/contenttype/forms"/>
+  </ds:schemaRefs>
+</ds:datastoreItem>
 </file>
 
-<file path=customXml/itemProps1.xml><?xml version="1.0" encoding="utf-8"?>
+<file path=customXml/itemProps3.xml><?xml version="1.0" encoding="utf-8"?>
 <ds:datastoreItem xmlns:ds="http://schemas.openxmlformats.org/officeDocument/2006/customXml" ds:itemID="{E8B4DDAE-604A-4778-BDB0-C834633F1A3E}">
   <ds:schemaRefs>
     <ds:schemaRef ds:uri="http://schemas.microsoft.com/office/2006/metadata/contentType"/>
@@ -14829,23 +14848,4 @@
     <ds:schemaRef ds:uri="http://schemas.microsoft.com/internal/obd"/>
   </ds:schemaRefs>
 </ds:datastoreItem>
-</file>
-
-<file path=customXml/itemProps2.xml><?xml version="1.0" encoding="utf-8"?>
-<ds:datastoreItem xmlns:ds="http://schemas.openxmlformats.org/officeDocument/2006/customXml" ds:itemID="{E7CBD2F7-3565-4EC3-A19A-418CF48FD40C}">
-  <ds:schemaRefs>
-    <ds:schemaRef ds:uri="http://schemas.microsoft.com/sharepoint/v3/contenttype/forms"/>
-  </ds:schemaRefs>
-</ds:datastoreItem>
-</file>
-
-<file path=customXml/itemProps3.xml><?xml version="1.0" encoding="utf-8"?>
-<ds:datastoreItem xmlns:ds="http://schemas.openxmlformats.org/officeDocument/2006/customXml" ds:itemID="{043E23B3-DF4A-4430-99EE-26D50DF888E5}">
-  <ds:schemaRefs>
-    <ds:schemaRef ds:uri="http://schemas.microsoft.com/office/2006/metadata/properties"/>
-    <ds:schemaRef ds:uri="http://schemas.microsoft.com/office/infopath/2007/PartnerControls"/>
-    <ds:schemaRef ds:uri="d0d0097c-64f4-4e3b-99a3-bc1c796771ba"/>
-    <ds:schemaRef ds:uri="a7e95da2-8946-49ae-a42c-eac0e2e49090"/>
-  </ds:schemaRefs>
-</ds:datastoreItem>
 </file>
--- a/Deliverables/Presentation/Writing_Project_Poster.pptx
+++ b/Deliverables/Presentation/Writing_Project_Poster.pptx
@@ -266,7 +266,7 @@
             <a:fld id="{00FA47F7-99C9-4EE5-BD1B-C21D2E1C298F}" type="datetimeFigureOut">
               <a:rPr lang="en-US" altLang="en-US"/>
               <a:pPr/>
-              <a:t>3/19/2024</a:t>
+              <a:t>3/21/2024</a:t>
             </a:fld>
             <a:endParaRPr lang="en-US" altLang="en-US"/>
           </a:p>
@@ -1341,7 +1341,7 @@
             <a:fld id="{72814412-53BC-4F43-A232-FDB6B57F88B3}" type="datetimeFigureOut">
               <a:rPr lang="en-US" altLang="en-US"/>
               <a:pPr/>
-              <a:t>3/19/2024</a:t>
+              <a:t>3/21/2024</a:t>
             </a:fld>
             <a:endParaRPr lang="en-US" altLang="en-US"/>
           </a:p>
@@ -1544,7 +1544,7 @@
             <a:fld id="{0F3A82DB-4A48-4A53-9048-C0969ECD3E2C}" type="datetimeFigureOut">
               <a:rPr lang="en-US" altLang="en-US"/>
               <a:pPr/>
-              <a:t>3/19/2024</a:t>
+              <a:t>3/21/2024</a:t>
             </a:fld>
             <a:endParaRPr lang="en-US" altLang="en-US"/>
           </a:p>
@@ -1757,7 +1757,7 @@
             <a:fld id="{33748C70-587F-46B3-915A-27D74F0B0FC2}" type="datetimeFigureOut">
               <a:rPr lang="en-US" altLang="en-US"/>
               <a:pPr/>
-              <a:t>3/19/2024</a:t>
+              <a:t>3/21/2024</a:t>
             </a:fld>
             <a:endParaRPr lang="en-US" altLang="en-US"/>
           </a:p>
@@ -1960,7 +1960,7 @@
             <a:fld id="{026C2D46-3CA2-410F-AFF6-6B62E5A53E13}" type="datetimeFigureOut">
               <a:rPr lang="en-US" altLang="en-US"/>
               <a:pPr/>
-              <a:t>3/19/2024</a:t>
+              <a:t>3/21/2024</a:t>
             </a:fld>
             <a:endParaRPr lang="en-US" altLang="en-US"/>
           </a:p>
@@ -2240,7 +2240,7 @@
             <a:fld id="{2FD40994-E7FE-418E-AA2B-4F9B8268DCA3}" type="datetimeFigureOut">
               <a:rPr lang="en-US" altLang="en-US"/>
               <a:pPr/>
-              <a:t>3/19/2024</a:t>
+              <a:t>3/21/2024</a:t>
             </a:fld>
             <a:endParaRPr lang="en-US" altLang="en-US"/>
           </a:p>
@@ -2560,7 +2560,7 @@
             <a:fld id="{AD3F1DCD-4768-4E9B-B2BF-05FFEF567CCF}" type="datetimeFigureOut">
               <a:rPr lang="en-US" altLang="en-US"/>
               <a:pPr/>
-              <a:t>3/19/2024</a:t>
+              <a:t>3/21/2024</a:t>
             </a:fld>
             <a:endParaRPr lang="en-US" altLang="en-US"/>
           </a:p>
@@ -3019,7 +3019,7 @@
             <a:fld id="{6637187A-5908-4908-A4D6-79AB41DAC0CF}" type="datetimeFigureOut">
               <a:rPr lang="en-US" altLang="en-US"/>
               <a:pPr/>
-              <a:t>3/19/2024</a:t>
+              <a:t>3/21/2024</a:t>
             </a:fld>
             <a:endParaRPr lang="en-US" altLang="en-US"/>
           </a:p>
@@ -3171,7 +3171,7 @@
             <a:fld id="{8DA2F5F6-585C-442D-9124-DAE45CBD89C8}" type="datetimeFigureOut">
               <a:rPr lang="en-US" altLang="en-US"/>
               <a:pPr/>
-              <a:t>3/19/2024</a:t>
+              <a:t>3/21/2024</a:t>
             </a:fld>
             <a:endParaRPr lang="en-US" altLang="en-US"/>
           </a:p>
@@ -3301,7 +3301,7 @@
             <a:fld id="{17FFB33C-5AA9-4BEC-9C08-B6B598FFBB5E}" type="datetimeFigureOut">
               <a:rPr lang="en-US" altLang="en-US"/>
               <a:pPr/>
-              <a:t>3/19/2024</a:t>
+              <a:t>3/21/2024</a:t>
             </a:fld>
             <a:endParaRPr lang="en-US" altLang="en-US"/>
           </a:p>
@@ -3611,7 +3611,7 @@
             <a:fld id="{9FDBC270-2C77-4D67-A2AF-0D3DE25411AD}" type="datetimeFigureOut">
               <a:rPr lang="en-US" altLang="en-US"/>
               <a:pPr/>
-              <a:t>3/19/2024</a:t>
+              <a:t>3/21/2024</a:t>
             </a:fld>
             <a:endParaRPr lang="en-US" altLang="en-US"/>
           </a:p>
@@ -3901,7 +3901,7 @@
             <a:fld id="{313FA76A-0515-4A97-B5FA-3CAAE0DE08C5}" type="datetimeFigureOut">
               <a:rPr lang="en-US" altLang="en-US"/>
               <a:pPr/>
-              <a:t>3/19/2024</a:t>
+              <a:t>3/21/2024</a:t>
             </a:fld>
             <a:endParaRPr lang="en-US" altLang="en-US"/>
           </a:p>
@@ -4212,7 +4212,7 @@
             <a:fld id="{5E287209-36EF-4B16-96C3-7AE719E4A284}" type="datetimeFigureOut">
               <a:rPr lang="en-US" altLang="en-US"/>
               <a:pPr/>
-              <a:t>3/19/2024</a:t>
+              <a:t>3/21/2024</a:t>
             </a:fld>
             <a:endParaRPr lang="en-US" altLang="en-US"/>
           </a:p>
@@ -5871,14 +5871,14 @@
           </a:ln>
           <a:extLst>
             <a:ext uri="{909E8E84-426E-40dd-AFC4-6F175D3DCCD1}">
-              <a14:hiddenFill xmlns="" xmlns:a14="http://schemas.microsoft.com/office/drawing/2010/main">
+              <a14:hiddenFill xmlns:a14="http://schemas.microsoft.com/office/drawing/2010/main" xmlns="">
                 <a:solidFill>
                   <a:srgbClr val="FFFFFF"/>
                 </a:solidFill>
               </a14:hiddenFill>
             </a:ext>
             <a:ext uri="{91240B29-F687-4f45-9708-019B960494DF}">
-              <a14:hiddenLine xmlns="" xmlns:a14="http://schemas.microsoft.com/office/drawing/2010/main" w="9525">
+              <a14:hiddenLine xmlns:a14="http://schemas.microsoft.com/office/drawing/2010/main" xmlns="" w="9525">
                 <a:solidFill>
                   <a:srgbClr val="000000"/>
                 </a:solidFill>
@@ -6184,7 +6184,7 @@
       </p:sp>
       <p:pic>
         <p:nvPicPr>
-          <p:cNvPr id="14351" name="Picture 2" descr="StatisticalConsultingResearchServicesUI_vertical2color.jpg">
+          <p:cNvPr id="14351" name="Picture 2">
             <a:extLst>
               <a:ext uri="{FF2B5EF4-FFF2-40B4-BE49-F238E27FC236}">
                 <a16:creationId xmlns:a16="http://schemas.microsoft.com/office/drawing/2014/main" id="{9EC97B92-EFA1-42F5-93D6-01F3C731C270}"/>
@@ -6205,14 +6205,12 @@
             </a:extLst>
           </a:blip>
           <a:srcRect/>
-          <a:stretch>
-            <a:fillRect/>
-          </a:stretch>
+          <a:stretch/>
         </p:blipFill>
         <p:spPr bwMode="auto">
           <a:xfrm>
-            <a:off x="31318200" y="1066800"/>
-            <a:ext cx="1371600" cy="1319213"/>
+            <a:off x="31318200" y="1212056"/>
+            <a:ext cx="1371600" cy="1028700"/>
           </a:xfrm>
           <a:prstGeom prst="rect">
             <a:avLst/>
@@ -6678,14 +6676,14 @@
           </a:ln>
           <a:extLst>
             <a:ext uri="{909E8E84-426E-40dd-AFC4-6F175D3DCCD1}">
-              <a14:hiddenFill xmlns="" xmlns:a14="http://schemas.microsoft.com/office/drawing/2010/main">
+              <a14:hiddenFill xmlns:a14="http://schemas.microsoft.com/office/drawing/2010/main" xmlns="">
                 <a:solidFill>
                   <a:srgbClr val="FFFFFF"/>
                 </a:solidFill>
               </a14:hiddenFill>
             </a:ext>
             <a:ext uri="{91240B29-F687-4f45-9708-019B960494DF}">
-              <a14:hiddenLine xmlns="" xmlns:a14="http://schemas.microsoft.com/office/drawing/2010/main" w="9525">
+              <a14:hiddenLine xmlns:a14="http://schemas.microsoft.com/office/drawing/2010/main" xmlns="" w="9525">
                 <a:solidFill>
                   <a:srgbClr val="000000"/>
                 </a:solidFill>
@@ -10480,7 +10478,7 @@
       </p:sp>
       <p:pic>
         <p:nvPicPr>
-          <p:cNvPr id="14351" name="Picture 2" descr="StatisticalConsultingResearchServicesUI_vertical2color.jpg">
+          <p:cNvPr id="14351" name="Picture 2">
             <a:extLst>
               <a:ext uri="{FF2B5EF4-FFF2-40B4-BE49-F238E27FC236}">
                 <a16:creationId xmlns:a16="http://schemas.microsoft.com/office/drawing/2014/main" id="{9EC97B92-EFA1-42F5-93D6-01F3C731C270}"/>
@@ -10501,14 +10499,12 @@
             </a:extLst>
           </a:blip>
           <a:srcRect/>
-          <a:stretch>
-            <a:fillRect/>
-          </a:stretch>
+          <a:stretch/>
         </p:blipFill>
         <p:spPr bwMode="auto">
           <a:xfrm>
-            <a:off x="31318200" y="1066800"/>
-            <a:ext cx="1371600" cy="1319213"/>
+            <a:off x="31318200" y="1212056"/>
+            <a:ext cx="1371600" cy="1028700"/>
           </a:xfrm>
           <a:prstGeom prst="rect">
             <a:avLst/>
@@ -10735,14 +10731,14 @@
           </a:ln>
           <a:extLst>
             <a:ext uri="{909E8E84-426E-40dd-AFC4-6F175D3DCCD1}">
-              <a14:hiddenFill xmlns="" xmlns:a14="http://schemas.microsoft.com/office/drawing/2010/main">
+              <a14:hiddenFill xmlns:a14="http://schemas.microsoft.com/office/drawing/2010/main" xmlns="">
                 <a:solidFill>
                   <a:srgbClr val="FFFFFF"/>
                 </a:solidFill>
               </a14:hiddenFill>
             </a:ext>
             <a:ext uri="{91240B29-F687-4f45-9708-019B960494DF}">
-              <a14:hiddenLine xmlns="" xmlns:a14="http://schemas.microsoft.com/office/drawing/2010/main" w="9525">
+              <a14:hiddenLine xmlns:a14="http://schemas.microsoft.com/office/drawing/2010/main" xmlns="" w="9525">
                 <a:solidFill>
                   <a:srgbClr val="000000"/>
                 </a:solidFill>
@@ -12656,14 +12652,14 @@
           </a:ln>
           <a:extLst>
             <a:ext uri="{909E8E84-426E-40dd-AFC4-6F175D3DCCD1}">
-              <a14:hiddenFill xmlns="" xmlns:a14="http://schemas.microsoft.com/office/drawing/2010/main">
+              <a14:hiddenFill xmlns:a14="http://schemas.microsoft.com/office/drawing/2010/main" xmlns="">
                 <a:solidFill>
                   <a:srgbClr val="FFFFFF"/>
                 </a:solidFill>
               </a14:hiddenFill>
             </a:ext>
             <a:ext uri="{91240B29-F687-4f45-9708-019B960494DF}">
-              <a14:hiddenLine xmlns="" xmlns:a14="http://schemas.microsoft.com/office/drawing/2010/main" w="9525">
+              <a14:hiddenLine xmlns:a14="http://schemas.microsoft.com/office/drawing/2010/main" xmlns="" w="9525">
                 <a:solidFill>
                   <a:srgbClr val="000000"/>
                 </a:solidFill>
@@ -14562,26 +14558,6 @@
 </file>
 
 <file path=customXml/item1.xml><?xml version="1.0" encoding="utf-8"?>
-<p:properties xmlns:p="http://schemas.microsoft.com/office/2006/metadata/properties" xmlns:xsi="http://www.w3.org/2001/XMLSchema-instance" xmlns:pc="http://schemas.microsoft.com/office/infopath/2007/PartnerControls">
-  <documentManagement>
-    <lcf76f155ced4ddcb4097134ff3c332f xmlns="d0d0097c-64f4-4e3b-99a3-bc1c796771ba">
-      <Terms xmlns="http://schemas.microsoft.com/office/infopath/2007/PartnerControls"/>
-    </lcf76f155ced4ddcb4097134ff3c332f>
-    <TaxCatchAll xmlns="a7e95da2-8946-49ae-a42c-eac0e2e49090" xsi:nil="true"/>
-  </documentManagement>
-</p:properties>
-</file>
-
-<file path=customXml/item2.xml><?xml version="1.0" encoding="utf-8"?>
-<?mso-contentType ?>
-<FormTemplates xmlns="http://schemas.microsoft.com/sharepoint/v3/contenttype/forms">
-  <Display>DocumentLibraryForm</Display>
-  <Edit>DocumentLibraryForm</Edit>
-  <New>DocumentLibraryForm</New>
-</FormTemplates>
-</file>
-
-<file path=customXml/item3.xml><?xml version="1.0" encoding="utf-8"?>
 <ct:contentTypeSchema xmlns:ct="http://schemas.microsoft.com/office/2006/metadata/contentType" xmlns:ma="http://schemas.microsoft.com/office/2006/metadata/properties/metaAttributes" ct:_="" ma:_="" ma:contentTypeName="Document" ma:contentTypeID="0x010100DC58E895C404BE40B8E18D2FE0DE171E" ma:contentTypeVersion="15" ma:contentTypeDescription="Create a new document." ma:contentTypeScope="" ma:versionID="e3b50e3d3966c5dce05a9c59b7961e98">
   <xsd:schema xmlns:xsd="http://www.w3.org/2001/XMLSchema" xmlns:xs="http://www.w3.org/2001/XMLSchema" xmlns:p="http://schemas.microsoft.com/office/2006/metadata/properties" xmlns:ns2="d0d0097c-64f4-4e3b-99a3-bc1c796771ba" xmlns:ns3="a7e95da2-8946-49ae-a42c-eac0e2e49090" targetNamespace="http://schemas.microsoft.com/office/2006/metadata/properties" ma:root="true" ma:fieldsID="846743cf0710f7e7c5b0659fc053b820" ns2:_="" ns3:_="">
     <xsd:import namespace="d0d0097c-64f4-4e3b-99a3-bc1c796771ba"/>
@@ -14812,26 +14788,27 @@
 </ct:contentTypeSchema>
 </file>
 
-<file path=customXml/itemProps1.xml><?xml version="1.0" encoding="utf-8"?>
-<ds:datastoreItem xmlns:ds="http://schemas.openxmlformats.org/officeDocument/2006/customXml" ds:itemID="{043E23B3-DF4A-4430-99EE-26D50DF888E5}">
-  <ds:schemaRefs>
-    <ds:schemaRef ds:uri="http://schemas.microsoft.com/office/2006/metadata/properties"/>
-    <ds:schemaRef ds:uri="http://schemas.microsoft.com/office/infopath/2007/PartnerControls"/>
-    <ds:schemaRef ds:uri="d0d0097c-64f4-4e3b-99a3-bc1c796771ba"/>
-    <ds:schemaRef ds:uri="a7e95da2-8946-49ae-a42c-eac0e2e49090"/>
-  </ds:schemaRefs>
-</ds:datastoreItem>
+<file path=customXml/item2.xml><?xml version="1.0" encoding="utf-8"?>
+<?mso-contentType ?>
+<FormTemplates xmlns="http://schemas.microsoft.com/sharepoint/v3/contenttype/forms">
+  <Display>DocumentLibraryForm</Display>
+  <Edit>DocumentLibraryForm</Edit>
+  <New>DocumentLibraryForm</New>
+</FormTemplates>
 </file>
 
-<file path=customXml/itemProps2.xml><?xml version="1.0" encoding="utf-8"?>
-<ds:datastoreItem xmlns:ds="http://schemas.openxmlformats.org/officeDocument/2006/customXml" ds:itemID="{E7CBD2F7-3565-4EC3-A19A-418CF48FD40C}">
-  <ds:schemaRefs>
-    <ds:schemaRef ds:uri="http://schemas.microsoft.com/sharepoint/v3/contenttype/forms"/>
-  </ds:schemaRefs>
-</ds:datastoreItem>
+<file path=customXml/item3.xml><?xml version="1.0" encoding="utf-8"?>
+<p:properties xmlns:p="http://schemas.microsoft.com/office/2006/metadata/properties" xmlns:xsi="http://www.w3.org/2001/XMLSchema-instance" xmlns:pc="http://schemas.microsoft.com/office/infopath/2007/PartnerControls">
+  <documentManagement>
+    <lcf76f155ced4ddcb4097134ff3c332f xmlns="d0d0097c-64f4-4e3b-99a3-bc1c796771ba">
+      <Terms xmlns="http://schemas.microsoft.com/office/infopath/2007/PartnerControls"/>
+    </lcf76f155ced4ddcb4097134ff3c332f>
+    <TaxCatchAll xmlns="a7e95da2-8946-49ae-a42c-eac0e2e49090" xsi:nil="true"/>
+  </documentManagement>
+</p:properties>
 </file>
 
-<file path=customXml/itemProps3.xml><?xml version="1.0" encoding="utf-8"?>
+<file path=customXml/itemProps1.xml><?xml version="1.0" encoding="utf-8"?>
 <ds:datastoreItem xmlns:ds="http://schemas.openxmlformats.org/officeDocument/2006/customXml" ds:itemID="{E8B4DDAE-604A-4778-BDB0-C834633F1A3E}">
   <ds:schemaRefs>
     <ds:schemaRef ds:uri="http://schemas.microsoft.com/office/2006/metadata/contentType"/>
@@ -14848,4 +14825,23 @@
     <ds:schemaRef ds:uri="http://schemas.microsoft.com/internal/obd"/>
   </ds:schemaRefs>
 </ds:datastoreItem>
+</file>
+
+<file path=customXml/itemProps2.xml><?xml version="1.0" encoding="utf-8"?>
+<ds:datastoreItem xmlns:ds="http://schemas.openxmlformats.org/officeDocument/2006/customXml" ds:itemID="{E7CBD2F7-3565-4EC3-A19A-418CF48FD40C}">
+  <ds:schemaRefs>
+    <ds:schemaRef ds:uri="http://schemas.microsoft.com/sharepoint/v3/contenttype/forms"/>
+  </ds:schemaRefs>
+</ds:datastoreItem>
+</file>
+
+<file path=customXml/itemProps3.xml><?xml version="1.0" encoding="utf-8"?>
+<ds:datastoreItem xmlns:ds="http://schemas.openxmlformats.org/officeDocument/2006/customXml" ds:itemID="{043E23B3-DF4A-4430-99EE-26D50DF888E5}">
+  <ds:schemaRefs>
+    <ds:schemaRef ds:uri="http://schemas.microsoft.com/office/2006/metadata/properties"/>
+    <ds:schemaRef ds:uri="http://schemas.microsoft.com/office/infopath/2007/PartnerControls"/>
+    <ds:schemaRef ds:uri="d0d0097c-64f4-4e3b-99a3-bc1c796771ba"/>
+    <ds:schemaRef ds:uri="a7e95da2-8946-49ae-a42c-eac0e2e49090"/>
+  </ds:schemaRefs>
+</ds:datastoreItem>
 </file>
--- a/Deliverables/Presentation/Writing_Project_Poster.pptx
+++ b/Deliverables/Presentation/Writing_Project_Poster.pptx
@@ -5871,14 +5871,14 @@
           </a:ln>
           <a:extLst>
             <a:ext uri="{909E8E84-426E-40dd-AFC4-6F175D3DCCD1}">
-              <a14:hiddenFill xmlns:a14="http://schemas.microsoft.com/office/drawing/2010/main" xmlns="">
+              <a14:hiddenFill xmlns="" xmlns:a14="http://schemas.microsoft.com/office/drawing/2010/main">
                 <a:solidFill>
                   <a:srgbClr val="FFFFFF"/>
                 </a:solidFill>
               </a14:hiddenFill>
             </a:ext>
             <a:ext uri="{91240B29-F687-4f45-9708-019B960494DF}">
-              <a14:hiddenLine xmlns:a14="http://schemas.microsoft.com/office/drawing/2010/main" xmlns="" w="9525">
+              <a14:hiddenLine xmlns="" xmlns:a14="http://schemas.microsoft.com/office/drawing/2010/main" w="9525">
                 <a:solidFill>
                   <a:srgbClr val="000000"/>
                 </a:solidFill>
@@ -6676,14 +6676,14 @@
           </a:ln>
           <a:extLst>
             <a:ext uri="{909E8E84-426E-40dd-AFC4-6F175D3DCCD1}">
-              <a14:hiddenFill xmlns:a14="http://schemas.microsoft.com/office/drawing/2010/main" xmlns="">
+              <a14:hiddenFill xmlns="" xmlns:a14="http://schemas.microsoft.com/office/drawing/2010/main">
                 <a:solidFill>
                   <a:srgbClr val="FFFFFF"/>
                 </a:solidFill>
               </a14:hiddenFill>
             </a:ext>
             <a:ext uri="{91240B29-F687-4f45-9708-019B960494DF}">
-              <a14:hiddenLine xmlns:a14="http://schemas.microsoft.com/office/drawing/2010/main" xmlns="" w="9525">
+              <a14:hiddenLine xmlns="" xmlns:a14="http://schemas.microsoft.com/office/drawing/2010/main" w="9525">
                 <a:solidFill>
                   <a:srgbClr val="000000"/>
                 </a:solidFill>
@@ -9011,7 +9011,7 @@
                   <a:srgbClr val="0070C0"/>
                 </a:solidFill>
               </a:rPr>
-              <a:t>Figure 6. LSTM Structure</a:t>
+              <a:t>Figure 3. LSTM Structure</a:t>
             </a:r>
           </a:p>
         </p:txBody>
@@ -9181,7 +9181,7 @@
                   <a:srgbClr val="0070C0"/>
                 </a:solidFill>
               </a:rPr>
-              <a:t>Figure 7. Memory Cells</a:t>
+              <a:t>Figure 4. Memory Cells</a:t>
             </a:r>
           </a:p>
         </p:txBody>
@@ -10731,14 +10731,14 @@
           </a:ln>
           <a:extLst>
             <a:ext uri="{909E8E84-426E-40dd-AFC4-6F175D3DCCD1}">
-              <a14:hiddenFill xmlns:a14="http://schemas.microsoft.com/office/drawing/2010/main" xmlns="">
+              <a14:hiddenFill xmlns="" xmlns:a14="http://schemas.microsoft.com/office/drawing/2010/main">
                 <a:solidFill>
                   <a:srgbClr val="FFFFFF"/>
                 </a:solidFill>
               </a14:hiddenFill>
             </a:ext>
             <a:ext uri="{91240B29-F687-4f45-9708-019B960494DF}">
-              <a14:hiddenLine xmlns:a14="http://schemas.microsoft.com/office/drawing/2010/main" xmlns="" w="9525">
+              <a14:hiddenLine xmlns="" xmlns:a14="http://schemas.microsoft.com/office/drawing/2010/main" w="9525">
                 <a:solidFill>
                   <a:srgbClr val="000000"/>
                 </a:solidFill>
@@ -12279,7 +12279,7 @@
                   <a:srgbClr val="0070C0"/>
                 </a:solidFill>
               </a:rPr>
-              <a:t>Figure 5. Imputed Data</a:t>
+              <a:t>Figure 7. Imputed Data</a:t>
             </a:r>
           </a:p>
         </p:txBody>
@@ -12449,7 +12449,7 @@
                   <a:srgbClr val="0070C0"/>
                 </a:solidFill>
               </a:rPr>
-              <a:t>Figure 4. Missingness Present in P33</a:t>
+              <a:t>Figure 6. Missingness Present in P33</a:t>
             </a:r>
           </a:p>
         </p:txBody>
@@ -12652,14 +12652,14 @@
           </a:ln>
           <a:extLst>
             <a:ext uri="{909E8E84-426E-40dd-AFC4-6F175D3DCCD1}">
-              <a14:hiddenFill xmlns:a14="http://schemas.microsoft.com/office/drawing/2010/main" xmlns="">
+              <a14:hiddenFill xmlns="" xmlns:a14="http://schemas.microsoft.com/office/drawing/2010/main">
                 <a:solidFill>
                   <a:srgbClr val="FFFFFF"/>
                 </a:solidFill>
               </a14:hiddenFill>
             </a:ext>
             <a:ext uri="{91240B29-F687-4f45-9708-019B960494DF}">
-              <a14:hiddenLine xmlns:a14="http://schemas.microsoft.com/office/drawing/2010/main" xmlns="" w="9525">
+              <a14:hiddenLine xmlns="" xmlns:a14="http://schemas.microsoft.com/office/drawing/2010/main" w="9525">
                 <a:solidFill>
                   <a:srgbClr val="000000"/>
                 </a:solidFill>
@@ -13055,7 +13055,7 @@
                   <a:srgbClr val="0070C0"/>
                 </a:solidFill>
               </a:rPr>
-              <a:t>Figure 8. EVER Stations</a:t>
+              <a:t>Figure 5. EVER Stations</a:t>
             </a:r>
           </a:p>
         </p:txBody>
@@ -13583,7 +13583,7 @@
                   <a:srgbClr val="0070C0"/>
                 </a:solidFill>
               </a:rPr>
-              <a:t>Figure 3. Forecast Comparison</a:t>
+              <a:t>Figure 8. Forecast Comparison</a:t>
             </a:r>
           </a:p>
         </p:txBody>
@@ -14558,6 +14558,15 @@
 </file>
 
 <file path=customXml/item1.xml><?xml version="1.0" encoding="utf-8"?>
+<?mso-contentType ?>
+<FormTemplates xmlns="http://schemas.microsoft.com/sharepoint/v3/contenttype/forms">
+  <Display>DocumentLibraryForm</Display>
+  <Edit>DocumentLibraryForm</Edit>
+  <New>DocumentLibraryForm</New>
+</FormTemplates>
+</file>
+
+<file path=customXml/item2.xml><?xml version="1.0" encoding="utf-8"?>
 <ct:contentTypeSchema xmlns:ct="http://schemas.microsoft.com/office/2006/metadata/contentType" xmlns:ma="http://schemas.microsoft.com/office/2006/metadata/properties/metaAttributes" ct:_="" ma:_="" ma:contentTypeName="Document" ma:contentTypeID="0x010100DC58E895C404BE40B8E18D2FE0DE171E" ma:contentTypeVersion="15" ma:contentTypeDescription="Create a new document." ma:contentTypeScope="" ma:versionID="e3b50e3d3966c5dce05a9c59b7961e98">
   <xsd:schema xmlns:xsd="http://www.w3.org/2001/XMLSchema" xmlns:xs="http://www.w3.org/2001/XMLSchema" xmlns:p="http://schemas.microsoft.com/office/2006/metadata/properties" xmlns:ns2="d0d0097c-64f4-4e3b-99a3-bc1c796771ba" xmlns:ns3="a7e95da2-8946-49ae-a42c-eac0e2e49090" targetNamespace="http://schemas.microsoft.com/office/2006/metadata/properties" ma:root="true" ma:fieldsID="846743cf0710f7e7c5b0659fc053b820" ns2:_="" ns3:_="">
     <xsd:import namespace="d0d0097c-64f4-4e3b-99a3-bc1c796771ba"/>
@@ -14788,15 +14797,6 @@
 </ct:contentTypeSchema>
 </file>
 
-<file path=customXml/item2.xml><?xml version="1.0" encoding="utf-8"?>
-<?mso-contentType ?>
-<FormTemplates xmlns="http://schemas.microsoft.com/sharepoint/v3/contenttype/forms">
-  <Display>DocumentLibraryForm</Display>
-  <Edit>DocumentLibraryForm</Edit>
-  <New>DocumentLibraryForm</New>
-</FormTemplates>
-</file>
-
 <file path=customXml/item3.xml><?xml version="1.0" encoding="utf-8"?>
 <p:properties xmlns:p="http://schemas.microsoft.com/office/2006/metadata/properties" xmlns:xsi="http://www.w3.org/2001/XMLSchema-instance" xmlns:pc="http://schemas.microsoft.com/office/infopath/2007/PartnerControls">
   <documentManagement>
@@ -14809,6 +14809,14 @@
 </file>
 
 <file path=customXml/itemProps1.xml><?xml version="1.0" encoding="utf-8"?>
+<ds:datastoreItem xmlns:ds="http://schemas.openxmlformats.org/officeDocument/2006/customXml" ds:itemID="{E7CBD2F7-3565-4EC3-A19A-418CF48FD40C}">
+  <ds:schemaRefs>
+    <ds:schemaRef ds:uri="http://schemas.microsoft.com/sharepoint/v3/contenttype/forms"/>
+  </ds:schemaRefs>
+</ds:datastoreItem>
+</file>
+
+<file path=customXml/itemProps2.xml><?xml version="1.0" encoding="utf-8"?>
 <ds:datastoreItem xmlns:ds="http://schemas.openxmlformats.org/officeDocument/2006/customXml" ds:itemID="{E8B4DDAE-604A-4778-BDB0-C834633F1A3E}">
   <ds:schemaRefs>
     <ds:schemaRef ds:uri="http://schemas.microsoft.com/office/2006/metadata/contentType"/>
@@ -14827,14 +14835,6 @@
 </ds:datastoreItem>
 </file>
 
-<file path=customXml/itemProps2.xml><?xml version="1.0" encoding="utf-8"?>
-<ds:datastoreItem xmlns:ds="http://schemas.openxmlformats.org/officeDocument/2006/customXml" ds:itemID="{E7CBD2F7-3565-4EC3-A19A-418CF48FD40C}">
-  <ds:schemaRefs>
-    <ds:schemaRef ds:uri="http://schemas.microsoft.com/sharepoint/v3/contenttype/forms"/>
-  </ds:schemaRefs>
-</ds:datastoreItem>
-</file>
-
 <file path=customXml/itemProps3.xml><?xml version="1.0" encoding="utf-8"?>
 <ds:datastoreItem xmlns:ds="http://schemas.openxmlformats.org/officeDocument/2006/customXml" ds:itemID="{043E23B3-DF4A-4430-99EE-26D50DF888E5}">
   <ds:schemaRefs>
